--- a/docs/lecture_slides/Week 4/Week4_Lecture6_Slides_1_29_2024.pptx
+++ b/docs/lecture_slides/Week 4/Week4_Lecture6_Slides_1_29_2024.pptx
@@ -279,7 +279,7 @@
           <a:p>
             <a:fld id="{06882561-BD16-4A95-ACA1-5204E478F2FE}" type="datetimeFigureOut">
               <a:rPr lang="en-US" smtClean="0"/>
-              <a:t>1/28/2024</a:t>
+              <a:t>1/29/2024</a:t>
             </a:fld>
             <a:endParaRPr lang="en-US"/>
           </a:p>
@@ -477,7 +477,7 @@
           <a:p>
             <a:fld id="{06882561-BD16-4A95-ACA1-5204E478F2FE}" type="datetimeFigureOut">
               <a:rPr lang="en-US" smtClean="0"/>
-              <a:t>1/28/2024</a:t>
+              <a:t>1/29/2024</a:t>
             </a:fld>
             <a:endParaRPr lang="en-US"/>
           </a:p>
@@ -685,7 +685,7 @@
           <a:p>
             <a:fld id="{06882561-BD16-4A95-ACA1-5204E478F2FE}" type="datetimeFigureOut">
               <a:rPr lang="en-US" smtClean="0"/>
-              <a:t>1/28/2024</a:t>
+              <a:t>1/29/2024</a:t>
             </a:fld>
             <a:endParaRPr lang="en-US"/>
           </a:p>
@@ -883,7 +883,7 @@
           <a:p>
             <a:fld id="{06882561-BD16-4A95-ACA1-5204E478F2FE}" type="datetimeFigureOut">
               <a:rPr lang="en-US" smtClean="0"/>
-              <a:t>1/28/2024</a:t>
+              <a:t>1/29/2024</a:t>
             </a:fld>
             <a:endParaRPr lang="en-US"/>
           </a:p>
@@ -1158,7 +1158,7 @@
           <a:p>
             <a:fld id="{06882561-BD16-4A95-ACA1-5204E478F2FE}" type="datetimeFigureOut">
               <a:rPr lang="en-US" smtClean="0"/>
-              <a:t>1/28/2024</a:t>
+              <a:t>1/29/2024</a:t>
             </a:fld>
             <a:endParaRPr lang="en-US"/>
           </a:p>
@@ -1423,7 +1423,7 @@
           <a:p>
             <a:fld id="{06882561-BD16-4A95-ACA1-5204E478F2FE}" type="datetimeFigureOut">
               <a:rPr lang="en-US" smtClean="0"/>
-              <a:t>1/28/2024</a:t>
+              <a:t>1/29/2024</a:t>
             </a:fld>
             <a:endParaRPr lang="en-US"/>
           </a:p>
@@ -1835,7 +1835,7 @@
           <a:p>
             <a:fld id="{06882561-BD16-4A95-ACA1-5204E478F2FE}" type="datetimeFigureOut">
               <a:rPr lang="en-US" smtClean="0"/>
-              <a:t>1/28/2024</a:t>
+              <a:t>1/29/2024</a:t>
             </a:fld>
             <a:endParaRPr lang="en-US"/>
           </a:p>
@@ -1976,7 +1976,7 @@
           <a:p>
             <a:fld id="{06882561-BD16-4A95-ACA1-5204E478F2FE}" type="datetimeFigureOut">
               <a:rPr lang="en-US" smtClean="0"/>
-              <a:t>1/28/2024</a:t>
+              <a:t>1/29/2024</a:t>
             </a:fld>
             <a:endParaRPr lang="en-US"/>
           </a:p>
@@ -2089,7 +2089,7 @@
           <a:p>
             <a:fld id="{06882561-BD16-4A95-ACA1-5204E478F2FE}" type="datetimeFigureOut">
               <a:rPr lang="en-US" smtClean="0"/>
-              <a:t>1/28/2024</a:t>
+              <a:t>1/29/2024</a:t>
             </a:fld>
             <a:endParaRPr lang="en-US"/>
           </a:p>
@@ -2400,7 +2400,7 @@
           <a:p>
             <a:fld id="{06882561-BD16-4A95-ACA1-5204E478F2FE}" type="datetimeFigureOut">
               <a:rPr lang="en-US" smtClean="0"/>
-              <a:t>1/28/2024</a:t>
+              <a:t>1/29/2024</a:t>
             </a:fld>
             <a:endParaRPr lang="en-US"/>
           </a:p>
@@ -2688,7 +2688,7 @@
           <a:p>
             <a:fld id="{06882561-BD16-4A95-ACA1-5204E478F2FE}" type="datetimeFigureOut">
               <a:rPr lang="en-US" smtClean="0"/>
-              <a:t>1/28/2024</a:t>
+              <a:t>1/29/2024</a:t>
             </a:fld>
             <a:endParaRPr lang="en-US"/>
           </a:p>
@@ -2929,7 +2929,7 @@
           <a:p>
             <a:fld id="{06882561-BD16-4A95-ACA1-5204E478F2FE}" type="datetimeFigureOut">
               <a:rPr lang="en-US" smtClean="0"/>
-              <a:t>1/28/2024</a:t>
+              <a:t>1/29/2024</a:t>
             </a:fld>
             <a:endParaRPr lang="en-US"/>
           </a:p>
@@ -3702,8 +3702,8 @@
           </p:sp>
         </mc:Fallback>
       </mc:AlternateContent>
-      <mc:AlternateContent xmlns:mc="http://schemas.openxmlformats.org/markup-compatibility/2006" xmlns:a14="http://schemas.microsoft.com/office/drawing/2010/main">
-        <mc:Choice Requires="a14">
+      <mc:AlternateContent xmlns:mc="http://schemas.openxmlformats.org/markup-compatibility/2006">
+        <mc:Choice xmlns:a14="http://schemas.microsoft.com/office/drawing/2010/main" Requires="a14">
           <p:sp>
             <p:nvSpPr>
               <p:cNvPr id="4" name="Content Placeholder 2">
@@ -4031,7 +4031,16 @@
                     <a:ea typeface="+mn-ea"/>
                     <a:cs typeface="+mn-cs"/>
                   </a:rPr>
-                  <a:t>Mean = 3.8</a:t>
+                  <a:t>Mean = </a:t>
+                </a:r>
+                <a:r>
+                  <a:rPr lang="en-US" sz="2400" dirty="0">
+                    <a:solidFill>
+                      <a:prstClr val="black"/>
+                    </a:solidFill>
+                    <a:latin typeface="Calibri" panose="020F0502020204030204"/>
+                  </a:rPr>
+                  <a:t>65.6</a:t>
                 </a:r>
                 <a:endParaRPr kumimoji="0" lang="en-US" sz="2000" b="0" i="0" u="none" strike="noStrike" kern="1200" cap="none" spc="0" normalizeH="0" baseline="0" noProof="0" dirty="0">
                   <a:ln>
@@ -4269,7 +4278,7 @@
             </p:txBody>
           </p:sp>
         </mc:Choice>
-        <mc:Fallback xmlns="">
+        <mc:Fallback>
           <p:sp>
             <p:nvSpPr>
               <p:cNvPr id="4" name="Content Placeholder 2">
@@ -10198,8 +10207,8 @@
           </a:p>
         </p:txBody>
       </p:sp>
-      <mc:AlternateContent xmlns:mc="http://schemas.openxmlformats.org/markup-compatibility/2006">
-        <mc:Choice xmlns:a14="http://schemas.microsoft.com/office/drawing/2010/main" Requires="a14">
+      <mc:AlternateContent xmlns:mc="http://schemas.openxmlformats.org/markup-compatibility/2006" xmlns:a14="http://schemas.microsoft.com/office/drawing/2010/main">
+        <mc:Choice Requires="a14">
           <p:sp>
             <p:nvSpPr>
               <p:cNvPr id="4" name="Content Placeholder 2">
@@ -10957,24 +10966,7 @@
                         <a:ea typeface="+mn-ea"/>
                         <a:cs typeface="+mn-cs"/>
                       </a:rPr>
-                      <m:t>=</m:t>
-                    </m:r>
-                    <m:r>
-                      <a:rPr kumimoji="0" lang="en-US" sz="2400" b="0" i="1" u="none" strike="noStrike" kern="1200" cap="none" spc="0" normalizeH="0" baseline="0" noProof="0" smtClean="0">
-                        <a:ln>
-                          <a:noFill/>
-                        </a:ln>
-                        <a:solidFill>
-                          <a:srgbClr val="FF0000"/>
-                        </a:solidFill>
-                        <a:effectLst/>
-                        <a:uLnTx/>
-                        <a:uFillTx/>
-                        <a:latin typeface="Cambria Math" panose="02040503050406030204" pitchFamily="18" charset="0"/>
-                        <a:ea typeface="+mn-ea"/>
-                        <a:cs typeface="+mn-cs"/>
-                      </a:rPr>
-                      <m:t> </m:t>
+                      <m:t>= </m:t>
                     </m:r>
                     <m:box>
                       <m:boxPr>
@@ -11253,7 +11245,7 @@
             </p:txBody>
           </p:sp>
         </mc:Choice>
-        <mc:Fallback>
+        <mc:Fallback xmlns="">
           <p:sp>
             <p:nvSpPr>
               <p:cNvPr id="4" name="Content Placeholder 2">

--- a/docs/lecture_slides/Week 4/Week4_Lecture6_Slides_1_29_2024.pptx
+++ b/docs/lecture_slides/Week 4/Week4_Lecture6_Slides_1_29_2024.pptx
@@ -17,15 +17,6 @@
     <p:sldId id="283" r:id="rId11"/>
     <p:sldId id="317" r:id="rId12"/>
     <p:sldId id="348" r:id="rId13"/>
-    <p:sldId id="343" r:id="rId14"/>
-    <p:sldId id="318" r:id="rId15"/>
-    <p:sldId id="319" r:id="rId16"/>
-    <p:sldId id="344" r:id="rId17"/>
-    <p:sldId id="345" r:id="rId18"/>
-    <p:sldId id="330" r:id="rId19"/>
-    <p:sldId id="346" r:id="rId20"/>
-    <p:sldId id="332" r:id="rId21"/>
-    <p:sldId id="333" r:id="rId22"/>
   </p:sldIdLst>
   <p:sldSz cx="12192000" cy="6858000"/>
   <p:notesSz cx="6858000" cy="9144000"/>
@@ -3702,8 +3693,8 @@
           </p:sp>
         </mc:Fallback>
       </mc:AlternateContent>
-      <mc:AlternateContent xmlns:mc="http://schemas.openxmlformats.org/markup-compatibility/2006">
-        <mc:Choice xmlns:a14="http://schemas.microsoft.com/office/drawing/2010/main" Requires="a14">
+      <mc:AlternateContent xmlns:mc="http://schemas.openxmlformats.org/markup-compatibility/2006" xmlns:a14="http://schemas.microsoft.com/office/drawing/2010/main">
+        <mc:Choice Requires="a14">
           <p:sp>
             <p:nvSpPr>
               <p:cNvPr id="4" name="Content Placeholder 2">
@@ -4278,7 +4269,7 @@
             </p:txBody>
           </p:sp>
         </mc:Choice>
-        <mc:Fallback>
+        <mc:Fallback xmlns="">
           <p:sp>
             <p:nvSpPr>
               <p:cNvPr id="4" name="Content Placeholder 2">
@@ -4758,4265 +4749,6 @@
 </p:sld>
 </file>
 
-<file path=ppt/slides/slide13.xml><?xml version="1.0" encoding="utf-8"?>
-<p:sld xmlns:a="http://schemas.openxmlformats.org/drawingml/2006/main" xmlns:r="http://schemas.openxmlformats.org/officeDocument/2006/relationships" xmlns:p="http://schemas.openxmlformats.org/presentationml/2006/main">
-  <p:cSld>
-    <p:spTree>
-      <p:nvGrpSpPr>
-        <p:cNvPr id="1" name=""/>
-        <p:cNvGrpSpPr/>
-        <p:nvPr/>
-      </p:nvGrpSpPr>
-      <p:grpSpPr>
-        <a:xfrm>
-          <a:off x="0" y="0"/>
-          <a:ext cx="0" cy="0"/>
-          <a:chOff x="0" y="0"/>
-          <a:chExt cx="0" cy="0"/>
-        </a:xfrm>
-      </p:grpSpPr>
-      <p:sp>
-        <p:nvSpPr>
-          <p:cNvPr id="2" name="Title 1">
-            <a:extLst>
-              <a:ext uri="{FF2B5EF4-FFF2-40B4-BE49-F238E27FC236}">
-                <a16:creationId xmlns:a16="http://schemas.microsoft.com/office/drawing/2014/main" id="{2D4D5AF5-177D-060F-D0DB-6A34E2501A25}"/>
-              </a:ext>
-            </a:extLst>
-          </p:cNvPr>
-          <p:cNvSpPr>
-            <a:spLocks noGrp="1"/>
-          </p:cNvSpPr>
-          <p:nvPr>
-            <p:ph type="title"/>
-          </p:nvPr>
-        </p:nvSpPr>
-        <p:spPr/>
-        <p:txBody>
-          <a:bodyPr/>
-          <a:lstStyle/>
-          <a:p>
-            <a:r>
-              <a:rPr lang="en-US" dirty="0"/>
-              <a:t>The Normal Distribution</a:t>
-            </a:r>
-          </a:p>
-        </p:txBody>
-      </p:sp>
-      <mc:AlternateContent xmlns:mc="http://schemas.openxmlformats.org/markup-compatibility/2006" xmlns:a14="http://schemas.microsoft.com/office/drawing/2010/main">
-        <mc:Choice Requires="a14">
-          <p:sp>
-            <p:nvSpPr>
-              <p:cNvPr id="3" name="Content Placeholder 2">
-                <a:extLst>
-                  <a:ext uri="{FF2B5EF4-FFF2-40B4-BE49-F238E27FC236}">
-                    <a16:creationId xmlns:a16="http://schemas.microsoft.com/office/drawing/2014/main" id="{EEFADC9D-74D1-9F96-81DC-663A0193A406}"/>
-                  </a:ext>
-                </a:extLst>
-              </p:cNvPr>
-              <p:cNvSpPr>
-                <a:spLocks noGrp="1"/>
-              </p:cNvSpPr>
-              <p:nvPr>
-                <p:ph idx="1"/>
-              </p:nvPr>
-            </p:nvSpPr>
-            <p:spPr>
-              <a:xfrm>
-                <a:off x="838200" y="1939635"/>
-                <a:ext cx="7105073" cy="4237327"/>
-              </a:xfrm>
-            </p:spPr>
-            <p:txBody>
-              <a:bodyPr>
-                <a:normAutofit fontScale="77500" lnSpcReduction="20000"/>
-              </a:bodyPr>
-              <a:lstStyle/>
-              <a:p>
-                <a:r>
-                  <a:rPr lang="en-US" dirty="0"/>
-                  <a:t>A family of smooth, bell-shaped (symmetric) distributions that arise often in statistics</a:t>
-                </a:r>
-              </a:p>
-              <a:p>
-                <a:pPr marL="0" indent="0">
-                  <a:buNone/>
-                </a:pPr>
-                <a:endParaRPr lang="en-US" dirty="0"/>
-              </a:p>
-              <a:p>
-                <a:r>
-                  <a:rPr lang="en-US" dirty="0"/>
-                  <a:t>Shape is determined by two parameters: the mean and the standard deviation</a:t>
-                </a:r>
-              </a:p>
-              <a:p>
-                <a:pPr marL="914400" lvl="2" indent="0">
-                  <a:buNone/>
-                </a:pPr>
-                <a:r>
-                  <a:rPr lang="en-US" dirty="0"/>
-                  <a:t>The mean is located where the (relative) frequency is at its peak.</a:t>
-                </a:r>
-              </a:p>
-              <a:p>
-                <a:pPr marL="914400" lvl="2" indent="0">
-                  <a:buNone/>
-                </a:pPr>
-                <a:endParaRPr lang="en-US" dirty="0"/>
-              </a:p>
-              <a:p>
-                <a:pPr marL="914400" lvl="2" indent="0">
-                  <a:buNone/>
-                </a:pPr>
-                <a:r>
-                  <a:rPr lang="en-US" dirty="0"/>
-                  <a:t>The standard deviation is the distance from the mean to the value of the variable where the (relative) frequency is a little less than 3/4 of the way (actually about 68%) to its maximum.</a:t>
-                </a:r>
-              </a:p>
-              <a:p>
-                <a:endParaRPr lang="en-US" dirty="0"/>
-              </a:p>
-              <a:p>
-                <a:r>
-                  <a:rPr lang="en-US" dirty="0"/>
-                  <a:t>We denote the normal distribution for a population as </a:t>
-                </a:r>
-              </a:p>
-              <a:p>
-                <a:pPr marL="914400" lvl="2" indent="0">
-                  <a:buNone/>
-                </a:pPr>
-                <a14:m>
-                  <m:oMathPara xmlns:m="http://schemas.openxmlformats.org/officeDocument/2006/math">
-                    <m:oMathParaPr>
-                      <m:jc m:val="centerGroup"/>
-                    </m:oMathParaPr>
-                    <m:oMath xmlns:m="http://schemas.openxmlformats.org/officeDocument/2006/math">
-                      <m:r>
-                        <a:rPr lang="en-US" sz="2200" b="0" i="1" smtClean="0">
-                          <a:latin typeface="Cambria Math" panose="02040503050406030204" pitchFamily="18" charset="0"/>
-                        </a:rPr>
-                        <m:t>𝑥</m:t>
-                      </m:r>
-                      <m:r>
-                        <a:rPr lang="en-US" sz="2200" b="0" i="1" smtClean="0">
-                          <a:latin typeface="Cambria Math" panose="02040503050406030204" pitchFamily="18" charset="0"/>
-                        </a:rPr>
-                        <m:t>∼</m:t>
-                      </m:r>
-                      <m:r>
-                        <a:rPr lang="en-US" sz="2200" b="0" i="1" smtClean="0">
-                          <a:latin typeface="Cambria Math" panose="02040503050406030204" pitchFamily="18" charset="0"/>
-                        </a:rPr>
-                        <m:t>𝑁</m:t>
-                      </m:r>
-                      <m:r>
-                        <a:rPr lang="en-US" sz="2200" b="0" i="1" smtClean="0">
-                          <a:latin typeface="Cambria Math" panose="02040503050406030204" pitchFamily="18" charset="0"/>
-                        </a:rPr>
-                        <m:t>(</m:t>
-                      </m:r>
-                      <m:r>
-                        <a:rPr lang="en-US" sz="2200" b="0" i="1" smtClean="0">
-                          <a:latin typeface="Cambria Math" panose="02040503050406030204" pitchFamily="18" charset="0"/>
-                        </a:rPr>
-                        <m:t>𝜇</m:t>
-                      </m:r>
-                      <m:r>
-                        <a:rPr lang="en-US" sz="2200" b="0" i="1" smtClean="0">
-                          <a:latin typeface="Cambria Math" panose="02040503050406030204" pitchFamily="18" charset="0"/>
-                        </a:rPr>
-                        <m:t>, </m:t>
-                      </m:r>
-                      <m:r>
-                        <a:rPr lang="en-US" sz="2200" b="0" i="1" smtClean="0">
-                          <a:latin typeface="Cambria Math" panose="02040503050406030204" pitchFamily="18" charset="0"/>
-                        </a:rPr>
-                        <m:t>𝜎</m:t>
-                      </m:r>
-                      <m:r>
-                        <a:rPr lang="en-US" sz="2200" b="0" i="1" smtClean="0">
-                          <a:latin typeface="Cambria Math" panose="02040503050406030204" pitchFamily="18" charset="0"/>
-                        </a:rPr>
-                        <m:t>)</m:t>
-                      </m:r>
-                    </m:oMath>
-                  </m:oMathPara>
-                </a14:m>
-                <a:endParaRPr lang="en-US" sz="2200" dirty="0"/>
-              </a:p>
-              <a:p>
-                <a:r>
-                  <a:rPr lang="en-US" dirty="0"/>
-                  <a:t>And for a sample as </a:t>
-                </a:r>
-              </a:p>
-              <a:p>
-                <a:pPr marL="914400" lvl="2" indent="0">
-                  <a:buNone/>
-                </a:pPr>
-                <a14:m>
-                  <m:oMathPara xmlns:m="http://schemas.openxmlformats.org/officeDocument/2006/math">
-                    <m:oMathParaPr>
-                      <m:jc m:val="centerGroup"/>
-                    </m:oMathParaPr>
-                    <m:oMath xmlns:m="http://schemas.openxmlformats.org/officeDocument/2006/math">
-                      <m:r>
-                        <a:rPr lang="en-US" sz="2200" b="0" i="1" smtClean="0">
-                          <a:latin typeface="Cambria Math" panose="02040503050406030204" pitchFamily="18" charset="0"/>
-                        </a:rPr>
-                        <m:t>𝑥</m:t>
-                      </m:r>
-                      <m:r>
-                        <a:rPr lang="en-US" sz="2200" b="0" i="1" smtClean="0">
-                          <a:latin typeface="Cambria Math" panose="02040503050406030204" pitchFamily="18" charset="0"/>
-                        </a:rPr>
-                        <m:t>∼</m:t>
-                      </m:r>
-                      <m:r>
-                        <a:rPr lang="en-US" sz="2200" b="0" i="1" smtClean="0">
-                          <a:latin typeface="Cambria Math" panose="02040503050406030204" pitchFamily="18" charset="0"/>
-                        </a:rPr>
-                        <m:t>𝑁</m:t>
-                      </m:r>
-                      <m:r>
-                        <a:rPr lang="en-US" sz="2200" b="0" i="1" smtClean="0">
-                          <a:latin typeface="Cambria Math" panose="02040503050406030204" pitchFamily="18" charset="0"/>
-                        </a:rPr>
-                        <m:t>(</m:t>
-                      </m:r>
-                      <m:acc>
-                        <m:accPr>
-                          <m:chr m:val="̅"/>
-                          <m:ctrlPr>
-                            <a:rPr lang="en-US" sz="2200" b="0" i="1" smtClean="0">
-                              <a:latin typeface="Cambria Math" panose="02040503050406030204" pitchFamily="18" charset="0"/>
-                            </a:rPr>
-                          </m:ctrlPr>
-                        </m:accPr>
-                        <m:e>
-                          <m:r>
-                            <a:rPr lang="en-US" sz="2200" b="0" i="1" smtClean="0">
-                              <a:latin typeface="Cambria Math" panose="02040503050406030204" pitchFamily="18" charset="0"/>
-                            </a:rPr>
-                            <m:t>𝑥</m:t>
-                          </m:r>
-                        </m:e>
-                      </m:acc>
-                      <m:r>
-                        <a:rPr lang="en-US" sz="2200" b="0" i="1" smtClean="0">
-                          <a:latin typeface="Cambria Math" panose="02040503050406030204" pitchFamily="18" charset="0"/>
-                        </a:rPr>
-                        <m:t>, </m:t>
-                      </m:r>
-                      <m:r>
-                        <a:rPr lang="en-US" sz="2200" b="0" i="1" smtClean="0">
-                          <a:latin typeface="Cambria Math" panose="02040503050406030204" pitchFamily="18" charset="0"/>
-                        </a:rPr>
-                        <m:t>𝑠</m:t>
-                      </m:r>
-                      <m:r>
-                        <a:rPr lang="en-US" sz="2200" b="0" i="1" smtClean="0">
-                          <a:latin typeface="Cambria Math" panose="02040503050406030204" pitchFamily="18" charset="0"/>
-                        </a:rPr>
-                        <m:t>)</m:t>
-                      </m:r>
-                    </m:oMath>
-                  </m:oMathPara>
-                </a14:m>
-                <a:endParaRPr lang="en-US" sz="2200" b="0" dirty="0"/>
-              </a:p>
-              <a:p>
-                <a:pPr marL="914400" lvl="2" indent="0">
-                  <a:buNone/>
-                </a:pPr>
-                <a:endParaRPr lang="en-US" dirty="0"/>
-              </a:p>
-            </p:txBody>
-          </p:sp>
-        </mc:Choice>
-        <mc:Fallback xmlns="">
-          <p:sp>
-            <p:nvSpPr>
-              <p:cNvPr id="3" name="Content Placeholder 2">
-                <a:extLst>
-                  <a:ext uri="{FF2B5EF4-FFF2-40B4-BE49-F238E27FC236}">
-                    <a16:creationId xmlns:a16="http://schemas.microsoft.com/office/drawing/2014/main" id="{EEFADC9D-74D1-9F96-81DC-663A0193A406}"/>
-                  </a:ext>
-                </a:extLst>
-              </p:cNvPr>
-              <p:cNvSpPr>
-                <a:spLocks noGrp="1" noRot="1" noChangeAspect="1" noMove="1" noResize="1" noEditPoints="1" noAdjustHandles="1" noChangeArrowheads="1" noChangeShapeType="1" noTextEdit="1"/>
-              </p:cNvSpPr>
-              <p:nvPr>
-                <p:ph idx="1"/>
-              </p:nvPr>
-            </p:nvSpPr>
-            <p:spPr>
-              <a:xfrm>
-                <a:off x="838200" y="1939635"/>
-                <a:ext cx="7105073" cy="4237327"/>
-              </a:xfrm>
-              <a:blipFill>
-                <a:blip r:embed="rId2"/>
-                <a:stretch>
-                  <a:fillRect l="-1030" t="-3022" r="-1803"/>
-                </a:stretch>
-              </a:blipFill>
-            </p:spPr>
-            <p:txBody>
-              <a:bodyPr/>
-              <a:lstStyle/>
-              <a:p>
-                <a:r>
-                  <a:rPr lang="en-US">
-                    <a:noFill/>
-                  </a:rPr>
-                  <a:t> </a:t>
-                </a:r>
-              </a:p>
-            </p:txBody>
-          </p:sp>
-        </mc:Fallback>
-      </mc:AlternateContent>
-      <p:pic>
-        <p:nvPicPr>
-          <p:cNvPr id="5" name="Picture 4">
-            <a:extLst>
-              <a:ext uri="{FF2B5EF4-FFF2-40B4-BE49-F238E27FC236}">
-                <a16:creationId xmlns:a16="http://schemas.microsoft.com/office/drawing/2014/main" id="{A4C5B146-9E5B-6D4E-E4B7-48450B5EDCDF}"/>
-              </a:ext>
-            </a:extLst>
-          </p:cNvPr>
-          <p:cNvPicPr>
-            <a:picLocks noChangeAspect="1"/>
-          </p:cNvPicPr>
-          <p:nvPr/>
-        </p:nvPicPr>
-        <p:blipFill>
-          <a:blip r:embed="rId3"/>
-          <a:stretch>
-            <a:fillRect/>
-          </a:stretch>
-        </p:blipFill>
-        <p:spPr>
-          <a:xfrm>
-            <a:off x="8241722" y="2599254"/>
-            <a:ext cx="3553266" cy="2659598"/>
-          </a:xfrm>
-          <a:prstGeom prst="rect">
-            <a:avLst/>
-          </a:prstGeom>
-        </p:spPr>
-      </p:pic>
-    </p:spTree>
-    <p:extLst>
-      <p:ext uri="{BB962C8B-B14F-4D97-AF65-F5344CB8AC3E}">
-        <p14:creationId xmlns:p14="http://schemas.microsoft.com/office/powerpoint/2010/main" val="1959998065"/>
-      </p:ext>
-    </p:extLst>
-  </p:cSld>
-  <p:clrMapOvr>
-    <a:masterClrMapping/>
-  </p:clrMapOvr>
-</p:sld>
-</file>
-
-<file path=ppt/slides/slide14.xml><?xml version="1.0" encoding="utf-8"?>
-<p:sld xmlns:a="http://schemas.openxmlformats.org/drawingml/2006/main" xmlns:r="http://schemas.openxmlformats.org/officeDocument/2006/relationships" xmlns:p="http://schemas.openxmlformats.org/presentationml/2006/main">
-  <p:cSld>
-    <p:spTree>
-      <p:nvGrpSpPr>
-        <p:cNvPr id="1" name=""/>
-        <p:cNvGrpSpPr/>
-        <p:nvPr/>
-      </p:nvGrpSpPr>
-      <p:grpSpPr>
-        <a:xfrm>
-          <a:off x="0" y="0"/>
-          <a:ext cx="0" cy="0"/>
-          <a:chOff x="0" y="0"/>
-          <a:chExt cx="0" cy="0"/>
-        </a:xfrm>
-      </p:grpSpPr>
-      <p:pic>
-        <p:nvPicPr>
-          <p:cNvPr id="16" name="Picture 15">
-            <a:extLst>
-              <a:ext uri="{FF2B5EF4-FFF2-40B4-BE49-F238E27FC236}">
-                <a16:creationId xmlns:a16="http://schemas.microsoft.com/office/drawing/2014/main" id="{80A732CA-4851-5A57-86F0-8944B26C466D}"/>
-              </a:ext>
-            </a:extLst>
-          </p:cNvPr>
-          <p:cNvPicPr>
-            <a:picLocks noChangeAspect="1"/>
-          </p:cNvPicPr>
-          <p:nvPr/>
-        </p:nvPicPr>
-        <p:blipFill>
-          <a:blip r:embed="rId2"/>
-          <a:stretch>
-            <a:fillRect/>
-          </a:stretch>
-        </p:blipFill>
-        <p:spPr>
-          <a:xfrm>
-            <a:off x="369455" y="663494"/>
-            <a:ext cx="10603345" cy="6015232"/>
-          </a:xfrm>
-          <a:prstGeom prst="rect">
-            <a:avLst/>
-          </a:prstGeom>
-        </p:spPr>
-      </p:pic>
-      <p:sp>
-        <p:nvSpPr>
-          <p:cNvPr id="12" name="Right Brace 11">
-            <a:extLst>
-              <a:ext uri="{FF2B5EF4-FFF2-40B4-BE49-F238E27FC236}">
-                <a16:creationId xmlns:a16="http://schemas.microsoft.com/office/drawing/2014/main" id="{A1E1666C-C149-0250-9880-84AD82DF8585}"/>
-              </a:ext>
-            </a:extLst>
-          </p:cNvPr>
-          <p:cNvSpPr/>
-          <p:nvPr/>
-        </p:nvSpPr>
-        <p:spPr>
-          <a:xfrm rot="16200000">
-            <a:off x="5698082" y="2297659"/>
-            <a:ext cx="561975" cy="2410691"/>
-          </a:xfrm>
-          <a:prstGeom prst="rightBrace">
-            <a:avLst>
-              <a:gd name="adj1" fmla="val 60927"/>
-              <a:gd name="adj2" fmla="val 50000"/>
-            </a:avLst>
-          </a:prstGeom>
-          <a:ln w="57150">
-            <a:solidFill>
-              <a:schemeClr val="tx1"/>
-            </a:solidFill>
-          </a:ln>
-        </p:spPr>
-        <p:style>
-          <a:lnRef idx="1">
-            <a:schemeClr val="accent1"/>
-          </a:lnRef>
-          <a:fillRef idx="0">
-            <a:schemeClr val="accent1"/>
-          </a:fillRef>
-          <a:effectRef idx="0">
-            <a:schemeClr val="accent1"/>
-          </a:effectRef>
-          <a:fontRef idx="minor">
-            <a:schemeClr val="tx1"/>
-          </a:fontRef>
-        </p:style>
-        <p:txBody>
-          <a:bodyPr rtlCol="0" anchor="ctr"/>
-          <a:lstStyle/>
-          <a:p>
-            <a:pPr marL="0" marR="0" lvl="0" indent="0" algn="ctr" defTabSz="914400" rtl="0" eaLnBrk="1" fontAlgn="auto" latinLnBrk="0" hangingPunct="1">
-              <a:lnSpc>
-                <a:spcPct val="100000"/>
-              </a:lnSpc>
-              <a:spcBef>
-                <a:spcPts val="0"/>
-              </a:spcBef>
-              <a:spcAft>
-                <a:spcPts val="0"/>
-              </a:spcAft>
-              <a:buClrTx/>
-              <a:buSzTx/>
-              <a:buFontTx/>
-              <a:buNone/>
-              <a:tabLst/>
-              <a:defRPr/>
-            </a:pPr>
-            <a:endParaRPr kumimoji="0" lang="en-US" sz="1800" b="0" i="0" u="none" strike="noStrike" kern="1200" cap="none" spc="0" normalizeH="0" baseline="0" noProof="0">
-              <a:ln>
-                <a:noFill/>
-              </a:ln>
-              <a:solidFill>
-                <a:prstClr val="black"/>
-              </a:solidFill>
-              <a:effectLst/>
-              <a:uLnTx/>
-              <a:uFillTx/>
-              <a:latin typeface="Calibri" panose="020F0502020204030204"/>
-              <a:ea typeface="+mn-ea"/>
-              <a:cs typeface="+mn-cs"/>
-            </a:endParaRPr>
-          </a:p>
-        </p:txBody>
-      </p:sp>
-      <p:sp>
-        <p:nvSpPr>
-          <p:cNvPr id="13" name="Right Brace 12">
-            <a:extLst>
-              <a:ext uri="{FF2B5EF4-FFF2-40B4-BE49-F238E27FC236}">
-                <a16:creationId xmlns:a16="http://schemas.microsoft.com/office/drawing/2014/main" id="{6BE78BBB-1DFC-7E1C-B0D8-203A5F7F753A}"/>
-              </a:ext>
-            </a:extLst>
-          </p:cNvPr>
-          <p:cNvSpPr/>
-          <p:nvPr/>
-        </p:nvSpPr>
-        <p:spPr>
-          <a:xfrm rot="16200000">
-            <a:off x="5698085" y="21167"/>
-            <a:ext cx="561975" cy="4922982"/>
-          </a:xfrm>
-          <a:prstGeom prst="rightBrace">
-            <a:avLst>
-              <a:gd name="adj1" fmla="val 60927"/>
-              <a:gd name="adj2" fmla="val 50000"/>
-            </a:avLst>
-          </a:prstGeom>
-          <a:ln w="57150">
-            <a:solidFill>
-              <a:schemeClr val="tx1"/>
-            </a:solidFill>
-          </a:ln>
-        </p:spPr>
-        <p:style>
-          <a:lnRef idx="1">
-            <a:schemeClr val="accent1"/>
-          </a:lnRef>
-          <a:fillRef idx="0">
-            <a:schemeClr val="accent1"/>
-          </a:fillRef>
-          <a:effectRef idx="0">
-            <a:schemeClr val="accent1"/>
-          </a:effectRef>
-          <a:fontRef idx="minor">
-            <a:schemeClr val="tx1"/>
-          </a:fontRef>
-        </p:style>
-        <p:txBody>
-          <a:bodyPr rtlCol="0" anchor="ctr"/>
-          <a:lstStyle/>
-          <a:p>
-            <a:pPr marL="0" marR="0" lvl="0" indent="0" algn="ctr" defTabSz="914400" rtl="0" eaLnBrk="1" fontAlgn="auto" latinLnBrk="0" hangingPunct="1">
-              <a:lnSpc>
-                <a:spcPct val="100000"/>
-              </a:lnSpc>
-              <a:spcBef>
-                <a:spcPts val="0"/>
-              </a:spcBef>
-              <a:spcAft>
-                <a:spcPts val="0"/>
-              </a:spcAft>
-              <a:buClrTx/>
-              <a:buSzTx/>
-              <a:buFontTx/>
-              <a:buNone/>
-              <a:tabLst/>
-              <a:defRPr/>
-            </a:pPr>
-            <a:endParaRPr kumimoji="0" lang="en-US" sz="1800" b="0" i="0" u="none" strike="noStrike" kern="1200" cap="none" spc="0" normalizeH="0" baseline="0" noProof="0">
-              <a:ln>
-                <a:noFill/>
-              </a:ln>
-              <a:solidFill>
-                <a:prstClr val="black"/>
-              </a:solidFill>
-              <a:effectLst/>
-              <a:uLnTx/>
-              <a:uFillTx/>
-              <a:latin typeface="Calibri" panose="020F0502020204030204"/>
-              <a:ea typeface="+mn-ea"/>
-              <a:cs typeface="+mn-cs"/>
-            </a:endParaRPr>
-          </a:p>
-        </p:txBody>
-      </p:sp>
-      <p:sp>
-        <p:nvSpPr>
-          <p:cNvPr id="14" name="Right Brace 13">
-            <a:extLst>
-              <a:ext uri="{FF2B5EF4-FFF2-40B4-BE49-F238E27FC236}">
-                <a16:creationId xmlns:a16="http://schemas.microsoft.com/office/drawing/2014/main" id="{FF403884-2D96-513D-290D-4F3B97E63D69}"/>
-              </a:ext>
-            </a:extLst>
-          </p:cNvPr>
-          <p:cNvSpPr/>
-          <p:nvPr/>
-        </p:nvSpPr>
-        <p:spPr>
-          <a:xfrm rot="16200000">
-            <a:off x="5698082" y="-2318458"/>
-            <a:ext cx="561975" cy="7406090"/>
-          </a:xfrm>
-          <a:prstGeom prst="rightBrace">
-            <a:avLst>
-              <a:gd name="adj1" fmla="val 60927"/>
-              <a:gd name="adj2" fmla="val 50000"/>
-            </a:avLst>
-          </a:prstGeom>
-          <a:ln w="57150">
-            <a:solidFill>
-              <a:schemeClr val="tx1"/>
-            </a:solidFill>
-          </a:ln>
-        </p:spPr>
-        <p:style>
-          <a:lnRef idx="1">
-            <a:schemeClr val="accent1"/>
-          </a:lnRef>
-          <a:fillRef idx="0">
-            <a:schemeClr val="accent1"/>
-          </a:fillRef>
-          <a:effectRef idx="0">
-            <a:schemeClr val="accent1"/>
-          </a:effectRef>
-          <a:fontRef idx="minor">
-            <a:schemeClr val="tx1"/>
-          </a:fontRef>
-        </p:style>
-        <p:txBody>
-          <a:bodyPr rtlCol="0" anchor="ctr"/>
-          <a:lstStyle/>
-          <a:p>
-            <a:pPr marL="0" marR="0" lvl="0" indent="0" algn="ctr" defTabSz="914400" rtl="0" eaLnBrk="1" fontAlgn="auto" latinLnBrk="0" hangingPunct="1">
-              <a:lnSpc>
-                <a:spcPct val="100000"/>
-              </a:lnSpc>
-              <a:spcBef>
-                <a:spcPts val="0"/>
-              </a:spcBef>
-              <a:spcAft>
-                <a:spcPts val="0"/>
-              </a:spcAft>
-              <a:buClrTx/>
-              <a:buSzTx/>
-              <a:buFontTx/>
-              <a:buNone/>
-              <a:tabLst/>
-              <a:defRPr/>
-            </a:pPr>
-            <a:endParaRPr kumimoji="0" lang="en-US" sz="1800" b="0" i="0" u="none" strike="noStrike" kern="1200" cap="none" spc="0" normalizeH="0" baseline="0" noProof="0">
-              <a:ln>
-                <a:noFill/>
-              </a:ln>
-              <a:solidFill>
-                <a:prstClr val="black"/>
-              </a:solidFill>
-              <a:effectLst/>
-              <a:uLnTx/>
-              <a:uFillTx/>
-              <a:latin typeface="Calibri" panose="020F0502020204030204"/>
-              <a:ea typeface="+mn-ea"/>
-              <a:cs typeface="+mn-cs"/>
-            </a:endParaRPr>
-          </a:p>
-        </p:txBody>
-      </p:sp>
-      <p:sp>
-        <p:nvSpPr>
-          <p:cNvPr id="17" name="TextBox 16">
-            <a:extLst>
-              <a:ext uri="{FF2B5EF4-FFF2-40B4-BE49-F238E27FC236}">
-                <a16:creationId xmlns:a16="http://schemas.microsoft.com/office/drawing/2014/main" id="{A2577323-0AB8-1906-6077-D04E5C759751}"/>
-              </a:ext>
-            </a:extLst>
-          </p:cNvPr>
-          <p:cNvSpPr txBox="1"/>
-          <p:nvPr/>
-        </p:nvSpPr>
-        <p:spPr>
-          <a:xfrm>
-            <a:off x="4694132" y="2821906"/>
-            <a:ext cx="2569871" cy="400110"/>
-          </a:xfrm>
-          <a:prstGeom prst="rect">
-            <a:avLst/>
-          </a:prstGeom>
-          <a:noFill/>
-        </p:spPr>
-        <p:txBody>
-          <a:bodyPr wrap="none" rtlCol="0">
-            <a:spAutoFit/>
-          </a:bodyPr>
-          <a:lstStyle/>
-          <a:p>
-            <a:pPr marL="0" marR="0" lvl="0" indent="0" algn="l" defTabSz="914400" rtl="0" eaLnBrk="1" fontAlgn="auto" latinLnBrk="0" hangingPunct="1">
-              <a:lnSpc>
-                <a:spcPct val="100000"/>
-              </a:lnSpc>
-              <a:spcBef>
-                <a:spcPts val="0"/>
-              </a:spcBef>
-              <a:spcAft>
-                <a:spcPts val="0"/>
-              </a:spcAft>
-              <a:buClrTx/>
-              <a:buSzTx/>
-              <a:buFontTx/>
-              <a:buNone/>
-              <a:tabLst/>
-              <a:defRPr/>
-            </a:pPr>
-            <a:r>
-              <a:rPr kumimoji="0" lang="en-US" sz="2000" b="1" i="0" u="none" strike="noStrike" kern="1200" cap="none" spc="0" normalizeH="0" baseline="0" noProof="0" dirty="0">
-                <a:ln>
-                  <a:noFill/>
-                </a:ln>
-                <a:solidFill>
-                  <a:prstClr val="black"/>
-                </a:solidFill>
-                <a:effectLst/>
-                <a:uLnTx/>
-                <a:uFillTx/>
-                <a:latin typeface="Calibri" panose="020F0502020204030204"/>
-                <a:ea typeface="+mn-ea"/>
-                <a:cs typeface="+mn-cs"/>
-              </a:rPr>
-              <a:t>About 68% of the data</a:t>
-            </a:r>
-          </a:p>
-        </p:txBody>
-      </p:sp>
-      <p:sp>
-        <p:nvSpPr>
-          <p:cNvPr id="18" name="TextBox 17">
-            <a:extLst>
-              <a:ext uri="{FF2B5EF4-FFF2-40B4-BE49-F238E27FC236}">
-                <a16:creationId xmlns:a16="http://schemas.microsoft.com/office/drawing/2014/main" id="{6098A191-967A-8867-E346-93B7F27D2227}"/>
-              </a:ext>
-            </a:extLst>
-          </p:cNvPr>
-          <p:cNvSpPr txBox="1"/>
-          <p:nvPr/>
-        </p:nvSpPr>
-        <p:spPr>
-          <a:xfrm>
-            <a:off x="4773727" y="1705268"/>
-            <a:ext cx="2569871" cy="400110"/>
-          </a:xfrm>
-          <a:prstGeom prst="rect">
-            <a:avLst/>
-          </a:prstGeom>
-          <a:noFill/>
-        </p:spPr>
-        <p:txBody>
-          <a:bodyPr wrap="none" rtlCol="0">
-            <a:spAutoFit/>
-          </a:bodyPr>
-          <a:lstStyle/>
-          <a:p>
-            <a:pPr marL="0" marR="0" lvl="0" indent="0" algn="l" defTabSz="914400" rtl="0" eaLnBrk="1" fontAlgn="auto" latinLnBrk="0" hangingPunct="1">
-              <a:lnSpc>
-                <a:spcPct val="100000"/>
-              </a:lnSpc>
-              <a:spcBef>
-                <a:spcPts val="0"/>
-              </a:spcBef>
-              <a:spcAft>
-                <a:spcPts val="0"/>
-              </a:spcAft>
-              <a:buClrTx/>
-              <a:buSzTx/>
-              <a:buFontTx/>
-              <a:buNone/>
-              <a:tabLst/>
-              <a:defRPr/>
-            </a:pPr>
-            <a:r>
-              <a:rPr kumimoji="0" lang="en-US" sz="2000" b="1" i="0" u="none" strike="noStrike" kern="1200" cap="none" spc="0" normalizeH="0" baseline="0" noProof="0" dirty="0">
-                <a:ln>
-                  <a:noFill/>
-                </a:ln>
-                <a:solidFill>
-                  <a:prstClr val="black"/>
-                </a:solidFill>
-                <a:effectLst/>
-                <a:uLnTx/>
-                <a:uFillTx/>
-                <a:latin typeface="Calibri" panose="020F0502020204030204"/>
-                <a:ea typeface="+mn-ea"/>
-                <a:cs typeface="+mn-cs"/>
-              </a:rPr>
-              <a:t>About 95% of the data</a:t>
-            </a:r>
-          </a:p>
-        </p:txBody>
-      </p:sp>
-      <p:sp>
-        <p:nvSpPr>
-          <p:cNvPr id="19" name="TextBox 18">
-            <a:extLst>
-              <a:ext uri="{FF2B5EF4-FFF2-40B4-BE49-F238E27FC236}">
-                <a16:creationId xmlns:a16="http://schemas.microsoft.com/office/drawing/2014/main" id="{93B9A3C3-DF9E-D69A-2899-973E39E1E58C}"/>
-              </a:ext>
-            </a:extLst>
-          </p:cNvPr>
-          <p:cNvSpPr txBox="1"/>
-          <p:nvPr/>
-        </p:nvSpPr>
-        <p:spPr>
-          <a:xfrm>
-            <a:off x="4773724" y="391863"/>
-            <a:ext cx="2768643" cy="400110"/>
-          </a:xfrm>
-          <a:prstGeom prst="rect">
-            <a:avLst/>
-          </a:prstGeom>
-          <a:noFill/>
-        </p:spPr>
-        <p:txBody>
-          <a:bodyPr wrap="none" rtlCol="0">
-            <a:spAutoFit/>
-          </a:bodyPr>
-          <a:lstStyle/>
-          <a:p>
-            <a:pPr marL="0" marR="0" lvl="0" indent="0" algn="l" defTabSz="914400" rtl="0" eaLnBrk="1" fontAlgn="auto" latinLnBrk="0" hangingPunct="1">
-              <a:lnSpc>
-                <a:spcPct val="100000"/>
-              </a:lnSpc>
-              <a:spcBef>
-                <a:spcPts val="0"/>
-              </a:spcBef>
-              <a:spcAft>
-                <a:spcPts val="0"/>
-              </a:spcAft>
-              <a:buClrTx/>
-              <a:buSzTx/>
-              <a:buFontTx/>
-              <a:buNone/>
-              <a:tabLst/>
-              <a:defRPr/>
-            </a:pPr>
-            <a:r>
-              <a:rPr kumimoji="0" lang="en-US" sz="2000" b="1" i="0" u="none" strike="noStrike" kern="1200" cap="none" spc="0" normalizeH="0" baseline="0" noProof="0" dirty="0">
-                <a:ln>
-                  <a:noFill/>
-                </a:ln>
-                <a:solidFill>
-                  <a:prstClr val="black"/>
-                </a:solidFill>
-                <a:effectLst/>
-                <a:uLnTx/>
-                <a:uFillTx/>
-                <a:latin typeface="Calibri" panose="020F0502020204030204"/>
-                <a:ea typeface="+mn-ea"/>
-                <a:cs typeface="+mn-cs"/>
-              </a:rPr>
-              <a:t>About 99.7% of the data</a:t>
-            </a:r>
-          </a:p>
-        </p:txBody>
-      </p:sp>
-      <p:sp>
-        <p:nvSpPr>
-          <p:cNvPr id="20" name="TextBox 19">
-            <a:extLst>
-              <a:ext uri="{FF2B5EF4-FFF2-40B4-BE49-F238E27FC236}">
-                <a16:creationId xmlns:a16="http://schemas.microsoft.com/office/drawing/2014/main" id="{9DA15FA4-4535-2C63-4847-D173E9EAC5D5}"/>
-              </a:ext>
-            </a:extLst>
-          </p:cNvPr>
-          <p:cNvSpPr txBox="1"/>
-          <p:nvPr/>
-        </p:nvSpPr>
-        <p:spPr>
-          <a:xfrm>
-            <a:off x="5033818" y="4661304"/>
-            <a:ext cx="583814" cy="369332"/>
-          </a:xfrm>
-          <a:prstGeom prst="rect">
-            <a:avLst/>
-          </a:prstGeom>
-          <a:noFill/>
-        </p:spPr>
-        <p:txBody>
-          <a:bodyPr wrap="none" rtlCol="0">
-            <a:spAutoFit/>
-          </a:bodyPr>
-          <a:lstStyle/>
-          <a:p>
-            <a:pPr marL="0" marR="0" lvl="0" indent="0" algn="l" defTabSz="914400" rtl="0" eaLnBrk="1" fontAlgn="auto" latinLnBrk="0" hangingPunct="1">
-              <a:lnSpc>
-                <a:spcPct val="100000"/>
-              </a:lnSpc>
-              <a:spcBef>
-                <a:spcPts val="0"/>
-              </a:spcBef>
-              <a:spcAft>
-                <a:spcPts val="0"/>
-              </a:spcAft>
-              <a:buClrTx/>
-              <a:buSzTx/>
-              <a:buFontTx/>
-              <a:buNone/>
-              <a:tabLst/>
-              <a:defRPr/>
-            </a:pPr>
-            <a:r>
-              <a:rPr kumimoji="0" lang="en-US" sz="1800" b="0" i="0" u="none" strike="noStrike" kern="1200" cap="none" spc="0" normalizeH="0" baseline="0" noProof="0" dirty="0">
-                <a:ln>
-                  <a:noFill/>
-                </a:ln>
-                <a:solidFill>
-                  <a:prstClr val="black"/>
-                </a:solidFill>
-                <a:effectLst/>
-                <a:uLnTx/>
-                <a:uFillTx/>
-                <a:latin typeface="Calibri" panose="020F0502020204030204"/>
-                <a:ea typeface="+mn-ea"/>
-                <a:cs typeface="+mn-cs"/>
-              </a:rPr>
-              <a:t>34%</a:t>
-            </a:r>
-          </a:p>
-        </p:txBody>
-      </p:sp>
-      <p:sp>
-        <p:nvSpPr>
-          <p:cNvPr id="21" name="TextBox 20">
-            <a:extLst>
-              <a:ext uri="{FF2B5EF4-FFF2-40B4-BE49-F238E27FC236}">
-                <a16:creationId xmlns:a16="http://schemas.microsoft.com/office/drawing/2014/main" id="{0EA8AA1B-79DD-52BF-0545-25245BC324E7}"/>
-              </a:ext>
-            </a:extLst>
-          </p:cNvPr>
-          <p:cNvSpPr txBox="1"/>
-          <p:nvPr/>
-        </p:nvSpPr>
-        <p:spPr>
-          <a:xfrm>
-            <a:off x="6263989" y="4649151"/>
-            <a:ext cx="583814" cy="369332"/>
-          </a:xfrm>
-          <a:prstGeom prst="rect">
-            <a:avLst/>
-          </a:prstGeom>
-          <a:noFill/>
-        </p:spPr>
-        <p:txBody>
-          <a:bodyPr wrap="none" rtlCol="0">
-            <a:spAutoFit/>
-          </a:bodyPr>
-          <a:lstStyle/>
-          <a:p>
-            <a:pPr marL="0" marR="0" lvl="0" indent="0" algn="l" defTabSz="914400" rtl="0" eaLnBrk="1" fontAlgn="auto" latinLnBrk="0" hangingPunct="1">
-              <a:lnSpc>
-                <a:spcPct val="100000"/>
-              </a:lnSpc>
-              <a:spcBef>
-                <a:spcPts val="0"/>
-              </a:spcBef>
-              <a:spcAft>
-                <a:spcPts val="0"/>
-              </a:spcAft>
-              <a:buClrTx/>
-              <a:buSzTx/>
-              <a:buFontTx/>
-              <a:buNone/>
-              <a:tabLst/>
-              <a:defRPr/>
-            </a:pPr>
-            <a:r>
-              <a:rPr kumimoji="0" lang="en-US" sz="1800" b="0" i="0" u="none" strike="noStrike" kern="1200" cap="none" spc="0" normalizeH="0" baseline="0" noProof="0" dirty="0">
-                <a:ln>
-                  <a:noFill/>
-                </a:ln>
-                <a:solidFill>
-                  <a:prstClr val="black"/>
-                </a:solidFill>
-                <a:effectLst/>
-                <a:uLnTx/>
-                <a:uFillTx/>
-                <a:latin typeface="Calibri" panose="020F0502020204030204"/>
-                <a:ea typeface="+mn-ea"/>
-                <a:cs typeface="+mn-cs"/>
-              </a:rPr>
-              <a:t>34%</a:t>
-            </a:r>
-          </a:p>
-        </p:txBody>
-      </p:sp>
-      <p:sp>
-        <p:nvSpPr>
-          <p:cNvPr id="22" name="TextBox 21">
-            <a:extLst>
-              <a:ext uri="{FF2B5EF4-FFF2-40B4-BE49-F238E27FC236}">
-                <a16:creationId xmlns:a16="http://schemas.microsoft.com/office/drawing/2014/main" id="{7084F8D2-E17C-1116-98DF-21564D797659}"/>
-              </a:ext>
-            </a:extLst>
-          </p:cNvPr>
-          <p:cNvSpPr txBox="1"/>
-          <p:nvPr/>
-        </p:nvSpPr>
-        <p:spPr>
-          <a:xfrm>
-            <a:off x="3785174" y="4649151"/>
-            <a:ext cx="758541" cy="369332"/>
-          </a:xfrm>
-          <a:prstGeom prst="rect">
-            <a:avLst/>
-          </a:prstGeom>
-          <a:noFill/>
-        </p:spPr>
-        <p:txBody>
-          <a:bodyPr wrap="none" rtlCol="0">
-            <a:spAutoFit/>
-          </a:bodyPr>
-          <a:lstStyle/>
-          <a:p>
-            <a:pPr marL="0" marR="0" lvl="0" indent="0" algn="l" defTabSz="914400" rtl="0" eaLnBrk="1" fontAlgn="auto" latinLnBrk="0" hangingPunct="1">
-              <a:lnSpc>
-                <a:spcPct val="100000"/>
-              </a:lnSpc>
-              <a:spcBef>
-                <a:spcPts val="0"/>
-              </a:spcBef>
-              <a:spcAft>
-                <a:spcPts val="0"/>
-              </a:spcAft>
-              <a:buClrTx/>
-              <a:buSzTx/>
-              <a:buFontTx/>
-              <a:buNone/>
-              <a:tabLst/>
-              <a:defRPr/>
-            </a:pPr>
-            <a:r>
-              <a:rPr kumimoji="0" lang="en-US" sz="1800" b="0" i="0" u="none" strike="noStrike" kern="1200" cap="none" spc="0" normalizeH="0" baseline="0" noProof="0" dirty="0">
-                <a:ln>
-                  <a:noFill/>
-                </a:ln>
-                <a:solidFill>
-                  <a:prstClr val="black"/>
-                </a:solidFill>
-                <a:effectLst/>
-                <a:uLnTx/>
-                <a:uFillTx/>
-                <a:latin typeface="Calibri" panose="020F0502020204030204"/>
-                <a:ea typeface="+mn-ea"/>
-                <a:cs typeface="+mn-cs"/>
-              </a:rPr>
-              <a:t>13.5%</a:t>
-            </a:r>
-          </a:p>
-        </p:txBody>
-      </p:sp>
-      <p:sp>
-        <p:nvSpPr>
-          <p:cNvPr id="23" name="TextBox 22">
-            <a:extLst>
-              <a:ext uri="{FF2B5EF4-FFF2-40B4-BE49-F238E27FC236}">
-                <a16:creationId xmlns:a16="http://schemas.microsoft.com/office/drawing/2014/main" id="{EA96753A-8981-8183-3453-CD1A57309EE6}"/>
-              </a:ext>
-            </a:extLst>
-          </p:cNvPr>
-          <p:cNvSpPr txBox="1"/>
-          <p:nvPr/>
-        </p:nvSpPr>
-        <p:spPr>
-          <a:xfrm>
-            <a:off x="7300860" y="4661304"/>
-            <a:ext cx="758541" cy="369332"/>
-          </a:xfrm>
-          <a:prstGeom prst="rect">
-            <a:avLst/>
-          </a:prstGeom>
-          <a:noFill/>
-        </p:spPr>
-        <p:txBody>
-          <a:bodyPr wrap="none" rtlCol="0">
-            <a:spAutoFit/>
-          </a:bodyPr>
-          <a:lstStyle/>
-          <a:p>
-            <a:pPr marL="0" marR="0" lvl="0" indent="0" algn="l" defTabSz="914400" rtl="0" eaLnBrk="1" fontAlgn="auto" latinLnBrk="0" hangingPunct="1">
-              <a:lnSpc>
-                <a:spcPct val="100000"/>
-              </a:lnSpc>
-              <a:spcBef>
-                <a:spcPts val="0"/>
-              </a:spcBef>
-              <a:spcAft>
-                <a:spcPts val="0"/>
-              </a:spcAft>
-              <a:buClrTx/>
-              <a:buSzTx/>
-              <a:buFontTx/>
-              <a:buNone/>
-              <a:tabLst/>
-              <a:defRPr/>
-            </a:pPr>
-            <a:r>
-              <a:rPr kumimoji="0" lang="en-US" sz="1800" b="0" i="0" u="none" strike="noStrike" kern="1200" cap="none" spc="0" normalizeH="0" baseline="0" noProof="0" dirty="0">
-                <a:ln>
-                  <a:noFill/>
-                </a:ln>
-                <a:solidFill>
-                  <a:prstClr val="black"/>
-                </a:solidFill>
-                <a:effectLst/>
-                <a:uLnTx/>
-                <a:uFillTx/>
-                <a:latin typeface="Calibri" panose="020F0502020204030204"/>
-                <a:ea typeface="+mn-ea"/>
-                <a:cs typeface="+mn-cs"/>
-              </a:rPr>
-              <a:t>13.5%</a:t>
-            </a:r>
-          </a:p>
-        </p:txBody>
-      </p:sp>
-      <p:sp>
-        <p:nvSpPr>
-          <p:cNvPr id="24" name="TextBox 23">
-            <a:extLst>
-              <a:ext uri="{FF2B5EF4-FFF2-40B4-BE49-F238E27FC236}">
-                <a16:creationId xmlns:a16="http://schemas.microsoft.com/office/drawing/2014/main" id="{77C4A15E-E3A8-BCBD-6CC0-17CBC3F8995A}"/>
-              </a:ext>
-            </a:extLst>
-          </p:cNvPr>
-          <p:cNvSpPr txBox="1"/>
-          <p:nvPr/>
-        </p:nvSpPr>
-        <p:spPr>
-          <a:xfrm>
-            <a:off x="2479188" y="4667977"/>
-            <a:ext cx="758541" cy="369332"/>
-          </a:xfrm>
-          <a:prstGeom prst="rect">
-            <a:avLst/>
-          </a:prstGeom>
-          <a:noFill/>
-        </p:spPr>
-        <p:txBody>
-          <a:bodyPr wrap="none" rtlCol="0">
-            <a:spAutoFit/>
-          </a:bodyPr>
-          <a:lstStyle/>
-          <a:p>
-            <a:pPr marL="0" marR="0" lvl="0" indent="0" algn="l" defTabSz="914400" rtl="0" eaLnBrk="1" fontAlgn="auto" latinLnBrk="0" hangingPunct="1">
-              <a:lnSpc>
-                <a:spcPct val="100000"/>
-              </a:lnSpc>
-              <a:spcBef>
-                <a:spcPts val="0"/>
-              </a:spcBef>
-              <a:spcAft>
-                <a:spcPts val="0"/>
-              </a:spcAft>
-              <a:buClrTx/>
-              <a:buSzTx/>
-              <a:buFontTx/>
-              <a:buNone/>
-              <a:tabLst/>
-              <a:defRPr/>
-            </a:pPr>
-            <a:r>
-              <a:rPr kumimoji="0" lang="en-US" sz="1800" b="0" i="0" u="none" strike="noStrike" kern="1200" cap="none" spc="0" normalizeH="0" baseline="0" noProof="0" dirty="0">
-                <a:ln>
-                  <a:noFill/>
-                </a:ln>
-                <a:solidFill>
-                  <a:prstClr val="black"/>
-                </a:solidFill>
-                <a:effectLst/>
-                <a:uLnTx/>
-                <a:uFillTx/>
-                <a:latin typeface="Calibri" panose="020F0502020204030204"/>
-                <a:ea typeface="+mn-ea"/>
-                <a:cs typeface="+mn-cs"/>
-              </a:rPr>
-              <a:t>2.35%</a:t>
-            </a:r>
-          </a:p>
-        </p:txBody>
-      </p:sp>
-      <p:sp>
-        <p:nvSpPr>
-          <p:cNvPr id="25" name="TextBox 24">
-            <a:extLst>
-              <a:ext uri="{FF2B5EF4-FFF2-40B4-BE49-F238E27FC236}">
-                <a16:creationId xmlns:a16="http://schemas.microsoft.com/office/drawing/2014/main" id="{B7567F35-EECC-F696-CD53-5FC9D49E9912}"/>
-              </a:ext>
-            </a:extLst>
-          </p:cNvPr>
-          <p:cNvSpPr txBox="1"/>
-          <p:nvPr/>
-        </p:nvSpPr>
-        <p:spPr>
-          <a:xfrm>
-            <a:off x="8678813" y="4649151"/>
-            <a:ext cx="758541" cy="369332"/>
-          </a:xfrm>
-          <a:prstGeom prst="rect">
-            <a:avLst/>
-          </a:prstGeom>
-          <a:noFill/>
-        </p:spPr>
-        <p:txBody>
-          <a:bodyPr wrap="none" rtlCol="0">
-            <a:spAutoFit/>
-          </a:bodyPr>
-          <a:lstStyle/>
-          <a:p>
-            <a:pPr marL="0" marR="0" lvl="0" indent="0" algn="l" defTabSz="914400" rtl="0" eaLnBrk="1" fontAlgn="auto" latinLnBrk="0" hangingPunct="1">
-              <a:lnSpc>
-                <a:spcPct val="100000"/>
-              </a:lnSpc>
-              <a:spcBef>
-                <a:spcPts val="0"/>
-              </a:spcBef>
-              <a:spcAft>
-                <a:spcPts val="0"/>
-              </a:spcAft>
-              <a:buClrTx/>
-              <a:buSzTx/>
-              <a:buFontTx/>
-              <a:buNone/>
-              <a:tabLst/>
-              <a:defRPr/>
-            </a:pPr>
-            <a:r>
-              <a:rPr kumimoji="0" lang="en-US" sz="1800" b="0" i="0" u="none" strike="noStrike" kern="1200" cap="none" spc="0" normalizeH="0" baseline="0" noProof="0" dirty="0">
-                <a:ln>
-                  <a:noFill/>
-                </a:ln>
-                <a:solidFill>
-                  <a:prstClr val="black"/>
-                </a:solidFill>
-                <a:effectLst/>
-                <a:uLnTx/>
-                <a:uFillTx/>
-                <a:latin typeface="Calibri" panose="020F0502020204030204"/>
-                <a:ea typeface="+mn-ea"/>
-                <a:cs typeface="+mn-cs"/>
-              </a:rPr>
-              <a:t>2.35%</a:t>
-            </a:r>
-          </a:p>
-        </p:txBody>
-      </p:sp>
-      <p:sp>
-        <p:nvSpPr>
-          <p:cNvPr id="2" name="TextBox 1">
-            <a:extLst>
-              <a:ext uri="{FF2B5EF4-FFF2-40B4-BE49-F238E27FC236}">
-                <a16:creationId xmlns:a16="http://schemas.microsoft.com/office/drawing/2014/main" id="{D8B90E77-157D-BBA3-982C-4520997741F5}"/>
-              </a:ext>
-            </a:extLst>
-          </p:cNvPr>
-          <p:cNvSpPr txBox="1"/>
-          <p:nvPr/>
-        </p:nvSpPr>
-        <p:spPr>
-          <a:xfrm>
-            <a:off x="304800" y="179274"/>
-            <a:ext cx="2941318" cy="523220"/>
-          </a:xfrm>
-          <a:prstGeom prst="rect">
-            <a:avLst/>
-          </a:prstGeom>
-          <a:noFill/>
-        </p:spPr>
-        <p:txBody>
-          <a:bodyPr wrap="none" rtlCol="0">
-            <a:spAutoFit/>
-          </a:bodyPr>
-          <a:lstStyle/>
-          <a:p>
-            <a:pPr marL="0" marR="0" lvl="0" indent="0" algn="l" defTabSz="914400" rtl="0" eaLnBrk="1" fontAlgn="auto" latinLnBrk="0" hangingPunct="1">
-              <a:lnSpc>
-                <a:spcPct val="100000"/>
-              </a:lnSpc>
-              <a:spcBef>
-                <a:spcPts val="0"/>
-              </a:spcBef>
-              <a:spcAft>
-                <a:spcPts val="0"/>
-              </a:spcAft>
-              <a:buClrTx/>
-              <a:buSzTx/>
-              <a:buFontTx/>
-              <a:buNone/>
-              <a:tabLst/>
-              <a:defRPr/>
-            </a:pPr>
-            <a:r>
-              <a:rPr kumimoji="0" lang="en-US" sz="2800" b="1" i="0" u="none" strike="noStrike" kern="1200" cap="none" spc="0" normalizeH="0" baseline="0" noProof="0" dirty="0">
-                <a:ln>
-                  <a:noFill/>
-                </a:ln>
-                <a:solidFill>
-                  <a:prstClr val="black"/>
-                </a:solidFill>
-                <a:effectLst/>
-                <a:uLnTx/>
-                <a:uFillTx/>
-                <a:latin typeface="Calibri" panose="020F0502020204030204"/>
-                <a:ea typeface="+mn-ea"/>
-                <a:cs typeface="+mn-cs"/>
-              </a:rPr>
-              <a:t>The Empirical Rule</a:t>
-            </a:r>
-          </a:p>
-        </p:txBody>
-      </p:sp>
-    </p:spTree>
-    <p:extLst>
-      <p:ext uri="{BB962C8B-B14F-4D97-AF65-F5344CB8AC3E}">
-        <p14:creationId xmlns:p14="http://schemas.microsoft.com/office/powerpoint/2010/main" val="861614403"/>
-      </p:ext>
-    </p:extLst>
-  </p:cSld>
-  <p:clrMapOvr>
-    <a:masterClrMapping/>
-  </p:clrMapOvr>
-</p:sld>
-</file>
-
-<file path=ppt/slides/slide15.xml><?xml version="1.0" encoding="utf-8"?>
-<p:sld xmlns:a="http://schemas.openxmlformats.org/drawingml/2006/main" xmlns:r="http://schemas.openxmlformats.org/officeDocument/2006/relationships" xmlns:p="http://schemas.openxmlformats.org/presentationml/2006/main">
-  <p:cSld>
-    <p:spTree>
-      <p:nvGrpSpPr>
-        <p:cNvPr id="1" name=""/>
-        <p:cNvGrpSpPr/>
-        <p:nvPr/>
-      </p:nvGrpSpPr>
-      <p:grpSpPr>
-        <a:xfrm>
-          <a:off x="0" y="0"/>
-          <a:ext cx="0" cy="0"/>
-          <a:chOff x="0" y="0"/>
-          <a:chExt cx="0" cy="0"/>
-        </a:xfrm>
-      </p:grpSpPr>
-      <p:sp>
-        <p:nvSpPr>
-          <p:cNvPr id="2" name="Title 1">
-            <a:extLst>
-              <a:ext uri="{FF2B5EF4-FFF2-40B4-BE49-F238E27FC236}">
-                <a16:creationId xmlns:a16="http://schemas.microsoft.com/office/drawing/2014/main" id="{75144698-F43B-E4A4-123D-A5AC8EBD321F}"/>
-              </a:ext>
-            </a:extLst>
-          </p:cNvPr>
-          <p:cNvSpPr>
-            <a:spLocks noGrp="1"/>
-          </p:cNvSpPr>
-          <p:nvPr>
-            <p:ph type="title"/>
-          </p:nvPr>
-        </p:nvSpPr>
-        <p:spPr/>
-        <p:txBody>
-          <a:bodyPr/>
-          <a:lstStyle/>
-          <a:p>
-            <a:r>
-              <a:rPr lang="en-US" dirty="0"/>
-              <a:t>Practice</a:t>
-            </a:r>
-          </a:p>
-        </p:txBody>
-      </p:sp>
-      <mc:AlternateContent xmlns:mc="http://schemas.openxmlformats.org/markup-compatibility/2006" xmlns:a14="http://schemas.microsoft.com/office/drawing/2010/main">
-        <mc:Choice Requires="a14">
-          <p:sp>
-            <p:nvSpPr>
-              <p:cNvPr id="3" name="Content Placeholder 2">
-                <a:extLst>
-                  <a:ext uri="{FF2B5EF4-FFF2-40B4-BE49-F238E27FC236}">
-                    <a16:creationId xmlns:a16="http://schemas.microsoft.com/office/drawing/2014/main" id="{52B88818-3CDD-B9E7-A855-6F9226D95D94}"/>
-                  </a:ext>
-                </a:extLst>
-              </p:cNvPr>
-              <p:cNvSpPr>
-                <a:spLocks noGrp="1"/>
-              </p:cNvSpPr>
-              <p:nvPr>
-                <p:ph idx="1"/>
-              </p:nvPr>
-            </p:nvSpPr>
-            <p:spPr>
-              <a:xfrm>
-                <a:off x="838200" y="1825625"/>
-                <a:ext cx="4664323" cy="4351338"/>
-              </a:xfrm>
-            </p:spPr>
-            <p:txBody>
-              <a:bodyPr>
-                <a:normAutofit fontScale="70000" lnSpcReduction="20000"/>
-              </a:bodyPr>
-              <a:lstStyle/>
-              <a:p>
-                <a:r>
-                  <a:rPr lang="en-US" dirty="0"/>
-                  <a:t>Suppose the distribution to the left represents the heights of a sample of female college students in the U.S. this distribution has mean and standard deviation </a:t>
-                </a:r>
-              </a:p>
-              <a:p>
-                <a14:m>
-                  <m:oMath xmlns:m="http://schemas.openxmlformats.org/officeDocument/2006/math">
-                    <m:acc>
-                      <m:accPr>
-                        <m:chr m:val="̅"/>
-                        <m:ctrlPr>
-                          <a:rPr lang="en-US" b="0" i="1" smtClean="0">
-                            <a:latin typeface="Cambria Math" panose="02040503050406030204" pitchFamily="18" charset="0"/>
-                          </a:rPr>
-                        </m:ctrlPr>
-                      </m:accPr>
-                      <m:e>
-                        <m:r>
-                          <a:rPr lang="en-US" b="0" i="1" smtClean="0">
-                            <a:latin typeface="Cambria Math" panose="02040503050406030204" pitchFamily="18" charset="0"/>
-                          </a:rPr>
-                          <m:t>𝑥</m:t>
-                        </m:r>
-                      </m:e>
-                    </m:acc>
-                    <m:r>
-                      <a:rPr lang="en-US" i="1" dirty="0">
-                        <a:latin typeface="Cambria Math" panose="02040503050406030204" pitchFamily="18" charset="0"/>
-                        <a:ea typeface="Cambria Math" panose="02040503050406030204" pitchFamily="18" charset="0"/>
-                      </a:rPr>
-                      <m:t>≈</m:t>
-                    </m:r>
-                    <m:r>
-                      <a:rPr lang="en-US" b="0" i="1" dirty="0" smtClean="0">
-                        <a:latin typeface="Cambria Math" panose="02040503050406030204" pitchFamily="18" charset="0"/>
-                      </a:rPr>
-                      <m:t>65</m:t>
-                    </m:r>
-                  </m:oMath>
-                </a14:m>
-                <a:r>
-                  <a:rPr lang="en-US" b="0" dirty="0"/>
-                  <a:t> inches</a:t>
-                </a:r>
-              </a:p>
-              <a:p>
-                <a14:m>
-                  <m:oMath xmlns:m="http://schemas.openxmlformats.org/officeDocument/2006/math">
-                    <m:r>
-                      <a:rPr lang="en-US" b="0" i="1" smtClean="0">
-                        <a:latin typeface="Cambria Math" panose="02040503050406030204" pitchFamily="18" charset="0"/>
-                      </a:rPr>
-                      <m:t>𝑠</m:t>
-                    </m:r>
-                    <m:r>
-                      <a:rPr lang="en-US" b="0" i="1" smtClean="0">
-                        <a:latin typeface="Cambria Math" panose="02040503050406030204" pitchFamily="18" charset="0"/>
-                        <a:ea typeface="Cambria Math" panose="02040503050406030204" pitchFamily="18" charset="0"/>
-                      </a:rPr>
-                      <m:t>≈5</m:t>
-                    </m:r>
-                  </m:oMath>
-                </a14:m>
-                <a:r>
-                  <a:rPr lang="en-US" dirty="0"/>
-                  <a:t> inches</a:t>
-                </a:r>
-              </a:p>
-              <a:p>
-                <a:endParaRPr lang="en-US" dirty="0"/>
-              </a:p>
-              <a:p>
-                <a:pPr marL="0" indent="0">
-                  <a:buNone/>
-                </a:pPr>
-                <a:r>
-                  <a:rPr lang="en-US" dirty="0"/>
-                  <a:t>What percentage of students in the sample are shorter than mean height?</a:t>
-                </a:r>
-              </a:p>
-              <a:p>
-                <a:pPr marL="0" indent="0" algn="ctr">
-                  <a:buNone/>
-                </a:pPr>
-                <a:r>
-                  <a:rPr lang="en-US" dirty="0">
-                    <a:solidFill>
-                      <a:srgbClr val="FF0000"/>
-                    </a:solidFill>
-                  </a:rPr>
-                  <a:t>50%</a:t>
-                </a:r>
-              </a:p>
-              <a:p>
-                <a:pPr marL="0" indent="0">
-                  <a:buNone/>
-                </a:pPr>
-                <a:r>
-                  <a:rPr lang="en-US" dirty="0"/>
-                  <a:t>What percentage of students in the sample are more than 2 standard deviations above the average height?</a:t>
-                </a:r>
-              </a:p>
-              <a:p>
-                <a:pPr marL="0" indent="0" algn="ctr">
-                  <a:buNone/>
-                </a:pPr>
-                <a:r>
-                  <a:rPr lang="en-US" dirty="0">
-                    <a:solidFill>
-                      <a:srgbClr val="FF0000"/>
-                    </a:solidFill>
-                  </a:rPr>
-                  <a:t>About 2.5%</a:t>
-                </a:r>
-              </a:p>
-            </p:txBody>
-          </p:sp>
-        </mc:Choice>
-        <mc:Fallback xmlns="">
-          <p:sp>
-            <p:nvSpPr>
-              <p:cNvPr id="3" name="Content Placeholder 2">
-                <a:extLst>
-                  <a:ext uri="{FF2B5EF4-FFF2-40B4-BE49-F238E27FC236}">
-                    <a16:creationId xmlns:a16="http://schemas.microsoft.com/office/drawing/2014/main" id="{52B88818-3CDD-B9E7-A855-6F9226D95D94}"/>
-                  </a:ext>
-                </a:extLst>
-              </p:cNvPr>
-              <p:cNvSpPr>
-                <a:spLocks noGrp="1" noRot="1" noChangeAspect="1" noMove="1" noResize="1" noEditPoints="1" noAdjustHandles="1" noChangeArrowheads="1" noChangeShapeType="1" noTextEdit="1"/>
-              </p:cNvSpPr>
-              <p:nvPr>
-                <p:ph idx="1"/>
-              </p:nvPr>
-            </p:nvSpPr>
-            <p:spPr>
-              <a:xfrm>
-                <a:off x="838200" y="1825625"/>
-                <a:ext cx="4664323" cy="4351338"/>
-              </a:xfrm>
-              <a:blipFill>
-                <a:blip r:embed="rId2"/>
-                <a:stretch>
-                  <a:fillRect l="-1438" t="-2521" r="-1961"/>
-                </a:stretch>
-              </a:blipFill>
-            </p:spPr>
-            <p:txBody>
-              <a:bodyPr/>
-              <a:lstStyle/>
-              <a:p>
-                <a:r>
-                  <a:rPr lang="en-US">
-                    <a:noFill/>
-                  </a:rPr>
-                  <a:t> </a:t>
-                </a:r>
-              </a:p>
-            </p:txBody>
-          </p:sp>
-        </mc:Fallback>
-      </mc:AlternateContent>
-      <p:pic>
-        <p:nvPicPr>
-          <p:cNvPr id="5" name="Picture 4">
-            <a:extLst>
-              <a:ext uri="{FF2B5EF4-FFF2-40B4-BE49-F238E27FC236}">
-                <a16:creationId xmlns:a16="http://schemas.microsoft.com/office/drawing/2014/main" id="{8A49DB71-0CDE-50D1-2F50-6FDDA365DE55}"/>
-              </a:ext>
-            </a:extLst>
-          </p:cNvPr>
-          <p:cNvPicPr>
-            <a:picLocks noChangeAspect="1"/>
-          </p:cNvPicPr>
-          <p:nvPr/>
-        </p:nvPicPr>
-        <p:blipFill>
-          <a:blip r:embed="rId3"/>
-          <a:stretch>
-            <a:fillRect/>
-          </a:stretch>
-        </p:blipFill>
-        <p:spPr>
-          <a:xfrm>
-            <a:off x="5502523" y="365125"/>
-            <a:ext cx="6323410" cy="3262645"/>
-          </a:xfrm>
-          <a:prstGeom prst="rect">
-            <a:avLst/>
-          </a:prstGeom>
-        </p:spPr>
-      </p:pic>
-      <p:pic>
-        <p:nvPicPr>
-          <p:cNvPr id="6" name="Picture 5">
-            <a:extLst>
-              <a:ext uri="{FF2B5EF4-FFF2-40B4-BE49-F238E27FC236}">
-                <a16:creationId xmlns:a16="http://schemas.microsoft.com/office/drawing/2014/main" id="{6B267E70-E945-FCAA-9D3E-C9F7B55E7D97}"/>
-              </a:ext>
-            </a:extLst>
-          </p:cNvPr>
-          <p:cNvPicPr>
-            <a:picLocks noChangeAspect="1"/>
-          </p:cNvPicPr>
-          <p:nvPr/>
-        </p:nvPicPr>
-        <p:blipFill>
-          <a:blip r:embed="rId4"/>
-          <a:stretch>
-            <a:fillRect/>
-          </a:stretch>
-        </p:blipFill>
-        <p:spPr>
-          <a:xfrm>
-            <a:off x="5569198" y="3766244"/>
-            <a:ext cx="6323410" cy="2912482"/>
-          </a:xfrm>
-          <a:prstGeom prst="rect">
-            <a:avLst/>
-          </a:prstGeom>
-        </p:spPr>
-      </p:pic>
-      <p:sp>
-        <p:nvSpPr>
-          <p:cNvPr id="7" name="TextBox 6">
-            <a:extLst>
-              <a:ext uri="{FF2B5EF4-FFF2-40B4-BE49-F238E27FC236}">
-                <a16:creationId xmlns:a16="http://schemas.microsoft.com/office/drawing/2014/main" id="{04DB44D3-D794-DC73-EFBC-C8BA0F342E48}"/>
-              </a:ext>
-            </a:extLst>
-          </p:cNvPr>
-          <p:cNvSpPr txBox="1"/>
-          <p:nvPr/>
-        </p:nvSpPr>
-        <p:spPr>
-          <a:xfrm>
-            <a:off x="8296901" y="5748631"/>
-            <a:ext cx="540533" cy="338554"/>
-          </a:xfrm>
-          <a:prstGeom prst="rect">
-            <a:avLst/>
-          </a:prstGeom>
-          <a:noFill/>
-        </p:spPr>
-        <p:txBody>
-          <a:bodyPr wrap="none" rtlCol="0">
-            <a:spAutoFit/>
-          </a:bodyPr>
-          <a:lstStyle/>
-          <a:p>
-            <a:pPr marL="0" marR="0" lvl="0" indent="0" algn="l" defTabSz="914400" rtl="0" eaLnBrk="1" fontAlgn="auto" latinLnBrk="0" hangingPunct="1">
-              <a:lnSpc>
-                <a:spcPct val="100000"/>
-              </a:lnSpc>
-              <a:spcBef>
-                <a:spcPts val="0"/>
-              </a:spcBef>
-              <a:spcAft>
-                <a:spcPts val="0"/>
-              </a:spcAft>
-              <a:buClrTx/>
-              <a:buSzTx/>
-              <a:buFontTx/>
-              <a:buNone/>
-              <a:tabLst/>
-              <a:defRPr/>
-            </a:pPr>
-            <a:r>
-              <a:rPr kumimoji="0" lang="en-US" sz="1600" b="0" i="0" u="none" strike="noStrike" kern="1200" cap="none" spc="0" normalizeH="0" baseline="0" noProof="0" dirty="0">
-                <a:ln>
-                  <a:noFill/>
-                </a:ln>
-                <a:solidFill>
-                  <a:prstClr val="black"/>
-                </a:solidFill>
-                <a:effectLst/>
-                <a:uLnTx/>
-                <a:uFillTx/>
-                <a:latin typeface="Calibri" panose="020F0502020204030204"/>
-                <a:ea typeface="+mn-ea"/>
-                <a:cs typeface="+mn-cs"/>
-              </a:rPr>
-              <a:t>34%</a:t>
-            </a:r>
-          </a:p>
-        </p:txBody>
-      </p:sp>
-      <p:sp>
-        <p:nvSpPr>
-          <p:cNvPr id="8" name="TextBox 7">
-            <a:extLst>
-              <a:ext uri="{FF2B5EF4-FFF2-40B4-BE49-F238E27FC236}">
-                <a16:creationId xmlns:a16="http://schemas.microsoft.com/office/drawing/2014/main" id="{FD2E4215-D973-870D-BD1C-955EC1E57D66}"/>
-              </a:ext>
-            </a:extLst>
-          </p:cNvPr>
-          <p:cNvSpPr txBox="1"/>
-          <p:nvPr/>
-        </p:nvSpPr>
-        <p:spPr>
-          <a:xfrm>
-            <a:off x="7469547" y="5748631"/>
-            <a:ext cx="696024" cy="338554"/>
-          </a:xfrm>
-          <a:prstGeom prst="rect">
-            <a:avLst/>
-          </a:prstGeom>
-          <a:noFill/>
-        </p:spPr>
-        <p:txBody>
-          <a:bodyPr wrap="none" rtlCol="0">
-            <a:spAutoFit/>
-          </a:bodyPr>
-          <a:lstStyle/>
-          <a:p>
-            <a:pPr marL="0" marR="0" lvl="0" indent="0" algn="l" defTabSz="914400" rtl="0" eaLnBrk="1" fontAlgn="auto" latinLnBrk="0" hangingPunct="1">
-              <a:lnSpc>
-                <a:spcPct val="100000"/>
-              </a:lnSpc>
-              <a:spcBef>
-                <a:spcPts val="0"/>
-              </a:spcBef>
-              <a:spcAft>
-                <a:spcPts val="0"/>
-              </a:spcAft>
-              <a:buClrTx/>
-              <a:buSzTx/>
-              <a:buFontTx/>
-              <a:buNone/>
-              <a:tabLst/>
-              <a:defRPr/>
-            </a:pPr>
-            <a:r>
-              <a:rPr kumimoji="0" lang="en-US" sz="1600" b="0" i="0" u="none" strike="noStrike" kern="1200" cap="none" spc="0" normalizeH="0" baseline="0" noProof="0" dirty="0">
-                <a:ln>
-                  <a:noFill/>
-                </a:ln>
-                <a:solidFill>
-                  <a:prstClr val="black"/>
-                </a:solidFill>
-                <a:effectLst/>
-                <a:uLnTx/>
-                <a:uFillTx/>
-                <a:latin typeface="Calibri" panose="020F0502020204030204"/>
-                <a:ea typeface="+mn-ea"/>
-                <a:cs typeface="+mn-cs"/>
-              </a:rPr>
-              <a:t>13.5%</a:t>
-            </a:r>
-          </a:p>
-        </p:txBody>
-      </p:sp>
-      <p:sp>
-        <p:nvSpPr>
-          <p:cNvPr id="9" name="TextBox 8">
-            <a:extLst>
-              <a:ext uri="{FF2B5EF4-FFF2-40B4-BE49-F238E27FC236}">
-                <a16:creationId xmlns:a16="http://schemas.microsoft.com/office/drawing/2014/main" id="{AA83AF94-544E-9863-FC1A-62693864244D}"/>
-              </a:ext>
-            </a:extLst>
-          </p:cNvPr>
-          <p:cNvSpPr txBox="1"/>
-          <p:nvPr/>
-        </p:nvSpPr>
-        <p:spPr>
-          <a:xfrm>
-            <a:off x="6811043" y="5748631"/>
-            <a:ext cx="696024" cy="338554"/>
-          </a:xfrm>
-          <a:prstGeom prst="rect">
-            <a:avLst/>
-          </a:prstGeom>
-          <a:noFill/>
-        </p:spPr>
-        <p:txBody>
-          <a:bodyPr wrap="none" rtlCol="0">
-            <a:spAutoFit/>
-          </a:bodyPr>
-          <a:lstStyle/>
-          <a:p>
-            <a:pPr marL="0" marR="0" lvl="0" indent="0" algn="l" defTabSz="914400" rtl="0" eaLnBrk="1" fontAlgn="auto" latinLnBrk="0" hangingPunct="1">
-              <a:lnSpc>
-                <a:spcPct val="100000"/>
-              </a:lnSpc>
-              <a:spcBef>
-                <a:spcPts val="0"/>
-              </a:spcBef>
-              <a:spcAft>
-                <a:spcPts val="0"/>
-              </a:spcAft>
-              <a:buClrTx/>
-              <a:buSzTx/>
-              <a:buFontTx/>
-              <a:buNone/>
-              <a:tabLst/>
-              <a:defRPr/>
-            </a:pPr>
-            <a:r>
-              <a:rPr kumimoji="0" lang="en-US" sz="1600" b="0" i="0" u="none" strike="noStrike" kern="1200" cap="none" spc="0" normalizeH="0" baseline="0" noProof="0" dirty="0">
-                <a:ln>
-                  <a:noFill/>
-                </a:ln>
-                <a:solidFill>
-                  <a:prstClr val="black"/>
-                </a:solidFill>
-                <a:effectLst/>
-                <a:uLnTx/>
-                <a:uFillTx/>
-                <a:latin typeface="Calibri" panose="020F0502020204030204"/>
-                <a:ea typeface="+mn-ea"/>
-                <a:cs typeface="+mn-cs"/>
-              </a:rPr>
-              <a:t>2.35%</a:t>
-            </a:r>
-          </a:p>
-        </p:txBody>
-      </p:sp>
-      <p:sp>
-        <p:nvSpPr>
-          <p:cNvPr id="10" name="TextBox 9">
-            <a:extLst>
-              <a:ext uri="{FF2B5EF4-FFF2-40B4-BE49-F238E27FC236}">
-                <a16:creationId xmlns:a16="http://schemas.microsoft.com/office/drawing/2014/main" id="{E85AF6D6-AB27-C9A9-3814-E64AFF7E346A}"/>
-              </a:ext>
-            </a:extLst>
-          </p:cNvPr>
-          <p:cNvSpPr txBox="1"/>
-          <p:nvPr/>
-        </p:nvSpPr>
-        <p:spPr>
-          <a:xfrm>
-            <a:off x="6048344" y="5748631"/>
-            <a:ext cx="696024" cy="338554"/>
-          </a:xfrm>
-          <a:prstGeom prst="rect">
-            <a:avLst/>
-          </a:prstGeom>
-          <a:noFill/>
-        </p:spPr>
-        <p:txBody>
-          <a:bodyPr wrap="none" rtlCol="0">
-            <a:spAutoFit/>
-          </a:bodyPr>
-          <a:lstStyle/>
-          <a:p>
-            <a:pPr marL="0" marR="0" lvl="0" indent="0" algn="l" defTabSz="914400" rtl="0" eaLnBrk="1" fontAlgn="auto" latinLnBrk="0" hangingPunct="1">
-              <a:lnSpc>
-                <a:spcPct val="100000"/>
-              </a:lnSpc>
-              <a:spcBef>
-                <a:spcPts val="0"/>
-              </a:spcBef>
-              <a:spcAft>
-                <a:spcPts val="0"/>
-              </a:spcAft>
-              <a:buClrTx/>
-              <a:buSzTx/>
-              <a:buFontTx/>
-              <a:buNone/>
-              <a:tabLst/>
-              <a:defRPr/>
-            </a:pPr>
-            <a:r>
-              <a:rPr kumimoji="0" lang="en-US" sz="1600" b="0" i="0" u="none" strike="noStrike" kern="1200" cap="none" spc="0" normalizeH="0" baseline="0" noProof="0" dirty="0">
-                <a:ln>
-                  <a:noFill/>
-                </a:ln>
-                <a:solidFill>
-                  <a:prstClr val="black"/>
-                </a:solidFill>
-                <a:effectLst/>
-                <a:uLnTx/>
-                <a:uFillTx/>
-                <a:latin typeface="Calibri" panose="020F0502020204030204"/>
-                <a:ea typeface="+mn-ea"/>
-                <a:cs typeface="+mn-cs"/>
-              </a:rPr>
-              <a:t>0.15%</a:t>
-            </a:r>
-          </a:p>
-        </p:txBody>
-      </p:sp>
-    </p:spTree>
-    <p:extLst>
-      <p:ext uri="{BB962C8B-B14F-4D97-AF65-F5344CB8AC3E}">
-        <p14:creationId xmlns:p14="http://schemas.microsoft.com/office/powerpoint/2010/main" val="4143135985"/>
-      </p:ext>
-    </p:extLst>
-  </p:cSld>
-  <p:clrMapOvr>
-    <a:masterClrMapping/>
-  </p:clrMapOvr>
-  <p:timing>
-    <p:tnLst>
-      <p:par>
-        <p:cTn id="1" dur="indefinite" restart="never" nodeType="tmRoot">
-          <p:childTnLst>
-            <p:seq concurrent="1" nextAc="seek">
-              <p:cTn id="2" dur="indefinite" nodeType="mainSeq">
-                <p:childTnLst>
-                  <p:par>
-                    <p:cTn id="3" fill="hold">
-                      <p:stCondLst>
-                        <p:cond delay="indefinite"/>
-                      </p:stCondLst>
-                      <p:childTnLst>
-                        <p:par>
-                          <p:cTn id="4" fill="hold">
-                            <p:stCondLst>
-                              <p:cond delay="0"/>
-                            </p:stCondLst>
-                            <p:childTnLst>
-                              <p:par>
-                                <p:cTn id="5" presetID="1" presetClass="entr" presetSubtype="0" fill="hold" nodeType="clickEffect">
-                                  <p:stCondLst>
-                                    <p:cond delay="0"/>
-                                  </p:stCondLst>
-                                  <p:childTnLst>
-                                    <p:set>
-                                      <p:cBhvr>
-                                        <p:cTn id="6" dur="1" fill="hold">
-                                          <p:stCondLst>
-                                            <p:cond delay="0"/>
-                                          </p:stCondLst>
-                                        </p:cTn>
-                                        <p:tgtEl>
-                                          <p:spTgt spid="3">
-                                            <p:txEl>
-                                              <p:pRg st="5" end="5"/>
-                                            </p:txEl>
-                                          </p:spTgt>
-                                        </p:tgtEl>
-                                        <p:attrNameLst>
-                                          <p:attrName>style.visibility</p:attrName>
-                                        </p:attrNameLst>
-                                      </p:cBhvr>
-                                      <p:to>
-                                        <p:strVal val="visible"/>
-                                      </p:to>
-                                    </p:set>
-                                  </p:childTnLst>
-                                </p:cTn>
-                              </p:par>
-                            </p:childTnLst>
-                          </p:cTn>
-                        </p:par>
-                      </p:childTnLst>
-                    </p:cTn>
-                  </p:par>
-                  <p:par>
-                    <p:cTn id="7" fill="hold">
-                      <p:stCondLst>
-                        <p:cond delay="indefinite"/>
-                      </p:stCondLst>
-                      <p:childTnLst>
-                        <p:par>
-                          <p:cTn id="8" fill="hold">
-                            <p:stCondLst>
-                              <p:cond delay="0"/>
-                            </p:stCondLst>
-                            <p:childTnLst>
-                              <p:par>
-                                <p:cTn id="9" presetID="1" presetClass="entr" presetSubtype="0" fill="hold" nodeType="clickEffect">
-                                  <p:stCondLst>
-                                    <p:cond delay="0"/>
-                                  </p:stCondLst>
-                                  <p:childTnLst>
-                                    <p:set>
-                                      <p:cBhvr>
-                                        <p:cTn id="10" dur="1" fill="hold">
-                                          <p:stCondLst>
-                                            <p:cond delay="0"/>
-                                          </p:stCondLst>
-                                        </p:cTn>
-                                        <p:tgtEl>
-                                          <p:spTgt spid="3">
-                                            <p:txEl>
-                                              <p:pRg st="7" end="7"/>
-                                            </p:txEl>
-                                          </p:spTgt>
-                                        </p:tgtEl>
-                                        <p:attrNameLst>
-                                          <p:attrName>style.visibility</p:attrName>
-                                        </p:attrNameLst>
-                                      </p:cBhvr>
-                                      <p:to>
-                                        <p:strVal val="visible"/>
-                                      </p:to>
-                                    </p:set>
-                                  </p:childTnLst>
-                                </p:cTn>
-                              </p:par>
-                            </p:childTnLst>
-                          </p:cTn>
-                        </p:par>
-                      </p:childTnLst>
-                    </p:cTn>
-                  </p:par>
-                </p:childTnLst>
-              </p:cTn>
-              <p:prevCondLst>
-                <p:cond evt="onPrev" delay="0">
-                  <p:tgtEl>
-                    <p:sldTgt/>
-                  </p:tgtEl>
-                </p:cond>
-              </p:prevCondLst>
-              <p:nextCondLst>
-                <p:cond evt="onNext" delay="0">
-                  <p:tgtEl>
-                    <p:sldTgt/>
-                  </p:tgtEl>
-                </p:cond>
-              </p:nextCondLst>
-            </p:seq>
-          </p:childTnLst>
-        </p:cTn>
-      </p:par>
-    </p:tnLst>
-  </p:timing>
-</p:sld>
-</file>
-
-<file path=ppt/slides/slide16.xml><?xml version="1.0" encoding="utf-8"?>
-<p:sld xmlns:a="http://schemas.openxmlformats.org/drawingml/2006/main" xmlns:r="http://schemas.openxmlformats.org/officeDocument/2006/relationships" xmlns:p="http://schemas.openxmlformats.org/presentationml/2006/main">
-  <p:cSld>
-    <p:spTree>
-      <p:nvGrpSpPr>
-        <p:cNvPr id="1" name=""/>
-        <p:cNvGrpSpPr/>
-        <p:nvPr/>
-      </p:nvGrpSpPr>
-      <p:grpSpPr>
-        <a:xfrm>
-          <a:off x="0" y="0"/>
-          <a:ext cx="0" cy="0"/>
-          <a:chOff x="0" y="0"/>
-          <a:chExt cx="0" cy="0"/>
-        </a:xfrm>
-      </p:grpSpPr>
-      <p:sp>
-        <p:nvSpPr>
-          <p:cNvPr id="2" name="Title 1">
-            <a:extLst>
-              <a:ext uri="{FF2B5EF4-FFF2-40B4-BE49-F238E27FC236}">
-                <a16:creationId xmlns:a16="http://schemas.microsoft.com/office/drawing/2014/main" id="{9F06B889-5E6A-6C39-6160-FFACE7960630}"/>
-              </a:ext>
-            </a:extLst>
-          </p:cNvPr>
-          <p:cNvSpPr>
-            <a:spLocks noGrp="1"/>
-          </p:cNvSpPr>
-          <p:nvPr>
-            <p:ph type="title"/>
-          </p:nvPr>
-        </p:nvSpPr>
-        <p:spPr/>
-        <p:txBody>
-          <a:bodyPr/>
-          <a:lstStyle/>
-          <a:p>
-            <a:r>
-              <a:rPr lang="en-US" dirty="0"/>
-              <a:t>Identifying Outliers: Normal Distributions</a:t>
-            </a:r>
-          </a:p>
-        </p:txBody>
-      </p:sp>
-      <mc:AlternateContent xmlns:mc="http://schemas.openxmlformats.org/markup-compatibility/2006" xmlns:a14="http://schemas.microsoft.com/office/drawing/2010/main">
-        <mc:Choice Requires="a14">
-          <p:sp>
-            <p:nvSpPr>
-              <p:cNvPr id="3" name="Content Placeholder 2">
-                <a:extLst>
-                  <a:ext uri="{FF2B5EF4-FFF2-40B4-BE49-F238E27FC236}">
-                    <a16:creationId xmlns:a16="http://schemas.microsoft.com/office/drawing/2014/main" id="{45D0A288-3590-7E5A-060E-0A13991007C8}"/>
-                  </a:ext>
-                </a:extLst>
-              </p:cNvPr>
-              <p:cNvSpPr>
-                <a:spLocks noGrp="1"/>
-              </p:cNvSpPr>
-              <p:nvPr>
-                <p:ph idx="1"/>
-              </p:nvPr>
-            </p:nvSpPr>
-            <p:spPr>
-              <a:xfrm>
-                <a:off x="838200" y="1825624"/>
-                <a:ext cx="10864273" cy="4870740"/>
-              </a:xfrm>
-            </p:spPr>
-            <p:txBody>
-              <a:bodyPr>
-                <a:normAutofit fontScale="92500" lnSpcReduction="20000"/>
-              </a:bodyPr>
-              <a:lstStyle/>
-              <a:p>
-                <a:r>
-                  <a:rPr lang="en-US" dirty="0"/>
-                  <a:t>The empirical rule: It is fairly unlikely to observe a value that is more than 2 standard deviations from the mean </a:t>
-                </a:r>
-              </a:p>
-              <a:p>
-                <a:pPr marL="0" indent="0">
-                  <a:buNone/>
-                </a:pPr>
-                <a:endParaRPr lang="en-US" dirty="0"/>
-              </a:p>
-              <a:p>
-                <a:r>
-                  <a:rPr lang="en-US" dirty="0"/>
-                  <a:t>Therefore, when data are approximately Normally distributed, we can regard all values </a:t>
-                </a:r>
-                <a14:m>
-                  <m:oMath xmlns:m="http://schemas.openxmlformats.org/officeDocument/2006/math">
-                    <m:r>
-                      <a:rPr lang="en-US" b="0" i="1" smtClean="0">
-                        <a:latin typeface="Cambria Math" panose="02040503050406030204" pitchFamily="18" charset="0"/>
-                      </a:rPr>
-                      <m:t>≥2</m:t>
-                    </m:r>
-                    <m:r>
-                      <a:rPr lang="en-US" b="0" i="1" smtClean="0">
-                        <a:latin typeface="Cambria Math" panose="02040503050406030204" pitchFamily="18" charset="0"/>
-                      </a:rPr>
-                      <m:t>𝑠</m:t>
-                    </m:r>
-                  </m:oMath>
-                </a14:m>
-                <a:r>
-                  <a:rPr lang="en-US" dirty="0"/>
-                  <a:t> distance from the mean as outliers</a:t>
-                </a:r>
-              </a:p>
-              <a:p>
-                <a:endParaRPr lang="en-US" dirty="0"/>
-              </a:p>
-              <a:p>
-                <a14:m>
-                  <m:oMath xmlns:m="http://schemas.openxmlformats.org/officeDocument/2006/math">
-                    <m:r>
-                      <a:rPr lang="en-US" b="1" i="1" smtClean="0">
-                        <a:latin typeface="Cambria Math" panose="02040503050406030204" pitchFamily="18" charset="0"/>
-                      </a:rPr>
-                      <m:t>𝒁</m:t>
-                    </m:r>
-                    <m:r>
-                      <a:rPr lang="en-US" b="1" i="0" smtClean="0">
-                        <a:latin typeface="Cambria Math" panose="02040503050406030204" pitchFamily="18" charset="0"/>
-                      </a:rPr>
-                      <m:t>−</m:t>
-                    </m:r>
-                  </m:oMath>
-                </a14:m>
-                <a:r>
-                  <a:rPr lang="en-US" b="1" dirty="0"/>
-                  <a:t>score</a:t>
-                </a:r>
-                <a:r>
-                  <a:rPr lang="en-US" dirty="0"/>
-                  <a:t>: The number of standard deviations a value falls from mean</a:t>
-                </a:r>
-              </a:p>
-              <a:p>
-                <a:pPr marL="0" indent="0">
-                  <a:buNone/>
-                </a:pPr>
-                <a:endParaRPr lang="en-US" dirty="0"/>
-              </a:p>
-              <a:p>
-                <a:pPr marL="0" indent="0">
-                  <a:buNone/>
-                </a:pPr>
-                <a14:m>
-                  <m:oMathPara xmlns:m="http://schemas.openxmlformats.org/officeDocument/2006/math">
-                    <m:oMathParaPr>
-                      <m:jc m:val="centerGroup"/>
-                    </m:oMathParaPr>
-                    <m:oMath xmlns:m="http://schemas.openxmlformats.org/officeDocument/2006/math">
-                      <m:sSub>
-                        <m:sSubPr>
-                          <m:ctrlPr>
-                            <a:rPr lang="en-US" b="0" i="1" smtClean="0">
-                              <a:latin typeface="Cambria Math" panose="02040503050406030204" pitchFamily="18" charset="0"/>
-                            </a:rPr>
-                          </m:ctrlPr>
-                        </m:sSubPr>
-                        <m:e>
-                          <m:r>
-                            <a:rPr lang="en-US" b="0" i="1" smtClean="0">
-                              <a:latin typeface="Cambria Math" panose="02040503050406030204" pitchFamily="18" charset="0"/>
-                            </a:rPr>
-                            <m:t>𝑧</m:t>
-                          </m:r>
-                        </m:e>
-                        <m:sub>
-                          <m:r>
-                            <a:rPr lang="en-US" b="0" i="1" smtClean="0">
-                              <a:latin typeface="Cambria Math" panose="02040503050406030204" pitchFamily="18" charset="0"/>
-                            </a:rPr>
-                            <m:t>𝑖</m:t>
-                          </m:r>
-                        </m:sub>
-                      </m:sSub>
-                      <m:r>
-                        <a:rPr lang="en-US" b="0" i="1" smtClean="0">
-                          <a:latin typeface="Cambria Math" panose="02040503050406030204" pitchFamily="18" charset="0"/>
-                        </a:rPr>
-                        <m:t>= </m:t>
-                      </m:r>
-                      <m:f>
-                        <m:fPr>
-                          <m:ctrlPr>
-                            <a:rPr lang="en-US" b="0" i="1" smtClean="0">
-                              <a:latin typeface="Cambria Math" panose="02040503050406030204" pitchFamily="18" charset="0"/>
-                            </a:rPr>
-                          </m:ctrlPr>
-                        </m:fPr>
-                        <m:num>
-                          <m:r>
-                            <a:rPr lang="en-US" b="0" i="1" smtClean="0">
-                              <a:latin typeface="Cambria Math" panose="02040503050406030204" pitchFamily="18" charset="0"/>
-                            </a:rPr>
-                            <m:t>𝑜𝑏𝑠𝑒𝑟𝑣𝑎𝑡𝑖𝑜𝑛</m:t>
-                          </m:r>
-                          <m:r>
-                            <a:rPr lang="en-US" b="0" i="1" smtClean="0">
-                              <a:latin typeface="Cambria Math" panose="02040503050406030204" pitchFamily="18" charset="0"/>
-                            </a:rPr>
-                            <m:t> −</m:t>
-                          </m:r>
-                          <m:r>
-                            <a:rPr lang="en-US" b="0" i="1" smtClean="0">
-                              <a:latin typeface="Cambria Math" panose="02040503050406030204" pitchFamily="18" charset="0"/>
-                            </a:rPr>
-                            <m:t>𝑚𝑒𝑎𝑛</m:t>
-                          </m:r>
-                        </m:num>
-                        <m:den>
-                          <m:r>
-                            <a:rPr lang="en-US" b="0" i="1" smtClean="0">
-                              <a:latin typeface="Cambria Math" panose="02040503050406030204" pitchFamily="18" charset="0"/>
-                            </a:rPr>
-                            <m:t>𝑠𝑡𝑎𝑛𝑑𝑎𝑟𝑑</m:t>
-                          </m:r>
-                          <m:r>
-                            <a:rPr lang="en-US" b="0" i="1" smtClean="0">
-                              <a:latin typeface="Cambria Math" panose="02040503050406030204" pitchFamily="18" charset="0"/>
-                            </a:rPr>
-                            <m:t> </m:t>
-                          </m:r>
-                          <m:r>
-                            <a:rPr lang="en-US" b="0" i="1" smtClean="0">
-                              <a:latin typeface="Cambria Math" panose="02040503050406030204" pitchFamily="18" charset="0"/>
-                            </a:rPr>
-                            <m:t>𝑑𝑒𝑣𝑖𝑎𝑡𝑖𝑜𝑛</m:t>
-                          </m:r>
-                        </m:den>
-                      </m:f>
-                    </m:oMath>
-                  </m:oMathPara>
-                </a14:m>
-                <a:endParaRPr lang="en-US" dirty="0"/>
-              </a:p>
-              <a:p>
-                <a:pPr marL="0" indent="0">
-                  <a:buNone/>
-                </a:pPr>
-                <a:endParaRPr lang="en-US" dirty="0"/>
-              </a:p>
-              <a:p>
-                <a:pPr marL="0" indent="0">
-                  <a:buNone/>
-                </a:pPr>
-                <a14:m>
-                  <m:oMath xmlns:m="http://schemas.openxmlformats.org/officeDocument/2006/math">
-                    <m:r>
-                      <a:rPr lang="en-US" b="0" i="1" smtClean="0">
-                        <a:latin typeface="Cambria Math" panose="02040503050406030204" pitchFamily="18" charset="0"/>
-                      </a:rPr>
-                      <m:t>                                                = </m:t>
-                    </m:r>
-                    <m:f>
-                      <m:fPr>
-                        <m:ctrlPr>
-                          <a:rPr lang="en-US" b="0" i="1" smtClean="0">
-                            <a:latin typeface="Cambria Math" panose="02040503050406030204" pitchFamily="18" charset="0"/>
-                          </a:rPr>
-                        </m:ctrlPr>
-                      </m:fPr>
-                      <m:num>
-                        <m:sSub>
-                          <m:sSubPr>
-                            <m:ctrlPr>
-                              <a:rPr lang="en-US" b="0" i="1" smtClean="0">
-                                <a:latin typeface="Cambria Math" panose="02040503050406030204" pitchFamily="18" charset="0"/>
-                              </a:rPr>
-                            </m:ctrlPr>
-                          </m:sSubPr>
-                          <m:e>
-                            <m:r>
-                              <a:rPr lang="en-US" b="0" i="1" smtClean="0">
-                                <a:latin typeface="Cambria Math" panose="02040503050406030204" pitchFamily="18" charset="0"/>
-                              </a:rPr>
-                              <m:t>𝑥</m:t>
-                            </m:r>
-                          </m:e>
-                          <m:sub>
-                            <m:r>
-                              <a:rPr lang="en-US" b="0" i="1" smtClean="0">
-                                <a:latin typeface="Cambria Math" panose="02040503050406030204" pitchFamily="18" charset="0"/>
-                              </a:rPr>
-                              <m:t>𝑖</m:t>
-                            </m:r>
-                          </m:sub>
-                        </m:sSub>
-                        <m:r>
-                          <a:rPr lang="en-US" b="0" i="1" smtClean="0">
-                            <a:latin typeface="Cambria Math" panose="02040503050406030204" pitchFamily="18" charset="0"/>
-                          </a:rPr>
-                          <m:t> − </m:t>
-                        </m:r>
-                        <m:acc>
-                          <m:accPr>
-                            <m:chr m:val="̅"/>
-                            <m:ctrlPr>
-                              <a:rPr lang="en-US" b="0" i="1" smtClean="0">
-                                <a:latin typeface="Cambria Math" panose="02040503050406030204" pitchFamily="18" charset="0"/>
-                              </a:rPr>
-                            </m:ctrlPr>
-                          </m:accPr>
-                          <m:e>
-                            <m:r>
-                              <a:rPr lang="en-US" b="0" i="1" smtClean="0">
-                                <a:latin typeface="Cambria Math" panose="02040503050406030204" pitchFamily="18" charset="0"/>
-                              </a:rPr>
-                              <m:t>𝑥</m:t>
-                            </m:r>
-                          </m:e>
-                        </m:acc>
-                      </m:num>
-                      <m:den>
-                        <m:r>
-                          <a:rPr lang="en-US" b="0" i="1" smtClean="0">
-                            <a:latin typeface="Cambria Math" panose="02040503050406030204" pitchFamily="18" charset="0"/>
-                          </a:rPr>
-                          <m:t>𝑠</m:t>
-                        </m:r>
-                      </m:den>
-                    </m:f>
-                    <m:r>
-                      <a:rPr lang="en-US" b="0" i="1" smtClean="0">
-                        <a:latin typeface="Cambria Math" panose="02040503050406030204" pitchFamily="18" charset="0"/>
-                      </a:rPr>
-                      <m:t>∼</m:t>
-                    </m:r>
-                    <m:r>
-                      <a:rPr lang="en-US" b="0" i="1" smtClean="0">
-                        <a:latin typeface="Cambria Math" panose="02040503050406030204" pitchFamily="18" charset="0"/>
-                      </a:rPr>
-                      <m:t>𝑁</m:t>
-                    </m:r>
-                    <m:r>
-                      <a:rPr lang="en-US" b="0" i="1" smtClean="0">
-                        <a:latin typeface="Cambria Math" panose="02040503050406030204" pitchFamily="18" charset="0"/>
-                      </a:rPr>
-                      <m:t>(0,1)</m:t>
-                    </m:r>
-                  </m:oMath>
-                </a14:m>
-                <a:r>
-                  <a:rPr lang="en-US" dirty="0"/>
-                  <a:t> if </a:t>
-                </a:r>
-                <a14:m>
-                  <m:oMath xmlns:m="http://schemas.openxmlformats.org/officeDocument/2006/math">
-                    <m:sSub>
-                      <m:sSubPr>
-                        <m:ctrlPr>
-                          <a:rPr lang="en-US" b="0" i="1" smtClean="0">
-                            <a:latin typeface="Cambria Math" panose="02040503050406030204" pitchFamily="18" charset="0"/>
-                          </a:rPr>
-                        </m:ctrlPr>
-                      </m:sSubPr>
-                      <m:e>
-                        <m:r>
-                          <a:rPr lang="en-US" b="0" i="1" smtClean="0">
-                            <a:latin typeface="Cambria Math" panose="02040503050406030204" pitchFamily="18" charset="0"/>
-                          </a:rPr>
-                          <m:t>𝑥</m:t>
-                        </m:r>
-                      </m:e>
-                      <m:sub>
-                        <m:r>
-                          <a:rPr lang="en-US" b="0" i="1" smtClean="0">
-                            <a:latin typeface="Cambria Math" panose="02040503050406030204" pitchFamily="18" charset="0"/>
-                          </a:rPr>
-                          <m:t>𝑖</m:t>
-                        </m:r>
-                      </m:sub>
-                    </m:sSub>
-                    <m:r>
-                      <a:rPr lang="en-US" b="0" i="1" smtClean="0">
-                        <a:latin typeface="Cambria Math" panose="02040503050406030204" pitchFamily="18" charset="0"/>
-                      </a:rPr>
-                      <m:t>∼</m:t>
-                    </m:r>
-                    <m:r>
-                      <a:rPr lang="en-US" b="0" i="1" smtClean="0">
-                        <a:latin typeface="Cambria Math" panose="02040503050406030204" pitchFamily="18" charset="0"/>
-                      </a:rPr>
-                      <m:t>𝑁</m:t>
-                    </m:r>
-                    <m:r>
-                      <a:rPr lang="en-US" b="0" i="1" smtClean="0">
-                        <a:latin typeface="Cambria Math" panose="02040503050406030204" pitchFamily="18" charset="0"/>
-                      </a:rPr>
-                      <m:t>(</m:t>
-                    </m:r>
-                    <m:r>
-                      <a:rPr lang="en-US" b="0" i="1" smtClean="0">
-                        <a:latin typeface="Cambria Math" panose="02040503050406030204" pitchFamily="18" charset="0"/>
-                      </a:rPr>
-                      <m:t>𝜇</m:t>
-                    </m:r>
-                    <m:r>
-                      <a:rPr lang="en-US" b="0" i="1" smtClean="0">
-                        <a:latin typeface="Cambria Math" panose="02040503050406030204" pitchFamily="18" charset="0"/>
-                      </a:rPr>
-                      <m:t>, </m:t>
-                    </m:r>
-                    <m:r>
-                      <a:rPr lang="en-US" b="0" i="1" smtClean="0">
-                        <a:latin typeface="Cambria Math" panose="02040503050406030204" pitchFamily="18" charset="0"/>
-                      </a:rPr>
-                      <m:t>𝜎</m:t>
-                    </m:r>
-                    <m:r>
-                      <a:rPr lang="en-US" b="0" i="1" smtClean="0">
-                        <a:latin typeface="Cambria Math" panose="02040503050406030204" pitchFamily="18" charset="0"/>
-                      </a:rPr>
-                      <m:t>)</m:t>
-                    </m:r>
-                  </m:oMath>
-                </a14:m>
-                <a:endParaRPr lang="en-US" b="0" dirty="0"/>
-              </a:p>
-            </p:txBody>
-          </p:sp>
-        </mc:Choice>
-        <mc:Fallback xmlns="">
-          <p:sp>
-            <p:nvSpPr>
-              <p:cNvPr id="3" name="Content Placeholder 2">
-                <a:extLst>
-                  <a:ext uri="{FF2B5EF4-FFF2-40B4-BE49-F238E27FC236}">
-                    <a16:creationId xmlns:a16="http://schemas.microsoft.com/office/drawing/2014/main" id="{45D0A288-3590-7E5A-060E-0A13991007C8}"/>
-                  </a:ext>
-                </a:extLst>
-              </p:cNvPr>
-              <p:cNvSpPr>
-                <a:spLocks noGrp="1" noRot="1" noChangeAspect="1" noMove="1" noResize="1" noEditPoints="1" noAdjustHandles="1" noChangeArrowheads="1" noChangeShapeType="1" noTextEdit="1"/>
-              </p:cNvSpPr>
-              <p:nvPr>
-                <p:ph idx="1"/>
-              </p:nvPr>
-            </p:nvSpPr>
-            <p:spPr>
-              <a:xfrm>
-                <a:off x="838200" y="1825624"/>
-                <a:ext cx="10864273" cy="4870740"/>
-              </a:xfrm>
-              <a:blipFill>
-                <a:blip r:embed="rId2"/>
-                <a:stretch>
-                  <a:fillRect l="-898" t="-3129"/>
-                </a:stretch>
-              </a:blipFill>
-            </p:spPr>
-            <p:txBody>
-              <a:bodyPr/>
-              <a:lstStyle/>
-              <a:p>
-                <a:r>
-                  <a:rPr lang="en-US">
-                    <a:noFill/>
-                  </a:rPr>
-                  <a:t> </a:t>
-                </a:r>
-              </a:p>
-            </p:txBody>
-          </p:sp>
-        </mc:Fallback>
-      </mc:AlternateContent>
-    </p:spTree>
-    <p:extLst>
-      <p:ext uri="{BB962C8B-B14F-4D97-AF65-F5344CB8AC3E}">
-        <p14:creationId xmlns:p14="http://schemas.microsoft.com/office/powerpoint/2010/main" val="2191307957"/>
-      </p:ext>
-    </p:extLst>
-  </p:cSld>
-  <p:clrMapOvr>
-    <a:masterClrMapping/>
-  </p:clrMapOvr>
-</p:sld>
-</file>
-
-<file path=ppt/slides/slide17.xml><?xml version="1.0" encoding="utf-8"?>
-<p:sld xmlns:a="http://schemas.openxmlformats.org/drawingml/2006/main" xmlns:r="http://schemas.openxmlformats.org/officeDocument/2006/relationships" xmlns:p="http://schemas.openxmlformats.org/presentationml/2006/main">
-  <p:cSld>
-    <p:spTree>
-      <p:nvGrpSpPr>
-        <p:cNvPr id="1" name=""/>
-        <p:cNvGrpSpPr/>
-        <p:nvPr/>
-      </p:nvGrpSpPr>
-      <p:grpSpPr>
-        <a:xfrm>
-          <a:off x="0" y="0"/>
-          <a:ext cx="0" cy="0"/>
-          <a:chOff x="0" y="0"/>
-          <a:chExt cx="0" cy="0"/>
-        </a:xfrm>
-      </p:grpSpPr>
-      <p:pic>
-        <p:nvPicPr>
-          <p:cNvPr id="5" name="Picture 4">
-            <a:extLst>
-              <a:ext uri="{FF2B5EF4-FFF2-40B4-BE49-F238E27FC236}">
-                <a16:creationId xmlns:a16="http://schemas.microsoft.com/office/drawing/2014/main" id="{FC9EB24A-B183-86BF-3B1D-683E33D7C307}"/>
-              </a:ext>
-            </a:extLst>
-          </p:cNvPr>
-          <p:cNvPicPr>
-            <a:picLocks noChangeAspect="1"/>
-          </p:cNvPicPr>
-          <p:nvPr/>
-        </p:nvPicPr>
-        <p:blipFill>
-          <a:blip r:embed="rId2"/>
-          <a:stretch>
-            <a:fillRect/>
-          </a:stretch>
-        </p:blipFill>
-        <p:spPr>
-          <a:xfrm>
-            <a:off x="999922" y="0"/>
-            <a:ext cx="10192155" cy="6858000"/>
-          </a:xfrm>
-          <a:prstGeom prst="rect">
-            <a:avLst/>
-          </a:prstGeom>
-        </p:spPr>
-      </p:pic>
-      <p:sp>
-        <p:nvSpPr>
-          <p:cNvPr id="6" name="TextBox 5">
-            <a:extLst>
-              <a:ext uri="{FF2B5EF4-FFF2-40B4-BE49-F238E27FC236}">
-                <a16:creationId xmlns:a16="http://schemas.microsoft.com/office/drawing/2014/main" id="{E319C7B1-1FA5-0133-7E34-B9858B3DFC1D}"/>
-              </a:ext>
-            </a:extLst>
-          </p:cNvPr>
-          <p:cNvSpPr txBox="1"/>
-          <p:nvPr/>
-        </p:nvSpPr>
-        <p:spPr>
-          <a:xfrm>
-            <a:off x="8667750" y="1704975"/>
-            <a:ext cx="641522" cy="369332"/>
-          </a:xfrm>
-          <a:prstGeom prst="rect">
-            <a:avLst/>
-          </a:prstGeom>
-          <a:noFill/>
-        </p:spPr>
-        <p:txBody>
-          <a:bodyPr wrap="none" rtlCol="0">
-            <a:spAutoFit/>
-          </a:bodyPr>
-          <a:lstStyle/>
-          <a:p>
-            <a:pPr marL="0" marR="0" lvl="0" indent="0" algn="l" defTabSz="914400" rtl="0" eaLnBrk="1" fontAlgn="auto" latinLnBrk="0" hangingPunct="1">
-              <a:lnSpc>
-                <a:spcPct val="100000"/>
-              </a:lnSpc>
-              <a:spcBef>
-                <a:spcPts val="0"/>
-              </a:spcBef>
-              <a:spcAft>
-                <a:spcPts val="0"/>
-              </a:spcAft>
-              <a:buClrTx/>
-              <a:buSzTx/>
-              <a:buFontTx/>
-              <a:buNone/>
-              <a:tabLst/>
-              <a:defRPr/>
-            </a:pPr>
-            <a:r>
-              <a:rPr kumimoji="0" lang="en-US" sz="1800" b="0" i="0" u="none" strike="noStrike" kern="1200" cap="none" spc="0" normalizeH="0" baseline="0" noProof="0" dirty="0">
-                <a:ln>
-                  <a:noFill/>
-                </a:ln>
-                <a:solidFill>
-                  <a:prstClr val="black"/>
-                </a:solidFill>
-                <a:effectLst/>
-                <a:uLnTx/>
-                <a:uFillTx/>
-                <a:latin typeface="Calibri" panose="020F0502020204030204"/>
-                <a:ea typeface="+mn-ea"/>
-                <a:cs typeface="+mn-cs"/>
-              </a:rPr>
-              <a:t>2.5%</a:t>
-            </a:r>
-          </a:p>
-        </p:txBody>
-      </p:sp>
-      <p:sp>
-        <p:nvSpPr>
-          <p:cNvPr id="7" name="TextBox 6">
-            <a:extLst>
-              <a:ext uri="{FF2B5EF4-FFF2-40B4-BE49-F238E27FC236}">
-                <a16:creationId xmlns:a16="http://schemas.microsoft.com/office/drawing/2014/main" id="{07CE234A-5E4E-87CD-F78C-BEA3EDDA4474}"/>
-              </a:ext>
-            </a:extLst>
-          </p:cNvPr>
-          <p:cNvSpPr txBox="1"/>
-          <p:nvPr/>
-        </p:nvSpPr>
-        <p:spPr>
-          <a:xfrm>
-            <a:off x="2838450" y="1704975"/>
-            <a:ext cx="641522" cy="369332"/>
-          </a:xfrm>
-          <a:prstGeom prst="rect">
-            <a:avLst/>
-          </a:prstGeom>
-          <a:noFill/>
-        </p:spPr>
-        <p:txBody>
-          <a:bodyPr wrap="none" rtlCol="0">
-            <a:spAutoFit/>
-          </a:bodyPr>
-          <a:lstStyle/>
-          <a:p>
-            <a:pPr marL="0" marR="0" lvl="0" indent="0" algn="l" defTabSz="914400" rtl="0" eaLnBrk="1" fontAlgn="auto" latinLnBrk="0" hangingPunct="1">
-              <a:lnSpc>
-                <a:spcPct val="100000"/>
-              </a:lnSpc>
-              <a:spcBef>
-                <a:spcPts val="0"/>
-              </a:spcBef>
-              <a:spcAft>
-                <a:spcPts val="0"/>
-              </a:spcAft>
-              <a:buClrTx/>
-              <a:buSzTx/>
-              <a:buFontTx/>
-              <a:buNone/>
-              <a:tabLst/>
-              <a:defRPr/>
-            </a:pPr>
-            <a:r>
-              <a:rPr kumimoji="0" lang="en-US" sz="1800" b="0" i="0" u="none" strike="noStrike" kern="1200" cap="none" spc="0" normalizeH="0" baseline="0" noProof="0" dirty="0">
-                <a:ln>
-                  <a:noFill/>
-                </a:ln>
-                <a:solidFill>
-                  <a:prstClr val="black"/>
-                </a:solidFill>
-                <a:effectLst/>
-                <a:uLnTx/>
-                <a:uFillTx/>
-                <a:latin typeface="Calibri" panose="020F0502020204030204"/>
-                <a:ea typeface="+mn-ea"/>
-                <a:cs typeface="+mn-cs"/>
-              </a:rPr>
-              <a:t>2.5%</a:t>
-            </a:r>
-          </a:p>
-        </p:txBody>
-      </p:sp>
-      <p:sp>
-        <p:nvSpPr>
-          <p:cNvPr id="8" name="TextBox 7">
-            <a:extLst>
-              <a:ext uri="{FF2B5EF4-FFF2-40B4-BE49-F238E27FC236}">
-                <a16:creationId xmlns:a16="http://schemas.microsoft.com/office/drawing/2014/main" id="{33B620D0-C496-22EE-F007-C4F70DA00736}"/>
-              </a:ext>
-            </a:extLst>
-          </p:cNvPr>
-          <p:cNvSpPr txBox="1"/>
-          <p:nvPr/>
-        </p:nvSpPr>
-        <p:spPr>
-          <a:xfrm>
-            <a:off x="4676775" y="5286375"/>
-            <a:ext cx="641522" cy="369332"/>
-          </a:xfrm>
-          <a:prstGeom prst="rect">
-            <a:avLst/>
-          </a:prstGeom>
-          <a:noFill/>
-        </p:spPr>
-        <p:txBody>
-          <a:bodyPr wrap="none" rtlCol="0">
-            <a:spAutoFit/>
-          </a:bodyPr>
-          <a:lstStyle/>
-          <a:p>
-            <a:pPr marL="0" marR="0" lvl="0" indent="0" algn="l" defTabSz="914400" rtl="0" eaLnBrk="1" fontAlgn="auto" latinLnBrk="0" hangingPunct="1">
-              <a:lnSpc>
-                <a:spcPct val="100000"/>
-              </a:lnSpc>
-              <a:spcBef>
-                <a:spcPts val="0"/>
-              </a:spcBef>
-              <a:spcAft>
-                <a:spcPts val="0"/>
-              </a:spcAft>
-              <a:buClrTx/>
-              <a:buSzTx/>
-              <a:buFontTx/>
-              <a:buNone/>
-              <a:tabLst/>
-              <a:defRPr/>
-            </a:pPr>
-            <a:r>
-              <a:rPr kumimoji="0" lang="en-US" sz="1800" b="0" i="0" u="none" strike="noStrike" kern="1200" cap="none" spc="0" normalizeH="0" baseline="0" noProof="0" dirty="0">
-                <a:ln>
-                  <a:noFill/>
-                </a:ln>
-                <a:solidFill>
-                  <a:prstClr val="black"/>
-                </a:solidFill>
-                <a:effectLst/>
-                <a:uLnTx/>
-                <a:uFillTx/>
-                <a:latin typeface="Calibri" panose="020F0502020204030204"/>
-                <a:ea typeface="+mn-ea"/>
-                <a:cs typeface="+mn-cs"/>
-              </a:rPr>
-              <a:t>2.5%</a:t>
-            </a:r>
-          </a:p>
-        </p:txBody>
-      </p:sp>
-      <p:sp>
-        <p:nvSpPr>
-          <p:cNvPr id="9" name="TextBox 8">
-            <a:extLst>
-              <a:ext uri="{FF2B5EF4-FFF2-40B4-BE49-F238E27FC236}">
-                <a16:creationId xmlns:a16="http://schemas.microsoft.com/office/drawing/2014/main" id="{159EE68B-B580-384D-DE9C-1D6AA11B5EEF}"/>
-              </a:ext>
-            </a:extLst>
-          </p:cNvPr>
-          <p:cNvSpPr txBox="1"/>
-          <p:nvPr/>
-        </p:nvSpPr>
-        <p:spPr>
-          <a:xfrm>
-            <a:off x="6095999" y="1339334"/>
-            <a:ext cx="583814" cy="369332"/>
-          </a:xfrm>
-          <a:prstGeom prst="rect">
-            <a:avLst/>
-          </a:prstGeom>
-          <a:noFill/>
-        </p:spPr>
-        <p:txBody>
-          <a:bodyPr wrap="none" rtlCol="0">
-            <a:spAutoFit/>
-          </a:bodyPr>
-          <a:lstStyle/>
-          <a:p>
-            <a:pPr marL="0" marR="0" lvl="0" indent="0" algn="l" defTabSz="914400" rtl="0" eaLnBrk="1" fontAlgn="auto" latinLnBrk="0" hangingPunct="1">
-              <a:lnSpc>
-                <a:spcPct val="100000"/>
-              </a:lnSpc>
-              <a:spcBef>
-                <a:spcPts val="0"/>
-              </a:spcBef>
-              <a:spcAft>
-                <a:spcPts val="0"/>
-              </a:spcAft>
-              <a:buClrTx/>
-              <a:buSzTx/>
-              <a:buFontTx/>
-              <a:buNone/>
-              <a:tabLst/>
-              <a:defRPr/>
-            </a:pPr>
-            <a:r>
-              <a:rPr kumimoji="0" lang="en-US" sz="1800" b="0" i="0" u="none" strike="noStrike" kern="1200" cap="none" spc="0" normalizeH="0" baseline="0" noProof="0" dirty="0">
-                <a:ln>
-                  <a:noFill/>
-                </a:ln>
-                <a:solidFill>
-                  <a:prstClr val="black"/>
-                </a:solidFill>
-                <a:effectLst/>
-                <a:uLnTx/>
-                <a:uFillTx/>
-                <a:latin typeface="Calibri" panose="020F0502020204030204"/>
-                <a:ea typeface="+mn-ea"/>
-                <a:cs typeface="+mn-cs"/>
-              </a:rPr>
-              <a:t>95%</a:t>
-            </a:r>
-          </a:p>
-        </p:txBody>
-      </p:sp>
-      <p:sp>
-        <p:nvSpPr>
-          <p:cNvPr id="10" name="TextBox 9">
-            <a:extLst>
-              <a:ext uri="{FF2B5EF4-FFF2-40B4-BE49-F238E27FC236}">
-                <a16:creationId xmlns:a16="http://schemas.microsoft.com/office/drawing/2014/main" id="{2D958BF6-310B-57DD-C76B-D07CAFF33E70}"/>
-              </a:ext>
-            </a:extLst>
-          </p:cNvPr>
-          <p:cNvSpPr txBox="1"/>
-          <p:nvPr/>
-        </p:nvSpPr>
-        <p:spPr>
-          <a:xfrm>
-            <a:off x="3609402" y="5286375"/>
-            <a:ext cx="758541" cy="369332"/>
-          </a:xfrm>
-          <a:prstGeom prst="rect">
-            <a:avLst/>
-          </a:prstGeom>
-          <a:noFill/>
-        </p:spPr>
-        <p:txBody>
-          <a:bodyPr wrap="none" rtlCol="0">
-            <a:spAutoFit/>
-          </a:bodyPr>
-          <a:lstStyle/>
-          <a:p>
-            <a:pPr marL="0" marR="0" lvl="0" indent="0" algn="l" defTabSz="914400" rtl="0" eaLnBrk="1" fontAlgn="auto" latinLnBrk="0" hangingPunct="1">
-              <a:lnSpc>
-                <a:spcPct val="100000"/>
-              </a:lnSpc>
-              <a:spcBef>
-                <a:spcPts val="0"/>
-              </a:spcBef>
-              <a:spcAft>
-                <a:spcPts val="0"/>
-              </a:spcAft>
-              <a:buClrTx/>
-              <a:buSzTx/>
-              <a:buFontTx/>
-              <a:buNone/>
-              <a:tabLst/>
-              <a:defRPr/>
-            </a:pPr>
-            <a:r>
-              <a:rPr kumimoji="0" lang="en-US" sz="1800" b="0" i="0" u="none" strike="noStrike" kern="1200" cap="none" spc="0" normalizeH="0" baseline="0" noProof="0" dirty="0">
-                <a:ln>
-                  <a:noFill/>
-                </a:ln>
-                <a:solidFill>
-                  <a:prstClr val="black"/>
-                </a:solidFill>
-                <a:effectLst/>
-                <a:uLnTx/>
-                <a:uFillTx/>
-                <a:latin typeface="Calibri" panose="020F0502020204030204"/>
-                <a:ea typeface="+mn-ea"/>
-                <a:cs typeface="+mn-cs"/>
-              </a:rPr>
-              <a:t>97.5%</a:t>
-            </a:r>
-          </a:p>
-        </p:txBody>
-      </p:sp>
-      <p:sp>
-        <p:nvSpPr>
-          <p:cNvPr id="11" name="TextBox 10">
-            <a:extLst>
-              <a:ext uri="{FF2B5EF4-FFF2-40B4-BE49-F238E27FC236}">
-                <a16:creationId xmlns:a16="http://schemas.microsoft.com/office/drawing/2014/main" id="{9B204216-FA0C-4C7F-B9DE-94641E3580C0}"/>
-              </a:ext>
-            </a:extLst>
-          </p:cNvPr>
-          <p:cNvSpPr txBox="1"/>
-          <p:nvPr/>
-        </p:nvSpPr>
-        <p:spPr>
-          <a:xfrm>
-            <a:off x="8086725" y="5286375"/>
-            <a:ext cx="758541" cy="369332"/>
-          </a:xfrm>
-          <a:prstGeom prst="rect">
-            <a:avLst/>
-          </a:prstGeom>
-          <a:noFill/>
-        </p:spPr>
-        <p:txBody>
-          <a:bodyPr wrap="none" rtlCol="0">
-            <a:spAutoFit/>
-          </a:bodyPr>
-          <a:lstStyle/>
-          <a:p>
-            <a:pPr marL="0" marR="0" lvl="0" indent="0" algn="l" defTabSz="914400" rtl="0" eaLnBrk="1" fontAlgn="auto" latinLnBrk="0" hangingPunct="1">
-              <a:lnSpc>
-                <a:spcPct val="100000"/>
-              </a:lnSpc>
-              <a:spcBef>
-                <a:spcPts val="0"/>
-              </a:spcBef>
-              <a:spcAft>
-                <a:spcPts val="0"/>
-              </a:spcAft>
-              <a:buClrTx/>
-              <a:buSzTx/>
-              <a:buFontTx/>
-              <a:buNone/>
-              <a:tabLst/>
-              <a:defRPr/>
-            </a:pPr>
-            <a:r>
-              <a:rPr kumimoji="0" lang="en-US" sz="1800" b="0" i="0" u="none" strike="noStrike" kern="1200" cap="none" spc="0" normalizeH="0" baseline="0" noProof="0" dirty="0">
-                <a:ln>
-                  <a:noFill/>
-                </a:ln>
-                <a:solidFill>
-                  <a:prstClr val="black"/>
-                </a:solidFill>
-                <a:effectLst/>
-                <a:uLnTx/>
-                <a:uFillTx/>
-                <a:latin typeface="Calibri" panose="020F0502020204030204"/>
-                <a:ea typeface="+mn-ea"/>
-                <a:cs typeface="+mn-cs"/>
-              </a:rPr>
-              <a:t>97.5%</a:t>
-            </a:r>
-          </a:p>
-        </p:txBody>
-      </p:sp>
-      <p:sp>
-        <p:nvSpPr>
-          <p:cNvPr id="12" name="TextBox 11">
-            <a:extLst>
-              <a:ext uri="{FF2B5EF4-FFF2-40B4-BE49-F238E27FC236}">
-                <a16:creationId xmlns:a16="http://schemas.microsoft.com/office/drawing/2014/main" id="{1B8F7597-2D81-1B7D-C503-6E7EBC2953CA}"/>
-              </a:ext>
-            </a:extLst>
-          </p:cNvPr>
-          <p:cNvSpPr txBox="1"/>
-          <p:nvPr/>
-        </p:nvSpPr>
-        <p:spPr>
-          <a:xfrm>
-            <a:off x="6827540" y="5286375"/>
-            <a:ext cx="641522" cy="369332"/>
-          </a:xfrm>
-          <a:prstGeom prst="rect">
-            <a:avLst/>
-          </a:prstGeom>
-          <a:noFill/>
-        </p:spPr>
-        <p:txBody>
-          <a:bodyPr wrap="none" rtlCol="0">
-            <a:spAutoFit/>
-          </a:bodyPr>
-          <a:lstStyle/>
-          <a:p>
-            <a:pPr marL="0" marR="0" lvl="0" indent="0" algn="l" defTabSz="914400" rtl="0" eaLnBrk="1" fontAlgn="auto" latinLnBrk="0" hangingPunct="1">
-              <a:lnSpc>
-                <a:spcPct val="100000"/>
-              </a:lnSpc>
-              <a:spcBef>
-                <a:spcPts val="0"/>
-              </a:spcBef>
-              <a:spcAft>
-                <a:spcPts val="0"/>
-              </a:spcAft>
-              <a:buClrTx/>
-              <a:buSzTx/>
-              <a:buFontTx/>
-              <a:buNone/>
-              <a:tabLst/>
-              <a:defRPr/>
-            </a:pPr>
-            <a:r>
-              <a:rPr kumimoji="0" lang="en-US" sz="1800" b="0" i="0" u="none" strike="noStrike" kern="1200" cap="none" spc="0" normalizeH="0" baseline="0" noProof="0" dirty="0">
-                <a:ln>
-                  <a:noFill/>
-                </a:ln>
-                <a:solidFill>
-                  <a:prstClr val="black"/>
-                </a:solidFill>
-                <a:effectLst/>
-                <a:uLnTx/>
-                <a:uFillTx/>
-                <a:latin typeface="Calibri" panose="020F0502020204030204"/>
-                <a:ea typeface="+mn-ea"/>
-                <a:cs typeface="+mn-cs"/>
-              </a:rPr>
-              <a:t>2.5%</a:t>
-            </a:r>
-          </a:p>
-        </p:txBody>
-      </p:sp>
-      <p:sp>
-        <p:nvSpPr>
-          <p:cNvPr id="13" name="TextBox 12">
-            <a:extLst>
-              <a:ext uri="{FF2B5EF4-FFF2-40B4-BE49-F238E27FC236}">
-                <a16:creationId xmlns:a16="http://schemas.microsoft.com/office/drawing/2014/main" id="{AB6E79D9-3806-A8E2-13A9-F4BF631C3A27}"/>
-              </a:ext>
-            </a:extLst>
-          </p:cNvPr>
-          <p:cNvSpPr txBox="1"/>
-          <p:nvPr/>
-        </p:nvSpPr>
-        <p:spPr>
-          <a:xfrm>
-            <a:off x="2003097" y="877668"/>
-            <a:ext cx="1200393" cy="461665"/>
-          </a:xfrm>
-          <a:prstGeom prst="rect">
-            <a:avLst/>
-          </a:prstGeom>
-          <a:noFill/>
-        </p:spPr>
-        <p:txBody>
-          <a:bodyPr wrap="none" rtlCol="0">
-            <a:spAutoFit/>
-          </a:bodyPr>
-          <a:lstStyle/>
-          <a:p>
-            <a:pPr marL="0" marR="0" lvl="0" indent="0" algn="l" defTabSz="914400" rtl="0" eaLnBrk="1" fontAlgn="auto" latinLnBrk="0" hangingPunct="1">
-              <a:lnSpc>
-                <a:spcPct val="100000"/>
-              </a:lnSpc>
-              <a:spcBef>
-                <a:spcPts val="0"/>
-              </a:spcBef>
-              <a:spcAft>
-                <a:spcPts val="0"/>
-              </a:spcAft>
-              <a:buClrTx/>
-              <a:buSzTx/>
-              <a:buFontTx/>
-              <a:buNone/>
-              <a:tabLst/>
-              <a:defRPr/>
-            </a:pPr>
-            <a:r>
-              <a:rPr kumimoji="0" lang="en-US" sz="2400" b="1" i="0" u="none" strike="noStrike" kern="1200" cap="none" spc="0" normalizeH="0" baseline="0" noProof="0" dirty="0">
-                <a:ln>
-                  <a:noFill/>
-                </a:ln>
-                <a:solidFill>
-                  <a:prstClr val="black"/>
-                </a:solidFill>
-                <a:effectLst/>
-                <a:uLnTx/>
-                <a:uFillTx/>
-                <a:latin typeface="Calibri" panose="020F0502020204030204"/>
-                <a:ea typeface="+mn-ea"/>
-                <a:cs typeface="+mn-cs"/>
-              </a:rPr>
-              <a:t>Outliers</a:t>
-            </a:r>
-          </a:p>
-        </p:txBody>
-      </p:sp>
-      <p:sp>
-        <p:nvSpPr>
-          <p:cNvPr id="14" name="TextBox 13">
-            <a:extLst>
-              <a:ext uri="{FF2B5EF4-FFF2-40B4-BE49-F238E27FC236}">
-                <a16:creationId xmlns:a16="http://schemas.microsoft.com/office/drawing/2014/main" id="{982B4067-593B-DFA6-B22A-33BE54873634}"/>
-              </a:ext>
-            </a:extLst>
-          </p:cNvPr>
-          <p:cNvSpPr txBox="1"/>
-          <p:nvPr/>
-        </p:nvSpPr>
-        <p:spPr>
-          <a:xfrm>
-            <a:off x="8988511" y="877669"/>
-            <a:ext cx="1200393" cy="461665"/>
-          </a:xfrm>
-          <a:prstGeom prst="rect">
-            <a:avLst/>
-          </a:prstGeom>
-          <a:noFill/>
-        </p:spPr>
-        <p:txBody>
-          <a:bodyPr wrap="none" rtlCol="0">
-            <a:spAutoFit/>
-          </a:bodyPr>
-          <a:lstStyle/>
-          <a:p>
-            <a:pPr marL="0" marR="0" lvl="0" indent="0" algn="l" defTabSz="914400" rtl="0" eaLnBrk="1" fontAlgn="auto" latinLnBrk="0" hangingPunct="1">
-              <a:lnSpc>
-                <a:spcPct val="100000"/>
-              </a:lnSpc>
-              <a:spcBef>
-                <a:spcPts val="0"/>
-              </a:spcBef>
-              <a:spcAft>
-                <a:spcPts val="0"/>
-              </a:spcAft>
-              <a:buClrTx/>
-              <a:buSzTx/>
-              <a:buFontTx/>
-              <a:buNone/>
-              <a:tabLst/>
-              <a:defRPr/>
-            </a:pPr>
-            <a:r>
-              <a:rPr kumimoji="0" lang="en-US" sz="2400" b="1" i="0" u="none" strike="noStrike" kern="1200" cap="none" spc="0" normalizeH="0" baseline="0" noProof="0" dirty="0">
-                <a:ln>
-                  <a:noFill/>
-                </a:ln>
-                <a:solidFill>
-                  <a:prstClr val="black"/>
-                </a:solidFill>
-                <a:effectLst/>
-                <a:uLnTx/>
-                <a:uFillTx/>
-                <a:latin typeface="Calibri" panose="020F0502020204030204"/>
-                <a:ea typeface="+mn-ea"/>
-                <a:cs typeface="+mn-cs"/>
-              </a:rPr>
-              <a:t>Outliers</a:t>
-            </a:r>
-          </a:p>
-        </p:txBody>
-      </p:sp>
-      <p:sp>
-        <p:nvSpPr>
-          <p:cNvPr id="15" name="TextBox 14">
-            <a:extLst>
-              <a:ext uri="{FF2B5EF4-FFF2-40B4-BE49-F238E27FC236}">
-                <a16:creationId xmlns:a16="http://schemas.microsoft.com/office/drawing/2014/main" id="{BA5487B4-E16F-558C-007A-B5DD0357530A}"/>
-              </a:ext>
-            </a:extLst>
-          </p:cNvPr>
-          <p:cNvSpPr txBox="1"/>
-          <p:nvPr/>
-        </p:nvSpPr>
-        <p:spPr>
-          <a:xfrm>
-            <a:off x="1488501" y="4281487"/>
-            <a:ext cx="1114792" cy="369332"/>
-          </a:xfrm>
-          <a:prstGeom prst="rect">
-            <a:avLst/>
-          </a:prstGeom>
-          <a:noFill/>
-        </p:spPr>
-        <p:txBody>
-          <a:bodyPr wrap="none" rtlCol="0">
-            <a:spAutoFit/>
-          </a:bodyPr>
-          <a:lstStyle/>
-          <a:p>
-            <a:pPr marL="0" marR="0" lvl="0" indent="0" algn="l" defTabSz="914400" rtl="0" eaLnBrk="1" fontAlgn="auto" latinLnBrk="0" hangingPunct="1">
-              <a:lnSpc>
-                <a:spcPct val="100000"/>
-              </a:lnSpc>
-              <a:spcBef>
-                <a:spcPts val="0"/>
-              </a:spcBef>
-              <a:spcAft>
-                <a:spcPts val="0"/>
-              </a:spcAft>
-              <a:buClrTx/>
-              <a:buSzTx/>
-              <a:buFontTx/>
-              <a:buNone/>
-              <a:tabLst/>
-              <a:defRPr/>
-            </a:pPr>
-            <a:r>
-              <a:rPr kumimoji="0" lang="en-US" sz="1800" b="0" i="0" u="none" strike="noStrike" kern="1200" cap="none" spc="0" normalizeH="0" baseline="0" noProof="0" dirty="0">
-                <a:ln>
-                  <a:noFill/>
-                </a:ln>
-                <a:solidFill>
-                  <a:prstClr val="black"/>
-                </a:solidFill>
-                <a:effectLst/>
-                <a:uLnTx/>
-                <a:uFillTx/>
-                <a:latin typeface="Calibri" panose="020F0502020204030204"/>
-                <a:ea typeface="+mn-ea"/>
-                <a:cs typeface="+mn-cs"/>
-              </a:rPr>
-              <a:t>Upper tail</a:t>
-            </a:r>
-          </a:p>
-        </p:txBody>
-      </p:sp>
-      <p:sp>
-        <p:nvSpPr>
-          <p:cNvPr id="16" name="TextBox 15">
-            <a:extLst>
-              <a:ext uri="{FF2B5EF4-FFF2-40B4-BE49-F238E27FC236}">
-                <a16:creationId xmlns:a16="http://schemas.microsoft.com/office/drawing/2014/main" id="{A1BA62E9-887D-CDAC-E881-3A98D1213411}"/>
-              </a:ext>
-            </a:extLst>
-          </p:cNvPr>
-          <p:cNvSpPr txBox="1"/>
-          <p:nvPr/>
-        </p:nvSpPr>
-        <p:spPr>
-          <a:xfrm>
-            <a:off x="9588707" y="4281487"/>
-            <a:ext cx="1105431" cy="369332"/>
-          </a:xfrm>
-          <a:prstGeom prst="rect">
-            <a:avLst/>
-          </a:prstGeom>
-          <a:noFill/>
-        </p:spPr>
-        <p:txBody>
-          <a:bodyPr wrap="none" rtlCol="0">
-            <a:spAutoFit/>
-          </a:bodyPr>
-          <a:lstStyle/>
-          <a:p>
-            <a:pPr marL="0" marR="0" lvl="0" indent="0" algn="l" defTabSz="914400" rtl="0" eaLnBrk="1" fontAlgn="auto" latinLnBrk="0" hangingPunct="1">
-              <a:lnSpc>
-                <a:spcPct val="100000"/>
-              </a:lnSpc>
-              <a:spcBef>
-                <a:spcPts val="0"/>
-              </a:spcBef>
-              <a:spcAft>
-                <a:spcPts val="0"/>
-              </a:spcAft>
-              <a:buClrTx/>
-              <a:buSzTx/>
-              <a:buFontTx/>
-              <a:buNone/>
-              <a:tabLst/>
-              <a:defRPr/>
-            </a:pPr>
-            <a:r>
-              <a:rPr kumimoji="0" lang="en-US" sz="1800" b="0" i="0" u="none" strike="noStrike" kern="1200" cap="none" spc="0" normalizeH="0" baseline="0" noProof="0" dirty="0">
-                <a:ln>
-                  <a:noFill/>
-                </a:ln>
-                <a:solidFill>
-                  <a:prstClr val="black"/>
-                </a:solidFill>
-                <a:effectLst/>
-                <a:uLnTx/>
-                <a:uFillTx/>
-                <a:latin typeface="Calibri" panose="020F0502020204030204"/>
-                <a:ea typeface="+mn-ea"/>
-                <a:cs typeface="+mn-cs"/>
-              </a:rPr>
-              <a:t>Lower tail</a:t>
-            </a:r>
-          </a:p>
-        </p:txBody>
-      </p:sp>
-    </p:spTree>
-    <p:extLst>
-      <p:ext uri="{BB962C8B-B14F-4D97-AF65-F5344CB8AC3E}">
-        <p14:creationId xmlns:p14="http://schemas.microsoft.com/office/powerpoint/2010/main" val="1965359877"/>
-      </p:ext>
-    </p:extLst>
-  </p:cSld>
-  <p:clrMapOvr>
-    <a:masterClrMapping/>
-  </p:clrMapOvr>
-</p:sld>
-</file>
-
-<file path=ppt/slides/slide18.xml><?xml version="1.0" encoding="utf-8"?>
-<p:sld xmlns:a="http://schemas.openxmlformats.org/drawingml/2006/main" xmlns:r="http://schemas.openxmlformats.org/officeDocument/2006/relationships" xmlns:p="http://schemas.openxmlformats.org/presentationml/2006/main">
-  <p:cSld>
-    <p:spTree>
-      <p:nvGrpSpPr>
-        <p:cNvPr id="1" name=""/>
-        <p:cNvGrpSpPr/>
-        <p:nvPr/>
-      </p:nvGrpSpPr>
-      <p:grpSpPr>
-        <a:xfrm>
-          <a:off x="0" y="0"/>
-          <a:ext cx="0" cy="0"/>
-          <a:chOff x="0" y="0"/>
-          <a:chExt cx="0" cy="0"/>
-        </a:xfrm>
-      </p:grpSpPr>
-      <p:sp>
-        <p:nvSpPr>
-          <p:cNvPr id="2" name="Title 1">
-            <a:extLst>
-              <a:ext uri="{FF2B5EF4-FFF2-40B4-BE49-F238E27FC236}">
-                <a16:creationId xmlns:a16="http://schemas.microsoft.com/office/drawing/2014/main" id="{4A67445F-B38F-DD84-4547-721FB24005E0}"/>
-              </a:ext>
-            </a:extLst>
-          </p:cNvPr>
-          <p:cNvSpPr>
-            <a:spLocks noGrp="1"/>
-          </p:cNvSpPr>
-          <p:nvPr>
-            <p:ph type="title"/>
-          </p:nvPr>
-        </p:nvSpPr>
-        <p:spPr>
-          <a:xfrm>
-            <a:off x="136236" y="88034"/>
-            <a:ext cx="10515600" cy="1325563"/>
-          </a:xfrm>
-        </p:spPr>
-        <p:txBody>
-          <a:bodyPr/>
-          <a:lstStyle/>
-          <a:p>
-            <a:r>
-              <a:rPr lang="en-US" dirty="0"/>
-              <a:t>Try it out: Female College Student Heights</a:t>
-            </a:r>
-          </a:p>
-        </p:txBody>
-      </p:sp>
-      <p:pic>
-        <p:nvPicPr>
-          <p:cNvPr id="7" name="Picture 6">
-            <a:extLst>
-              <a:ext uri="{FF2B5EF4-FFF2-40B4-BE49-F238E27FC236}">
-                <a16:creationId xmlns:a16="http://schemas.microsoft.com/office/drawing/2014/main" id="{B8EC1DA3-F8C4-6859-A173-32B321B37AFC}"/>
-              </a:ext>
-            </a:extLst>
-          </p:cNvPr>
-          <p:cNvPicPr>
-            <a:picLocks noChangeAspect="1"/>
-          </p:cNvPicPr>
-          <p:nvPr/>
-        </p:nvPicPr>
-        <p:blipFill>
-          <a:blip r:embed="rId2"/>
-          <a:stretch>
-            <a:fillRect/>
-          </a:stretch>
-        </p:blipFill>
-        <p:spPr>
-          <a:xfrm>
-            <a:off x="136236" y="1241980"/>
-            <a:ext cx="4051166" cy="5527986"/>
-          </a:xfrm>
-          <a:prstGeom prst="rect">
-            <a:avLst/>
-          </a:prstGeom>
-        </p:spPr>
-      </p:pic>
-      <mc:AlternateContent xmlns:mc="http://schemas.openxmlformats.org/markup-compatibility/2006" xmlns:a14="http://schemas.microsoft.com/office/drawing/2010/main">
-        <mc:Choice Requires="a14">
-          <p:sp>
-            <p:nvSpPr>
-              <p:cNvPr id="8" name="TextBox 7">
-                <a:extLst>
-                  <a:ext uri="{FF2B5EF4-FFF2-40B4-BE49-F238E27FC236}">
-                    <a16:creationId xmlns:a16="http://schemas.microsoft.com/office/drawing/2014/main" id="{225DAB50-7CFC-F1EA-E15C-CAAF19BDE1BA}"/>
-                  </a:ext>
-                </a:extLst>
-              </p:cNvPr>
-              <p:cNvSpPr txBox="1"/>
-              <p:nvPr/>
-            </p:nvSpPr>
-            <p:spPr>
-              <a:xfrm>
-                <a:off x="5110595" y="3895436"/>
-                <a:ext cx="1253869" cy="1107996"/>
-              </a:xfrm>
-              <a:prstGeom prst="rect">
-                <a:avLst/>
-              </a:prstGeom>
-              <a:noFill/>
-            </p:spPr>
-            <p:txBody>
-              <a:bodyPr wrap="none" lIns="0" tIns="0" rIns="0" bIns="0" rtlCol="0">
-                <a:spAutoFit/>
-              </a:bodyPr>
-              <a:lstStyle/>
-              <a:p>
-                <a:pPr marL="0" marR="0" lvl="0" indent="0" algn="l" defTabSz="914400" rtl="0" eaLnBrk="1" fontAlgn="auto" latinLnBrk="0" hangingPunct="1">
-                  <a:lnSpc>
-                    <a:spcPct val="100000"/>
-                  </a:lnSpc>
-                  <a:spcBef>
-                    <a:spcPts val="0"/>
-                  </a:spcBef>
-                  <a:spcAft>
-                    <a:spcPts val="0"/>
-                  </a:spcAft>
-                  <a:buClrTx/>
-                  <a:buSzTx/>
-                  <a:buFontTx/>
-                  <a:buNone/>
-                  <a:tabLst/>
-                  <a:defRPr/>
-                </a:pPr>
-                <a14:m>
-                  <m:oMathPara xmlns:m="http://schemas.openxmlformats.org/officeDocument/2006/math">
-                    <m:oMathParaPr>
-                      <m:jc m:val="centerGroup"/>
-                    </m:oMathParaPr>
-                    <m:oMath xmlns:m="http://schemas.openxmlformats.org/officeDocument/2006/math">
-                      <m:acc>
-                        <m:accPr>
-                          <m:chr m:val="̅"/>
-                          <m:ctrlPr>
-                            <a:rPr kumimoji="0" lang="en-US" sz="2400" b="0" i="1" u="none" strike="noStrike" kern="1200" cap="none" spc="0" normalizeH="0" baseline="0" noProof="0" smtClean="0">
-                              <a:ln>
-                                <a:noFill/>
-                              </a:ln>
-                              <a:solidFill>
-                                <a:prstClr val="black"/>
-                              </a:solidFill>
-                              <a:effectLst/>
-                              <a:uLnTx/>
-                              <a:uFillTx/>
-                              <a:latin typeface="Cambria Math" panose="02040503050406030204" pitchFamily="18" charset="0"/>
-                              <a:ea typeface="+mn-ea"/>
-                              <a:cs typeface="+mn-cs"/>
-                            </a:rPr>
-                          </m:ctrlPr>
-                        </m:accPr>
-                        <m:e>
-                          <m:r>
-                            <a:rPr kumimoji="0" lang="en-US" sz="2400" b="0" i="1" u="none" strike="noStrike" kern="1200" cap="none" spc="0" normalizeH="0" baseline="0" noProof="0" smtClean="0">
-                              <a:ln>
-                                <a:noFill/>
-                              </a:ln>
-                              <a:solidFill>
-                                <a:prstClr val="black"/>
-                              </a:solidFill>
-                              <a:effectLst/>
-                              <a:uLnTx/>
-                              <a:uFillTx/>
-                              <a:latin typeface="Cambria Math" panose="02040503050406030204" pitchFamily="18" charset="0"/>
-                              <a:ea typeface="+mn-ea"/>
-                              <a:cs typeface="+mn-cs"/>
-                            </a:rPr>
-                            <m:t>𝑥</m:t>
-                          </m:r>
-                        </m:e>
-                      </m:acc>
-                      <m:r>
-                        <a:rPr kumimoji="0" lang="en-US" sz="2400" b="0" i="1" u="none" strike="noStrike" kern="1200" cap="none" spc="0" normalizeH="0" baseline="0" noProof="0" smtClean="0">
-                          <a:ln>
-                            <a:noFill/>
-                          </a:ln>
-                          <a:solidFill>
-                            <a:prstClr val="black"/>
-                          </a:solidFill>
-                          <a:effectLst/>
-                          <a:uLnTx/>
-                          <a:uFillTx/>
-                          <a:latin typeface="Cambria Math" panose="02040503050406030204" pitchFamily="18" charset="0"/>
-                          <a:ea typeface="+mn-ea"/>
-                          <a:cs typeface="+mn-cs"/>
-                        </a:rPr>
-                        <m:t>=65.4</m:t>
-                      </m:r>
-                    </m:oMath>
-                  </m:oMathPara>
-                </a14:m>
-                <a:endParaRPr kumimoji="0" lang="en-US" sz="2400" b="0" i="0" u="none" strike="noStrike" kern="1200" cap="none" spc="0" normalizeH="0" baseline="0" noProof="0" dirty="0">
-                  <a:ln>
-                    <a:noFill/>
-                  </a:ln>
-                  <a:solidFill>
-                    <a:prstClr val="black"/>
-                  </a:solidFill>
-                  <a:effectLst/>
-                  <a:uLnTx/>
-                  <a:uFillTx/>
-                  <a:latin typeface="Calibri" panose="020F0502020204030204"/>
-                  <a:ea typeface="+mn-ea"/>
-                  <a:cs typeface="+mn-cs"/>
-                </a:endParaRPr>
-              </a:p>
-              <a:p>
-                <a:pPr marL="0" marR="0" lvl="0" indent="0" algn="l" defTabSz="914400" rtl="0" eaLnBrk="1" fontAlgn="auto" latinLnBrk="0" hangingPunct="1">
-                  <a:lnSpc>
-                    <a:spcPct val="100000"/>
-                  </a:lnSpc>
-                  <a:spcBef>
-                    <a:spcPts val="0"/>
-                  </a:spcBef>
-                  <a:spcAft>
-                    <a:spcPts val="0"/>
-                  </a:spcAft>
-                  <a:buClrTx/>
-                  <a:buSzTx/>
-                  <a:buFontTx/>
-                  <a:buNone/>
-                  <a:tabLst/>
-                  <a:defRPr/>
-                </a:pPr>
-                <a:endParaRPr kumimoji="0" lang="en-US" sz="2400" b="0" i="0" u="none" strike="noStrike" kern="1200" cap="none" spc="0" normalizeH="0" baseline="0" noProof="0" dirty="0">
-                  <a:ln>
-                    <a:noFill/>
-                  </a:ln>
-                  <a:solidFill>
-                    <a:prstClr val="black"/>
-                  </a:solidFill>
-                  <a:effectLst/>
-                  <a:uLnTx/>
-                  <a:uFillTx/>
-                  <a:latin typeface="Calibri" panose="020F0502020204030204"/>
-                  <a:ea typeface="+mn-ea"/>
-                  <a:cs typeface="+mn-cs"/>
-                </a:endParaRPr>
-              </a:p>
-              <a:p>
-                <a:pPr marL="0" marR="0" lvl="0" indent="0" algn="l" defTabSz="914400" rtl="0" eaLnBrk="1" fontAlgn="auto" latinLnBrk="0" hangingPunct="1">
-                  <a:lnSpc>
-                    <a:spcPct val="100000"/>
-                  </a:lnSpc>
-                  <a:spcBef>
-                    <a:spcPts val="0"/>
-                  </a:spcBef>
-                  <a:spcAft>
-                    <a:spcPts val="0"/>
-                  </a:spcAft>
-                  <a:buClrTx/>
-                  <a:buSzTx/>
-                  <a:buFontTx/>
-                  <a:buNone/>
-                  <a:tabLst/>
-                  <a:defRPr/>
-                </a:pPr>
-                <a14:m>
-                  <m:oMathPara xmlns:m="http://schemas.openxmlformats.org/officeDocument/2006/math">
-                    <m:oMathParaPr>
-                      <m:jc m:val="centerGroup"/>
-                    </m:oMathParaPr>
-                    <m:oMath xmlns:m="http://schemas.openxmlformats.org/officeDocument/2006/math">
-                      <m:r>
-                        <a:rPr kumimoji="0" lang="en-US" sz="2400" b="0" i="1" u="none" strike="noStrike" kern="1200" cap="none" spc="0" normalizeH="0" baseline="0" noProof="0" smtClean="0">
-                          <a:ln>
-                            <a:noFill/>
-                          </a:ln>
-                          <a:solidFill>
-                            <a:prstClr val="black"/>
-                          </a:solidFill>
-                          <a:effectLst/>
-                          <a:uLnTx/>
-                          <a:uFillTx/>
-                          <a:latin typeface="Cambria Math" panose="02040503050406030204" pitchFamily="18" charset="0"/>
-                          <a:ea typeface="+mn-ea"/>
-                          <a:cs typeface="+mn-cs"/>
-                        </a:rPr>
-                        <m:t>𝑠</m:t>
-                      </m:r>
-                      <m:r>
-                        <a:rPr kumimoji="0" lang="en-US" sz="2400" b="0" i="1" u="none" strike="noStrike" kern="1200" cap="none" spc="0" normalizeH="0" baseline="0" noProof="0" smtClean="0">
-                          <a:ln>
-                            <a:noFill/>
-                          </a:ln>
-                          <a:solidFill>
-                            <a:prstClr val="black"/>
-                          </a:solidFill>
-                          <a:effectLst/>
-                          <a:uLnTx/>
-                          <a:uFillTx/>
-                          <a:latin typeface="Cambria Math" panose="02040503050406030204" pitchFamily="18" charset="0"/>
-                          <a:ea typeface="+mn-ea"/>
-                          <a:cs typeface="+mn-cs"/>
-                        </a:rPr>
-                        <m:t>=3.38</m:t>
-                      </m:r>
-                    </m:oMath>
-                  </m:oMathPara>
-                </a14:m>
-                <a:endParaRPr kumimoji="0" lang="en-US" sz="2400" b="0" i="0" u="none" strike="noStrike" kern="1200" cap="none" spc="0" normalizeH="0" baseline="0" noProof="0" dirty="0">
-                  <a:ln>
-                    <a:noFill/>
-                  </a:ln>
-                  <a:solidFill>
-                    <a:prstClr val="black"/>
-                  </a:solidFill>
-                  <a:effectLst/>
-                  <a:uLnTx/>
-                  <a:uFillTx/>
-                  <a:latin typeface="Calibri" panose="020F0502020204030204"/>
-                  <a:ea typeface="+mn-ea"/>
-                  <a:cs typeface="+mn-cs"/>
-                </a:endParaRPr>
-              </a:p>
-            </p:txBody>
-          </p:sp>
-        </mc:Choice>
-        <mc:Fallback xmlns="">
-          <p:sp>
-            <p:nvSpPr>
-              <p:cNvPr id="8" name="TextBox 7">
-                <a:extLst>
-                  <a:ext uri="{FF2B5EF4-FFF2-40B4-BE49-F238E27FC236}">
-                    <a16:creationId xmlns:a16="http://schemas.microsoft.com/office/drawing/2014/main" id="{225DAB50-7CFC-F1EA-E15C-CAAF19BDE1BA}"/>
-                  </a:ext>
-                </a:extLst>
-              </p:cNvPr>
-              <p:cNvSpPr txBox="1">
-                <a:spLocks noRot="1" noChangeAspect="1" noMove="1" noResize="1" noEditPoints="1" noAdjustHandles="1" noChangeArrowheads="1" noChangeShapeType="1" noTextEdit="1"/>
-              </p:cNvSpPr>
-              <p:nvPr/>
-            </p:nvSpPr>
-            <p:spPr>
-              <a:xfrm>
-                <a:off x="5110595" y="3895436"/>
-                <a:ext cx="1253869" cy="1107996"/>
-              </a:xfrm>
-              <a:prstGeom prst="rect">
-                <a:avLst/>
-              </a:prstGeom>
-              <a:blipFill>
-                <a:blip r:embed="rId3"/>
-                <a:stretch>
-                  <a:fillRect l="-971" r="-4369" b="-1648"/>
-                </a:stretch>
-              </a:blipFill>
-            </p:spPr>
-            <p:txBody>
-              <a:bodyPr/>
-              <a:lstStyle/>
-              <a:p>
-                <a:r>
-                  <a:rPr lang="en-US">
-                    <a:noFill/>
-                  </a:rPr>
-                  <a:t> </a:t>
-                </a:r>
-              </a:p>
-            </p:txBody>
-          </p:sp>
-        </mc:Fallback>
-      </mc:AlternateContent>
-      <mc:AlternateContent xmlns:mc="http://schemas.openxmlformats.org/markup-compatibility/2006" xmlns:a14="http://schemas.microsoft.com/office/drawing/2010/main">
-        <mc:Choice Requires="a14">
-          <p:sp>
-            <p:nvSpPr>
-              <p:cNvPr id="9" name="TextBox 8">
-                <a:extLst>
-                  <a:ext uri="{FF2B5EF4-FFF2-40B4-BE49-F238E27FC236}">
-                    <a16:creationId xmlns:a16="http://schemas.microsoft.com/office/drawing/2014/main" id="{3DA2DDF0-1789-468D-9ABA-0EEAA265E1D7}"/>
-                  </a:ext>
-                </a:extLst>
-              </p:cNvPr>
-              <p:cNvSpPr txBox="1"/>
-              <p:nvPr/>
-            </p:nvSpPr>
-            <p:spPr>
-              <a:xfrm flipH="1">
-                <a:off x="4922982" y="1671782"/>
-                <a:ext cx="6742545" cy="923330"/>
-              </a:xfrm>
-              <a:prstGeom prst="rect">
-                <a:avLst/>
-              </a:prstGeom>
-              <a:noFill/>
-            </p:spPr>
-            <p:txBody>
-              <a:bodyPr wrap="square" rtlCol="0">
-                <a:spAutoFit/>
-              </a:bodyPr>
-              <a:lstStyle/>
-              <a:p>
-                <a:pPr marL="0" marR="0" lvl="0" indent="0" algn="l" defTabSz="914400" rtl="0" eaLnBrk="1" fontAlgn="auto" latinLnBrk="0" hangingPunct="1">
-                  <a:lnSpc>
-                    <a:spcPct val="100000"/>
-                  </a:lnSpc>
-                  <a:spcBef>
-                    <a:spcPts val="0"/>
-                  </a:spcBef>
-                  <a:spcAft>
-                    <a:spcPts val="0"/>
-                  </a:spcAft>
-                  <a:buClrTx/>
-                  <a:buSzTx/>
-                  <a:buFontTx/>
-                  <a:buNone/>
-                  <a:tabLst/>
-                  <a:defRPr/>
-                </a:pPr>
-                <a:r>
-                  <a:rPr kumimoji="0" lang="en-US" sz="1800" b="0" i="0" u="none" strike="noStrike" kern="1200" cap="none" spc="0" normalizeH="0" baseline="0" noProof="0" dirty="0">
-                    <a:ln>
-                      <a:noFill/>
-                    </a:ln>
-                    <a:solidFill>
-                      <a:prstClr val="black"/>
-                    </a:solidFill>
-                    <a:effectLst/>
-                    <a:uLnTx/>
-                    <a:uFillTx/>
-                    <a:latin typeface="Calibri" panose="020F0502020204030204"/>
-                    <a:ea typeface="+mn-ea"/>
-                    <a:cs typeface="+mn-cs"/>
-                  </a:rPr>
-                  <a:t>Compute the </a:t>
-                </a:r>
-                <a14:m>
-                  <m:oMath xmlns:m="http://schemas.openxmlformats.org/officeDocument/2006/math">
-                    <m:r>
-                      <a:rPr kumimoji="0" lang="en-US" sz="1800" b="0" i="1" u="none" strike="noStrike" kern="1200" cap="none" spc="0" normalizeH="0" baseline="0" noProof="0" smtClean="0">
-                        <a:ln>
-                          <a:noFill/>
-                        </a:ln>
-                        <a:solidFill>
-                          <a:prstClr val="black"/>
-                        </a:solidFill>
-                        <a:effectLst/>
-                        <a:uLnTx/>
-                        <a:uFillTx/>
-                        <a:latin typeface="Cambria Math" panose="02040503050406030204" pitchFamily="18" charset="0"/>
-                        <a:ea typeface="+mn-ea"/>
-                        <a:cs typeface="+mn-cs"/>
-                      </a:rPr>
-                      <m:t>𝑧</m:t>
-                    </m:r>
-                  </m:oMath>
-                </a14:m>
-                <a:r>
-                  <a:rPr kumimoji="0" lang="en-US" sz="1800" b="0" i="0" u="none" strike="noStrike" kern="1200" cap="none" spc="0" normalizeH="0" baseline="0" noProof="0" dirty="0">
-                    <a:ln>
-                      <a:noFill/>
-                    </a:ln>
-                    <a:solidFill>
-                      <a:prstClr val="black"/>
-                    </a:solidFill>
-                    <a:effectLst/>
-                    <a:uLnTx/>
-                    <a:uFillTx/>
-                    <a:latin typeface="Calibri" panose="020F0502020204030204"/>
-                    <a:ea typeface="+mn-ea"/>
-                    <a:cs typeface="+mn-cs"/>
-                  </a:rPr>
-                  <a:t>-score for a female with a height of 70 inches</a:t>
-                </a:r>
-              </a:p>
-              <a:p>
-                <a:pPr marL="0" marR="0" lvl="0" indent="0" algn="l" defTabSz="914400" rtl="0" eaLnBrk="1" fontAlgn="auto" latinLnBrk="0" hangingPunct="1">
-                  <a:lnSpc>
-                    <a:spcPct val="100000"/>
-                  </a:lnSpc>
-                  <a:spcBef>
-                    <a:spcPts val="0"/>
-                  </a:spcBef>
-                  <a:spcAft>
-                    <a:spcPts val="0"/>
-                  </a:spcAft>
-                  <a:buClrTx/>
-                  <a:buSzTx/>
-                  <a:buFontTx/>
-                  <a:buNone/>
-                  <a:tabLst/>
-                  <a:defRPr/>
-                </a:pPr>
-                <a:endParaRPr kumimoji="0" lang="en-US" sz="1800" b="0" i="0" u="none" strike="noStrike" kern="1200" cap="none" spc="0" normalizeH="0" baseline="0" noProof="0" dirty="0">
-                  <a:ln>
-                    <a:noFill/>
-                  </a:ln>
-                  <a:solidFill>
-                    <a:prstClr val="black"/>
-                  </a:solidFill>
-                  <a:effectLst/>
-                  <a:uLnTx/>
-                  <a:uFillTx/>
-                  <a:latin typeface="Calibri" panose="020F0502020204030204"/>
-                  <a:ea typeface="+mn-ea"/>
-                  <a:cs typeface="+mn-cs"/>
-                </a:endParaRPr>
-              </a:p>
-              <a:p>
-                <a:pPr marL="0" marR="0" lvl="0" indent="0" algn="l" defTabSz="914400" rtl="0" eaLnBrk="1" fontAlgn="auto" latinLnBrk="0" hangingPunct="1">
-                  <a:lnSpc>
-                    <a:spcPct val="100000"/>
-                  </a:lnSpc>
-                  <a:spcBef>
-                    <a:spcPts val="0"/>
-                  </a:spcBef>
-                  <a:spcAft>
-                    <a:spcPts val="0"/>
-                  </a:spcAft>
-                  <a:buClrTx/>
-                  <a:buSzTx/>
-                  <a:buFontTx/>
-                  <a:buNone/>
-                  <a:tabLst/>
-                  <a:defRPr/>
-                </a:pPr>
-                <a:r>
-                  <a:rPr kumimoji="0" lang="en-US" sz="1800" b="0" i="0" u="none" strike="noStrike" kern="1200" cap="none" spc="0" normalizeH="0" baseline="0" noProof="0" dirty="0">
-                    <a:ln>
-                      <a:noFill/>
-                    </a:ln>
-                    <a:solidFill>
-                      <a:prstClr val="black"/>
-                    </a:solidFill>
-                    <a:effectLst/>
-                    <a:uLnTx/>
-                    <a:uFillTx/>
-                    <a:latin typeface="Calibri" panose="020F0502020204030204"/>
-                    <a:ea typeface="+mn-ea"/>
-                    <a:cs typeface="+mn-cs"/>
-                  </a:rPr>
-                  <a:t>Compute the </a:t>
-                </a:r>
-                <a14:m>
-                  <m:oMath xmlns:m="http://schemas.openxmlformats.org/officeDocument/2006/math">
-                    <m:r>
-                      <a:rPr kumimoji="0" lang="en-US" sz="1800" b="0" i="1" u="none" strike="noStrike" kern="1200" cap="none" spc="0" normalizeH="0" baseline="0" noProof="0" smtClean="0">
-                        <a:ln>
-                          <a:noFill/>
-                        </a:ln>
-                        <a:solidFill>
-                          <a:prstClr val="black"/>
-                        </a:solidFill>
-                        <a:effectLst/>
-                        <a:uLnTx/>
-                        <a:uFillTx/>
-                        <a:latin typeface="Cambria Math" panose="02040503050406030204" pitchFamily="18" charset="0"/>
-                        <a:ea typeface="+mn-ea"/>
-                        <a:cs typeface="+mn-cs"/>
-                      </a:rPr>
-                      <m:t>𝑧</m:t>
-                    </m:r>
-                  </m:oMath>
-                </a14:m>
-                <a:r>
-                  <a:rPr kumimoji="0" lang="en-US" sz="1800" b="0" i="0" u="none" strike="noStrike" kern="1200" cap="none" spc="0" normalizeH="0" baseline="0" noProof="0" dirty="0">
-                    <a:ln>
-                      <a:noFill/>
-                    </a:ln>
-                    <a:solidFill>
-                      <a:prstClr val="black"/>
-                    </a:solidFill>
-                    <a:effectLst/>
-                    <a:uLnTx/>
-                    <a:uFillTx/>
-                    <a:latin typeface="Calibri" panose="020F0502020204030204"/>
-                    <a:ea typeface="+mn-ea"/>
-                    <a:cs typeface="+mn-cs"/>
-                  </a:rPr>
-                  <a:t>-score for a female with a height of 92 inches</a:t>
-                </a:r>
-              </a:p>
-            </p:txBody>
-          </p:sp>
-        </mc:Choice>
-        <mc:Fallback xmlns="">
-          <p:sp>
-            <p:nvSpPr>
-              <p:cNvPr id="9" name="TextBox 8">
-                <a:extLst>
-                  <a:ext uri="{FF2B5EF4-FFF2-40B4-BE49-F238E27FC236}">
-                    <a16:creationId xmlns:a16="http://schemas.microsoft.com/office/drawing/2014/main" id="{3DA2DDF0-1789-468D-9ABA-0EEAA265E1D7}"/>
-                  </a:ext>
-                </a:extLst>
-              </p:cNvPr>
-              <p:cNvSpPr txBox="1">
-                <a:spLocks noRot="1" noChangeAspect="1" noMove="1" noResize="1" noEditPoints="1" noAdjustHandles="1" noChangeArrowheads="1" noChangeShapeType="1" noTextEdit="1"/>
-              </p:cNvSpPr>
-              <p:nvPr/>
-            </p:nvSpPr>
-            <p:spPr>
-              <a:xfrm flipH="1">
-                <a:off x="4922982" y="1671782"/>
-                <a:ext cx="6742545" cy="923330"/>
-              </a:xfrm>
-              <a:prstGeom prst="rect">
-                <a:avLst/>
-              </a:prstGeom>
-              <a:blipFill>
-                <a:blip r:embed="rId4"/>
-                <a:stretch>
-                  <a:fillRect l="-814" t="-3289" b="-9211"/>
-                </a:stretch>
-              </a:blipFill>
-            </p:spPr>
-            <p:txBody>
-              <a:bodyPr/>
-              <a:lstStyle/>
-              <a:p>
-                <a:r>
-                  <a:rPr lang="en-US">
-                    <a:noFill/>
-                  </a:rPr>
-                  <a:t> </a:t>
-                </a:r>
-              </a:p>
-            </p:txBody>
-          </p:sp>
-        </mc:Fallback>
-      </mc:AlternateContent>
-    </p:spTree>
-    <p:extLst>
-      <p:ext uri="{BB962C8B-B14F-4D97-AF65-F5344CB8AC3E}">
-        <p14:creationId xmlns:p14="http://schemas.microsoft.com/office/powerpoint/2010/main" val="2774619248"/>
-      </p:ext>
-    </p:extLst>
-  </p:cSld>
-  <p:clrMapOvr>
-    <a:masterClrMapping/>
-  </p:clrMapOvr>
-</p:sld>
-</file>
-
-<file path=ppt/slides/slide19.xml><?xml version="1.0" encoding="utf-8"?>
-<p:sld xmlns:a="http://schemas.openxmlformats.org/drawingml/2006/main" xmlns:r="http://schemas.openxmlformats.org/officeDocument/2006/relationships" xmlns:p="http://schemas.openxmlformats.org/presentationml/2006/main">
-  <p:cSld>
-    <p:spTree>
-      <p:nvGrpSpPr>
-        <p:cNvPr id="1" name=""/>
-        <p:cNvGrpSpPr/>
-        <p:nvPr/>
-      </p:nvGrpSpPr>
-      <p:grpSpPr>
-        <a:xfrm>
-          <a:off x="0" y="0"/>
-          <a:ext cx="0" cy="0"/>
-          <a:chOff x="0" y="0"/>
-          <a:chExt cx="0" cy="0"/>
-        </a:xfrm>
-      </p:grpSpPr>
-      <p:sp>
-        <p:nvSpPr>
-          <p:cNvPr id="2" name="Title 1">
-            <a:extLst>
-              <a:ext uri="{FF2B5EF4-FFF2-40B4-BE49-F238E27FC236}">
-                <a16:creationId xmlns:a16="http://schemas.microsoft.com/office/drawing/2014/main" id="{D2E9EF3E-AA2F-7D35-68FA-59EF07096D3D}"/>
-              </a:ext>
-            </a:extLst>
-          </p:cNvPr>
-          <p:cNvSpPr>
-            <a:spLocks noGrp="1"/>
-          </p:cNvSpPr>
-          <p:nvPr>
-            <p:ph type="title"/>
-          </p:nvPr>
-        </p:nvSpPr>
-        <p:spPr>
-          <a:xfrm>
-            <a:off x="256309" y="18255"/>
-            <a:ext cx="10515600" cy="1325563"/>
-          </a:xfrm>
-        </p:spPr>
-        <p:txBody>
-          <a:bodyPr>
-            <a:normAutofit/>
-          </a:bodyPr>
-          <a:lstStyle/>
-          <a:p>
-            <a:r>
-              <a:rPr lang="en-US" sz="4000" dirty="0"/>
-              <a:t>A Note About Transformations of Variables…</a:t>
-            </a:r>
-          </a:p>
-        </p:txBody>
-      </p:sp>
-      <mc:AlternateContent xmlns:mc="http://schemas.openxmlformats.org/markup-compatibility/2006" xmlns:a14="http://schemas.microsoft.com/office/drawing/2010/main">
-        <mc:Choice Requires="a14">
-          <p:sp>
-            <p:nvSpPr>
-              <p:cNvPr id="3" name="Content Placeholder 2">
-                <a:extLst>
-                  <a:ext uri="{FF2B5EF4-FFF2-40B4-BE49-F238E27FC236}">
-                    <a16:creationId xmlns:a16="http://schemas.microsoft.com/office/drawing/2014/main" id="{C12FE30C-AFBE-E998-BDEF-D3E7157370A9}"/>
-                  </a:ext>
-                </a:extLst>
-              </p:cNvPr>
-              <p:cNvSpPr>
-                <a:spLocks noGrp="1"/>
-              </p:cNvSpPr>
-              <p:nvPr>
-                <p:ph idx="1"/>
-              </p:nvPr>
-            </p:nvSpPr>
-            <p:spPr>
-              <a:xfrm>
-                <a:off x="256309" y="1343818"/>
-                <a:ext cx="10515600" cy="5223237"/>
-              </a:xfrm>
-            </p:spPr>
-            <p:txBody>
-              <a:bodyPr>
-                <a:normAutofit/>
-              </a:bodyPr>
-              <a:lstStyle/>
-              <a:p>
-                <a:r>
-                  <a:rPr lang="en-US" dirty="0"/>
-                  <a:t>We often need to change the units of measurement of a variable such as from Fahrenheit to Celsius, Feet to meters, dollars to euros etc.</a:t>
-                </a:r>
-              </a:p>
-              <a:p>
-                <a:endParaRPr lang="en-US" dirty="0"/>
-              </a:p>
-              <a:p>
-                <a:r>
-                  <a:rPr lang="en-US" dirty="0"/>
-                  <a:t>Linear transformations: adding, subtracting, multiplying, dividing</a:t>
-                </a:r>
-              </a:p>
-              <a:p>
-                <a:pPr lvl="2">
-                  <a:buFontTx/>
-                  <a:buChar char="-"/>
-                </a:pPr>
-                <a:r>
-                  <a:rPr lang="en-US" dirty="0"/>
-                  <a:t>Linear transformations take the form </a:t>
-                </a:r>
-                <a14:m>
-                  <m:oMath xmlns:m="http://schemas.openxmlformats.org/officeDocument/2006/math">
-                    <m:r>
-                      <a:rPr lang="en-US" b="0" i="1" smtClean="0">
-                        <a:latin typeface="Cambria Math" panose="02040503050406030204" pitchFamily="18" charset="0"/>
-                      </a:rPr>
-                      <m:t>𝑦</m:t>
-                    </m:r>
-                    <m:r>
-                      <a:rPr lang="en-US" b="0" i="1" smtClean="0">
-                        <a:latin typeface="Cambria Math" panose="02040503050406030204" pitchFamily="18" charset="0"/>
-                      </a:rPr>
-                      <m:t>=</m:t>
-                    </m:r>
-                    <m:r>
-                      <a:rPr lang="en-US" b="0" i="1" smtClean="0">
-                        <a:latin typeface="Cambria Math" panose="02040503050406030204" pitchFamily="18" charset="0"/>
-                      </a:rPr>
-                      <m:t>𝑎𝑥</m:t>
-                    </m:r>
-                    <m:r>
-                      <a:rPr lang="en-US" b="0" i="1" smtClean="0">
-                        <a:latin typeface="Cambria Math" panose="02040503050406030204" pitchFamily="18" charset="0"/>
-                      </a:rPr>
-                      <m:t>+</m:t>
-                    </m:r>
-                    <m:r>
-                      <a:rPr lang="en-US" b="0" i="1" smtClean="0">
-                        <a:latin typeface="Cambria Math" panose="02040503050406030204" pitchFamily="18" charset="0"/>
-                      </a:rPr>
-                      <m:t>𝑏</m:t>
-                    </m:r>
-                  </m:oMath>
-                </a14:m>
-                <a:r>
-                  <a:rPr lang="en-US" dirty="0"/>
-                  <a:t> (scaling + shift)</a:t>
-                </a:r>
-              </a:p>
-              <a:p>
-                <a:pPr lvl="2">
-                  <a:buFontTx/>
-                  <a:buChar char="-"/>
-                </a:pPr>
-                <a14:m>
-                  <m:oMath xmlns:m="http://schemas.openxmlformats.org/officeDocument/2006/math">
-                    <m:r>
-                      <a:rPr lang="en-US" b="0" i="1" smtClean="0">
-                        <a:latin typeface="Cambria Math" panose="02040503050406030204" pitchFamily="18" charset="0"/>
-                      </a:rPr>
-                      <m:t>𝑎</m:t>
-                    </m:r>
-                  </m:oMath>
-                </a14:m>
-                <a:r>
-                  <a:rPr lang="en-US" dirty="0"/>
-                  <a:t> is a scaling constant, </a:t>
-                </a:r>
-                <a14:m>
-                  <m:oMath xmlns:m="http://schemas.openxmlformats.org/officeDocument/2006/math">
-                    <m:r>
-                      <a:rPr lang="en-US" b="0" i="1" smtClean="0">
-                        <a:latin typeface="Cambria Math" panose="02040503050406030204" pitchFamily="18" charset="0"/>
-                      </a:rPr>
-                      <m:t>𝑏</m:t>
-                    </m:r>
-                  </m:oMath>
-                </a14:m>
-                <a:r>
-                  <a:rPr lang="en-US" dirty="0"/>
-                  <a:t> is a shifting constant, </a:t>
-                </a:r>
-                <a14:m>
-                  <m:oMath xmlns:m="http://schemas.openxmlformats.org/officeDocument/2006/math">
-                    <m:r>
-                      <a:rPr lang="en-US" b="0" i="1" smtClean="0">
-                        <a:latin typeface="Cambria Math" panose="02040503050406030204" pitchFamily="18" charset="0"/>
-                      </a:rPr>
-                      <m:t>𝑥</m:t>
-                    </m:r>
-                  </m:oMath>
-                </a14:m>
-                <a:r>
-                  <a:rPr lang="en-US" dirty="0"/>
-                  <a:t> is the original variable and </a:t>
-                </a:r>
-                <a14:m>
-                  <m:oMath xmlns:m="http://schemas.openxmlformats.org/officeDocument/2006/math">
-                    <m:r>
-                      <a:rPr lang="en-US" b="0" i="1" smtClean="0">
-                        <a:latin typeface="Cambria Math" panose="02040503050406030204" pitchFamily="18" charset="0"/>
-                      </a:rPr>
-                      <m:t>𝑦</m:t>
-                    </m:r>
-                  </m:oMath>
-                </a14:m>
-                <a:r>
-                  <a:rPr lang="en-US" dirty="0"/>
-                  <a:t> the transformed variable</a:t>
-                </a:r>
-              </a:p>
-              <a:p>
-                <a:pPr lvl="2">
-                  <a:buFontTx/>
-                  <a:buChar char="-"/>
-                </a:pPr>
-                <a:r>
-                  <a:rPr lang="en-US" dirty="0"/>
-                  <a:t>The </a:t>
-                </a:r>
-                <a14:m>
-                  <m:oMath xmlns:m="http://schemas.openxmlformats.org/officeDocument/2006/math">
-                    <m:r>
-                      <a:rPr lang="en-US" b="0" i="1" smtClean="0">
-                        <a:latin typeface="Cambria Math" panose="02040503050406030204" pitchFamily="18" charset="0"/>
-                      </a:rPr>
-                      <m:t>𝑧</m:t>
-                    </m:r>
-                    <m:r>
-                      <a:rPr lang="en-US" b="0" i="1" smtClean="0">
-                        <a:latin typeface="Cambria Math" panose="02040503050406030204" pitchFamily="18" charset="0"/>
-                      </a:rPr>
-                      <m:t>−</m:t>
-                    </m:r>
-                  </m:oMath>
-                </a14:m>
-                <a:r>
-                  <a:rPr lang="en-US" dirty="0"/>
-                  <a:t>score is a linear transformation</a:t>
-                </a:r>
-              </a:p>
-              <a:p>
-                <a:pPr lvl="2">
-                  <a:buFontTx/>
-                  <a:buChar char="-"/>
-                </a:pPr>
-                <a:r>
-                  <a:rPr lang="en-US" dirty="0"/>
-                  <a:t>Linear transformations preserve the shape of variables distribution</a:t>
-                </a:r>
-              </a:p>
-              <a:p>
-                <a:pPr marL="914400" lvl="2" indent="0">
-                  <a:buNone/>
-                </a:pPr>
-                <a:endParaRPr lang="en-US" dirty="0"/>
-              </a:p>
-              <a:p>
-                <a:r>
-                  <a:rPr lang="en-US" dirty="0"/>
-                  <a:t>Nonlinear transformations: squaring, taking roots, logarithm, exponentiation, </a:t>
-                </a:r>
-                <a:r>
-                  <a:rPr lang="en-US" dirty="0" err="1"/>
-                  <a:t>etc</a:t>
-                </a:r>
-                <a:endParaRPr lang="en-US" dirty="0"/>
-              </a:p>
-              <a:p>
-                <a:pPr marL="914400" lvl="2" indent="0">
-                  <a:buNone/>
-                </a:pPr>
-                <a:r>
-                  <a:rPr lang="en-US" dirty="0"/>
-                  <a:t>- </a:t>
-                </a:r>
-                <a:r>
-                  <a:rPr lang="en-US" b="1" u="sng" dirty="0"/>
-                  <a:t>Do not</a:t>
-                </a:r>
-                <a:r>
-                  <a:rPr lang="en-US" dirty="0"/>
-                  <a:t> preserved the shape of the variables distribution</a:t>
-                </a:r>
-              </a:p>
-              <a:p>
-                <a:pPr marL="914400" lvl="2" indent="0">
-                  <a:buNone/>
-                </a:pPr>
-                <a:endParaRPr lang="en-US" dirty="0"/>
-              </a:p>
-            </p:txBody>
-          </p:sp>
-        </mc:Choice>
-        <mc:Fallback xmlns="">
-          <p:sp>
-            <p:nvSpPr>
-              <p:cNvPr id="3" name="Content Placeholder 2">
-                <a:extLst>
-                  <a:ext uri="{FF2B5EF4-FFF2-40B4-BE49-F238E27FC236}">
-                    <a16:creationId xmlns:a16="http://schemas.microsoft.com/office/drawing/2014/main" id="{C12FE30C-AFBE-E998-BDEF-D3E7157370A9}"/>
-                  </a:ext>
-                </a:extLst>
-              </p:cNvPr>
-              <p:cNvSpPr>
-                <a:spLocks noGrp="1" noRot="1" noChangeAspect="1" noMove="1" noResize="1" noEditPoints="1" noAdjustHandles="1" noChangeArrowheads="1" noChangeShapeType="1" noTextEdit="1"/>
-              </p:cNvSpPr>
-              <p:nvPr>
-                <p:ph idx="1"/>
-              </p:nvPr>
-            </p:nvSpPr>
-            <p:spPr>
-              <a:xfrm>
-                <a:off x="256309" y="1343818"/>
-                <a:ext cx="10515600" cy="5223237"/>
-              </a:xfrm>
-              <a:blipFill>
-                <a:blip r:embed="rId2"/>
-                <a:stretch>
-                  <a:fillRect l="-1043" t="-1867" r="-1739"/>
-                </a:stretch>
-              </a:blipFill>
-            </p:spPr>
-            <p:txBody>
-              <a:bodyPr/>
-              <a:lstStyle/>
-              <a:p>
-                <a:r>
-                  <a:rPr lang="en-US">
-                    <a:noFill/>
-                  </a:rPr>
-                  <a:t> </a:t>
-                </a:r>
-              </a:p>
-            </p:txBody>
-          </p:sp>
-        </mc:Fallback>
-      </mc:AlternateContent>
-    </p:spTree>
-    <p:extLst>
-      <p:ext uri="{BB962C8B-B14F-4D97-AF65-F5344CB8AC3E}">
-        <p14:creationId xmlns:p14="http://schemas.microsoft.com/office/powerpoint/2010/main" val="4257032028"/>
-      </p:ext>
-    </p:extLst>
-  </p:cSld>
-  <p:clrMapOvr>
-    <a:masterClrMapping/>
-  </p:clrMapOvr>
-</p:sld>
-</file>
-
 <file path=ppt/slides/slide2.xml><?xml version="1.0" encoding="utf-8"?>
 <p:sld xmlns:a="http://schemas.openxmlformats.org/drawingml/2006/main" xmlns:r="http://schemas.openxmlformats.org/officeDocument/2006/relationships" xmlns:p="http://schemas.openxmlformats.org/presentationml/2006/main">
   <p:cSld>
@@ -9114,755 +4846,6 @@
     <p:extLst>
       <p:ext uri="{BB962C8B-B14F-4D97-AF65-F5344CB8AC3E}">
         <p14:creationId xmlns:p14="http://schemas.microsoft.com/office/powerpoint/2010/main" val="3747072180"/>
-      </p:ext>
-    </p:extLst>
-  </p:cSld>
-  <p:clrMapOvr>
-    <a:masterClrMapping/>
-  </p:clrMapOvr>
-</p:sld>
-</file>
-
-<file path=ppt/slides/slide20.xml><?xml version="1.0" encoding="utf-8"?>
-<p:sld xmlns:a="http://schemas.openxmlformats.org/drawingml/2006/main" xmlns:r="http://schemas.openxmlformats.org/officeDocument/2006/relationships" xmlns:p="http://schemas.openxmlformats.org/presentationml/2006/main">
-  <p:cSld>
-    <p:spTree>
-      <p:nvGrpSpPr>
-        <p:cNvPr id="1" name=""/>
-        <p:cNvGrpSpPr/>
-        <p:nvPr/>
-      </p:nvGrpSpPr>
-      <p:grpSpPr>
-        <a:xfrm>
-          <a:off x="0" y="0"/>
-          <a:ext cx="0" cy="0"/>
-          <a:chOff x="0" y="0"/>
-          <a:chExt cx="0" cy="0"/>
-        </a:xfrm>
-      </p:grpSpPr>
-      <p:pic>
-        <p:nvPicPr>
-          <p:cNvPr id="11" name="Picture 10">
-            <a:extLst>
-              <a:ext uri="{FF2B5EF4-FFF2-40B4-BE49-F238E27FC236}">
-                <a16:creationId xmlns:a16="http://schemas.microsoft.com/office/drawing/2014/main" id="{768C2C7E-C258-9B1D-AAC4-D5DE91CE26F7}"/>
-              </a:ext>
-            </a:extLst>
-          </p:cNvPr>
-          <p:cNvPicPr>
-            <a:picLocks noChangeAspect="1"/>
-          </p:cNvPicPr>
-          <p:nvPr/>
-        </p:nvPicPr>
-        <p:blipFill>
-          <a:blip r:embed="rId2"/>
-          <a:stretch>
-            <a:fillRect/>
-          </a:stretch>
-        </p:blipFill>
-        <p:spPr>
-          <a:xfrm>
-            <a:off x="6096000" y="2638424"/>
-            <a:ext cx="5861148" cy="4046795"/>
-          </a:xfrm>
-          <a:prstGeom prst="rect">
-            <a:avLst/>
-          </a:prstGeom>
-        </p:spPr>
-      </p:pic>
-      <p:sp>
-        <p:nvSpPr>
-          <p:cNvPr id="2" name="Title 1">
-            <a:extLst>
-              <a:ext uri="{FF2B5EF4-FFF2-40B4-BE49-F238E27FC236}">
-                <a16:creationId xmlns:a16="http://schemas.microsoft.com/office/drawing/2014/main" id="{46E70BB4-08C0-9031-E6A2-572CCCABB235}"/>
-              </a:ext>
-            </a:extLst>
-          </p:cNvPr>
-          <p:cNvSpPr>
-            <a:spLocks noGrp="1"/>
-          </p:cNvSpPr>
-          <p:nvPr>
-            <p:ph type="title"/>
-          </p:nvPr>
-        </p:nvSpPr>
-        <p:spPr/>
-        <p:txBody>
-          <a:bodyPr/>
-          <a:lstStyle/>
-          <a:p>
-            <a:r>
-              <a:rPr lang="en-US" dirty="0"/>
-              <a:t>College Student Heights</a:t>
-            </a:r>
-          </a:p>
-        </p:txBody>
-      </p:sp>
-      <p:pic>
-        <p:nvPicPr>
-          <p:cNvPr id="9" name="Picture 8">
-            <a:extLst>
-              <a:ext uri="{FF2B5EF4-FFF2-40B4-BE49-F238E27FC236}">
-                <a16:creationId xmlns:a16="http://schemas.microsoft.com/office/drawing/2014/main" id="{19C88594-71D4-DEEC-BBB7-10416F8CF173}"/>
-              </a:ext>
-            </a:extLst>
-          </p:cNvPr>
-          <p:cNvPicPr>
-            <a:picLocks noChangeAspect="1"/>
-          </p:cNvPicPr>
-          <p:nvPr/>
-        </p:nvPicPr>
-        <p:blipFill>
-          <a:blip r:embed="rId3"/>
-          <a:stretch>
-            <a:fillRect/>
-          </a:stretch>
-        </p:blipFill>
-        <p:spPr>
-          <a:xfrm>
-            <a:off x="151902" y="2638424"/>
-            <a:ext cx="5861148" cy="4024655"/>
-          </a:xfrm>
-          <a:prstGeom prst="rect">
-            <a:avLst/>
-          </a:prstGeom>
-        </p:spPr>
-      </p:pic>
-      <p:pic>
-        <p:nvPicPr>
-          <p:cNvPr id="5" name="Picture 4">
-            <a:extLst>
-              <a:ext uri="{FF2B5EF4-FFF2-40B4-BE49-F238E27FC236}">
-                <a16:creationId xmlns:a16="http://schemas.microsoft.com/office/drawing/2014/main" id="{C9D7CB18-D2AE-27B8-A7C7-47620ED0FC56}"/>
-              </a:ext>
-            </a:extLst>
-          </p:cNvPr>
-          <p:cNvPicPr>
-            <a:picLocks noChangeAspect="1"/>
-          </p:cNvPicPr>
-          <p:nvPr/>
-        </p:nvPicPr>
-        <p:blipFill>
-          <a:blip r:embed="rId4"/>
-          <a:stretch>
-            <a:fillRect/>
-          </a:stretch>
-        </p:blipFill>
-        <p:spPr>
-          <a:xfrm>
-            <a:off x="5503391" y="2152581"/>
-            <a:ext cx="1019317" cy="971686"/>
-          </a:xfrm>
-          <a:prstGeom prst="rect">
-            <a:avLst/>
-          </a:prstGeom>
-        </p:spPr>
-      </p:pic>
-    </p:spTree>
-    <p:extLst>
-      <p:ext uri="{BB962C8B-B14F-4D97-AF65-F5344CB8AC3E}">
-        <p14:creationId xmlns:p14="http://schemas.microsoft.com/office/powerpoint/2010/main" val="2679398308"/>
-      </p:ext>
-    </p:extLst>
-  </p:cSld>
-  <p:clrMapOvr>
-    <a:masterClrMapping/>
-  </p:clrMapOvr>
-</p:sld>
-</file>
-
-<file path=ppt/slides/slide21.xml><?xml version="1.0" encoding="utf-8"?>
-<p:sld xmlns:a="http://schemas.openxmlformats.org/drawingml/2006/main" xmlns:r="http://schemas.openxmlformats.org/officeDocument/2006/relationships" xmlns:p="http://schemas.openxmlformats.org/presentationml/2006/main">
-  <p:cSld>
-    <p:spTree>
-      <p:nvGrpSpPr>
-        <p:cNvPr id="1" name=""/>
-        <p:cNvGrpSpPr/>
-        <p:nvPr/>
-      </p:nvGrpSpPr>
-      <p:grpSpPr>
-        <a:xfrm>
-          <a:off x="0" y="0"/>
-          <a:ext cx="0" cy="0"/>
-          <a:chOff x="0" y="0"/>
-          <a:chExt cx="0" cy="0"/>
-        </a:xfrm>
-      </p:grpSpPr>
-      <p:sp>
-        <p:nvSpPr>
-          <p:cNvPr id="2" name="Title 1">
-            <a:extLst>
-              <a:ext uri="{FF2B5EF4-FFF2-40B4-BE49-F238E27FC236}">
-                <a16:creationId xmlns:a16="http://schemas.microsoft.com/office/drawing/2014/main" id="{3840D820-1522-2602-84D3-FFCDA58D2C60}"/>
-              </a:ext>
-            </a:extLst>
-          </p:cNvPr>
-          <p:cNvSpPr>
-            <a:spLocks noGrp="1"/>
-          </p:cNvSpPr>
-          <p:nvPr>
-            <p:ph type="title"/>
-          </p:nvPr>
-        </p:nvSpPr>
-        <p:spPr/>
-        <p:txBody>
-          <a:bodyPr/>
-          <a:lstStyle/>
-          <a:p>
-            <a:r>
-              <a:rPr lang="en-US" dirty="0"/>
-              <a:t>More properties of Linear Transformations</a:t>
-            </a:r>
-          </a:p>
-        </p:txBody>
-      </p:sp>
-      <mc:AlternateContent xmlns:mc="http://schemas.openxmlformats.org/markup-compatibility/2006" xmlns:a14="http://schemas.microsoft.com/office/drawing/2010/main">
-        <mc:Choice Requires="a14">
-          <p:sp>
-            <p:nvSpPr>
-              <p:cNvPr id="3" name="Content Placeholder 2">
-                <a:extLst>
-                  <a:ext uri="{FF2B5EF4-FFF2-40B4-BE49-F238E27FC236}">
-                    <a16:creationId xmlns:a16="http://schemas.microsoft.com/office/drawing/2014/main" id="{1CCE655D-177B-3706-8F5E-2003CAE9824E}"/>
-                  </a:ext>
-                </a:extLst>
-              </p:cNvPr>
-              <p:cNvSpPr>
-                <a:spLocks noGrp="1"/>
-              </p:cNvSpPr>
-              <p:nvPr>
-                <p:ph idx="1"/>
-              </p:nvPr>
-            </p:nvSpPr>
-            <p:spPr/>
-            <p:txBody>
-              <a:bodyPr>
-                <a:normAutofit fontScale="92500" lnSpcReduction="10000"/>
-              </a:bodyPr>
-              <a:lstStyle/>
-              <a:p>
-                <a:r>
-                  <a:rPr lang="en-US" dirty="0"/>
-                  <a:t>For a linear transformation of </a:t>
-                </a:r>
-                <a14:m>
-                  <m:oMath xmlns:m="http://schemas.openxmlformats.org/officeDocument/2006/math">
-                    <m:r>
-                      <a:rPr lang="en-US" b="0" i="1" smtClean="0">
-                        <a:latin typeface="Cambria Math" panose="02040503050406030204" pitchFamily="18" charset="0"/>
-                      </a:rPr>
-                      <m:t>𝑥</m:t>
-                    </m:r>
-                  </m:oMath>
-                </a14:m>
-                <a:r>
-                  <a:rPr lang="en-US" dirty="0"/>
-                  <a:t> to </a:t>
-                </a:r>
-                <a14:m>
-                  <m:oMath xmlns:m="http://schemas.openxmlformats.org/officeDocument/2006/math">
-                    <m:r>
-                      <a:rPr lang="en-US" b="0" i="1" smtClean="0">
-                        <a:latin typeface="Cambria Math" panose="02040503050406030204" pitchFamily="18" charset="0"/>
-                      </a:rPr>
-                      <m:t>𝑦</m:t>
-                    </m:r>
-                  </m:oMath>
-                </a14:m>
-                <a:r>
-                  <a:rPr lang="en-US" dirty="0"/>
-                  <a:t>: </a:t>
-                </a:r>
-                <a14:m>
-                  <m:oMath xmlns:m="http://schemas.openxmlformats.org/officeDocument/2006/math">
-                    <m:r>
-                      <a:rPr lang="en-US" b="0" i="1" smtClean="0">
-                        <a:latin typeface="Cambria Math" panose="02040503050406030204" pitchFamily="18" charset="0"/>
-                      </a:rPr>
-                      <m:t>𝑦</m:t>
-                    </m:r>
-                    <m:r>
-                      <a:rPr lang="en-US" b="0" i="1" smtClean="0">
-                        <a:latin typeface="Cambria Math" panose="02040503050406030204" pitchFamily="18" charset="0"/>
-                      </a:rPr>
-                      <m:t>=</m:t>
-                    </m:r>
-                    <m:r>
-                      <a:rPr lang="en-US" b="0" i="1" smtClean="0">
-                        <a:latin typeface="Cambria Math" panose="02040503050406030204" pitchFamily="18" charset="0"/>
-                      </a:rPr>
-                      <m:t>𝑎𝑥</m:t>
-                    </m:r>
-                    <m:r>
-                      <a:rPr lang="en-US" b="0" i="1" smtClean="0">
-                        <a:latin typeface="Cambria Math" panose="02040503050406030204" pitchFamily="18" charset="0"/>
-                      </a:rPr>
-                      <m:t>+</m:t>
-                    </m:r>
-                    <m:r>
-                      <a:rPr lang="en-US" b="0" i="1" smtClean="0">
-                        <a:latin typeface="Cambria Math" panose="02040503050406030204" pitchFamily="18" charset="0"/>
-                      </a:rPr>
-                      <m:t>𝑏</m:t>
-                    </m:r>
-                  </m:oMath>
-                </a14:m>
-                <a:endParaRPr lang="en-US" dirty="0"/>
-              </a:p>
-              <a:p>
-                <a:endParaRPr lang="en-US" dirty="0"/>
-              </a:p>
-              <a:p>
-                <a14:m>
-                  <m:oMath xmlns:m="http://schemas.openxmlformats.org/officeDocument/2006/math">
-                    <m:acc>
-                      <m:accPr>
-                        <m:chr m:val="̅"/>
-                        <m:ctrlPr>
-                          <a:rPr lang="en-US" i="1" smtClean="0">
-                            <a:latin typeface="Cambria Math" panose="02040503050406030204" pitchFamily="18" charset="0"/>
-                          </a:rPr>
-                        </m:ctrlPr>
-                      </m:accPr>
-                      <m:e>
-                        <m:r>
-                          <a:rPr lang="en-US" b="0" i="1" smtClean="0">
-                            <a:latin typeface="Cambria Math" panose="02040503050406030204" pitchFamily="18" charset="0"/>
-                          </a:rPr>
-                          <m:t>𝑦</m:t>
-                        </m:r>
-                      </m:e>
-                    </m:acc>
-                    <m:r>
-                      <a:rPr lang="en-US" b="0" i="1" smtClean="0">
-                        <a:latin typeface="Cambria Math" panose="02040503050406030204" pitchFamily="18" charset="0"/>
-                      </a:rPr>
-                      <m:t>=</m:t>
-                    </m:r>
-                    <m:r>
-                      <a:rPr lang="en-US" b="0" i="1" smtClean="0">
-                        <a:latin typeface="Cambria Math" panose="02040503050406030204" pitchFamily="18" charset="0"/>
-                      </a:rPr>
-                      <m:t>𝑎</m:t>
-                    </m:r>
-                    <m:acc>
-                      <m:accPr>
-                        <m:chr m:val="̅"/>
-                        <m:ctrlPr>
-                          <a:rPr lang="en-US" b="0" i="1" smtClean="0">
-                            <a:latin typeface="Cambria Math" panose="02040503050406030204" pitchFamily="18" charset="0"/>
-                          </a:rPr>
-                        </m:ctrlPr>
-                      </m:accPr>
-                      <m:e>
-                        <m:r>
-                          <a:rPr lang="en-US" b="0" i="1" smtClean="0">
-                            <a:latin typeface="Cambria Math" panose="02040503050406030204" pitchFamily="18" charset="0"/>
-                          </a:rPr>
-                          <m:t>𝑥</m:t>
-                        </m:r>
-                      </m:e>
-                    </m:acc>
-                    <m:r>
-                      <a:rPr lang="en-US" b="0" i="1" smtClean="0">
-                        <a:latin typeface="Cambria Math" panose="02040503050406030204" pitchFamily="18" charset="0"/>
-                      </a:rPr>
-                      <m:t>+</m:t>
-                    </m:r>
-                    <m:r>
-                      <a:rPr lang="en-US" b="0" i="1" smtClean="0">
-                        <a:latin typeface="Cambria Math" panose="02040503050406030204" pitchFamily="18" charset="0"/>
-                      </a:rPr>
-                      <m:t>𝑏</m:t>
-                    </m:r>
-                  </m:oMath>
-                </a14:m>
-                <a:endParaRPr lang="en-US" b="0" dirty="0"/>
-              </a:p>
-              <a:p>
-                <a:endParaRPr lang="en-US" b="0" dirty="0"/>
-              </a:p>
-              <a:p>
-                <a14:m>
-                  <m:oMath xmlns:m="http://schemas.openxmlformats.org/officeDocument/2006/math">
-                    <m:r>
-                      <a:rPr lang="en-US" b="0" i="1" smtClean="0">
-                        <a:latin typeface="Cambria Math" panose="02040503050406030204" pitchFamily="18" charset="0"/>
-                      </a:rPr>
-                      <m:t>𝑚𝑒𝑑𝑖𝑎𝑛</m:t>
-                    </m:r>
-                    <m:d>
-                      <m:dPr>
-                        <m:ctrlPr>
-                          <a:rPr lang="en-US" b="0" i="1" smtClean="0">
-                            <a:latin typeface="Cambria Math" panose="02040503050406030204" pitchFamily="18" charset="0"/>
-                          </a:rPr>
-                        </m:ctrlPr>
-                      </m:dPr>
-                      <m:e>
-                        <m:r>
-                          <a:rPr lang="en-US" b="0" i="1" smtClean="0">
-                            <a:latin typeface="Cambria Math" panose="02040503050406030204" pitchFamily="18" charset="0"/>
-                          </a:rPr>
-                          <m:t>𝑦</m:t>
-                        </m:r>
-                      </m:e>
-                    </m:d>
-                    <m:r>
-                      <a:rPr lang="en-US" b="0" i="1" smtClean="0">
-                        <a:latin typeface="Cambria Math" panose="02040503050406030204" pitchFamily="18" charset="0"/>
-                      </a:rPr>
-                      <m:t>=</m:t>
-                    </m:r>
-                    <m:r>
-                      <a:rPr lang="en-US" b="0" i="1" smtClean="0">
-                        <a:latin typeface="Cambria Math" panose="02040503050406030204" pitchFamily="18" charset="0"/>
-                      </a:rPr>
-                      <m:t>𝑎</m:t>
-                    </m:r>
-                    <m:r>
-                      <a:rPr lang="en-US" b="0" i="1" smtClean="0">
-                        <a:latin typeface="Cambria Math" panose="02040503050406030204" pitchFamily="18" charset="0"/>
-                      </a:rPr>
-                      <m:t>⋅</m:t>
-                    </m:r>
-                    <m:r>
-                      <a:rPr lang="en-US" b="0" i="1" smtClean="0">
-                        <a:latin typeface="Cambria Math" panose="02040503050406030204" pitchFamily="18" charset="0"/>
-                      </a:rPr>
-                      <m:t>𝑚𝑒𝑑𝑖𝑎𝑛</m:t>
-                    </m:r>
-                    <m:d>
-                      <m:dPr>
-                        <m:ctrlPr>
-                          <a:rPr lang="en-US" b="0" i="1" smtClean="0">
-                            <a:latin typeface="Cambria Math" panose="02040503050406030204" pitchFamily="18" charset="0"/>
-                          </a:rPr>
-                        </m:ctrlPr>
-                      </m:dPr>
-                      <m:e>
-                        <m:r>
-                          <a:rPr lang="en-US" b="0" i="1" smtClean="0">
-                            <a:latin typeface="Cambria Math" panose="02040503050406030204" pitchFamily="18" charset="0"/>
-                          </a:rPr>
-                          <m:t>𝑥</m:t>
-                        </m:r>
-                      </m:e>
-                    </m:d>
-                    <m:r>
-                      <a:rPr lang="en-US" b="0" i="1" smtClean="0">
-                        <a:latin typeface="Cambria Math" panose="02040503050406030204" pitchFamily="18" charset="0"/>
-                      </a:rPr>
-                      <m:t>+</m:t>
-                    </m:r>
-                    <m:r>
-                      <a:rPr lang="en-US" b="0" i="1" smtClean="0">
-                        <a:latin typeface="Cambria Math" panose="02040503050406030204" pitchFamily="18" charset="0"/>
-                      </a:rPr>
-                      <m:t>𝑏</m:t>
-                    </m:r>
-                  </m:oMath>
-                </a14:m>
-                <a:endParaRPr lang="en-US" b="0" dirty="0"/>
-              </a:p>
-              <a:p>
-                <a:endParaRPr lang="en-US" b="0" dirty="0"/>
-              </a:p>
-              <a:p>
-                <a14:m>
-                  <m:oMath xmlns:m="http://schemas.openxmlformats.org/officeDocument/2006/math">
-                    <m:sSub>
-                      <m:sSubPr>
-                        <m:ctrlPr>
-                          <a:rPr lang="en-US" b="0" i="1" smtClean="0">
-                            <a:latin typeface="Cambria Math" panose="02040503050406030204" pitchFamily="18" charset="0"/>
-                          </a:rPr>
-                        </m:ctrlPr>
-                      </m:sSubPr>
-                      <m:e>
-                        <m:r>
-                          <a:rPr lang="en-US" b="0" i="1" smtClean="0">
-                            <a:latin typeface="Cambria Math" panose="02040503050406030204" pitchFamily="18" charset="0"/>
-                          </a:rPr>
-                          <m:t>𝑠</m:t>
-                        </m:r>
-                      </m:e>
-                      <m:sub>
-                        <m:r>
-                          <a:rPr lang="en-US" b="0" i="1" smtClean="0">
-                            <a:latin typeface="Cambria Math" panose="02040503050406030204" pitchFamily="18" charset="0"/>
-                          </a:rPr>
-                          <m:t>𝑦</m:t>
-                        </m:r>
-                      </m:sub>
-                    </m:sSub>
-                    <m:r>
-                      <a:rPr lang="en-US" b="0" i="1" smtClean="0">
-                        <a:latin typeface="Cambria Math" panose="02040503050406030204" pitchFamily="18" charset="0"/>
-                      </a:rPr>
-                      <m:t>=</m:t>
-                    </m:r>
-                    <m:d>
-                      <m:dPr>
-                        <m:begChr m:val="|"/>
-                        <m:endChr m:val="|"/>
-                        <m:ctrlPr>
-                          <a:rPr lang="en-US" b="0" i="1" smtClean="0">
-                            <a:latin typeface="Cambria Math" panose="02040503050406030204" pitchFamily="18" charset="0"/>
-                          </a:rPr>
-                        </m:ctrlPr>
-                      </m:dPr>
-                      <m:e>
-                        <m:r>
-                          <a:rPr lang="en-US" b="0" i="1" smtClean="0">
-                            <a:latin typeface="Cambria Math" panose="02040503050406030204" pitchFamily="18" charset="0"/>
-                          </a:rPr>
-                          <m:t>𝑎</m:t>
-                        </m:r>
-                      </m:e>
-                    </m:d>
-                    <m:sSub>
-                      <m:sSubPr>
-                        <m:ctrlPr>
-                          <a:rPr lang="en-US" b="0" i="1" smtClean="0">
-                            <a:latin typeface="Cambria Math" panose="02040503050406030204" pitchFamily="18" charset="0"/>
-                          </a:rPr>
-                        </m:ctrlPr>
-                      </m:sSubPr>
-                      <m:e>
-                        <m:r>
-                          <a:rPr lang="en-US" b="0" i="1" smtClean="0">
-                            <a:latin typeface="Cambria Math" panose="02040503050406030204" pitchFamily="18" charset="0"/>
-                          </a:rPr>
-                          <m:t>⋅</m:t>
-                        </m:r>
-                        <m:r>
-                          <a:rPr lang="en-US" b="0" i="1" smtClean="0">
-                            <a:latin typeface="Cambria Math" panose="02040503050406030204" pitchFamily="18" charset="0"/>
-                          </a:rPr>
-                          <m:t>𝑠</m:t>
-                        </m:r>
-                      </m:e>
-                      <m:sub>
-                        <m:r>
-                          <a:rPr lang="en-US" b="0" i="1" smtClean="0">
-                            <a:latin typeface="Cambria Math" panose="02040503050406030204" pitchFamily="18" charset="0"/>
-                          </a:rPr>
-                          <m:t>𝑥</m:t>
-                        </m:r>
-                      </m:sub>
-                    </m:sSub>
-                  </m:oMath>
-                </a14:m>
-                <a:r>
-                  <a:rPr lang="en-US" dirty="0"/>
-                  <a:t>   (the standard deviation is not affected by shift </a:t>
-                </a:r>
-                <a14:m>
-                  <m:oMath xmlns:m="http://schemas.openxmlformats.org/officeDocument/2006/math">
-                    <m:r>
-                      <a:rPr lang="en-US" b="0" i="1" smtClean="0">
-                        <a:latin typeface="Cambria Math" panose="02040503050406030204" pitchFamily="18" charset="0"/>
-                      </a:rPr>
-                      <m:t>𝑏</m:t>
-                    </m:r>
-                  </m:oMath>
-                </a14:m>
-                <a:r>
-                  <a:rPr lang="en-US" dirty="0"/>
-                  <a:t>)</a:t>
-                </a:r>
-              </a:p>
-              <a:p>
-                <a:endParaRPr lang="en-US" dirty="0"/>
-              </a:p>
-              <a:p>
-                <a14:m>
-                  <m:oMath xmlns:m="http://schemas.openxmlformats.org/officeDocument/2006/math">
-                    <m:r>
-                      <a:rPr lang="en-US" b="0" i="1" smtClean="0">
-                        <a:latin typeface="Cambria Math" panose="02040503050406030204" pitchFamily="18" charset="0"/>
-                      </a:rPr>
-                      <m:t>𝐼𝑄</m:t>
-                    </m:r>
-                    <m:sSub>
-                      <m:sSubPr>
-                        <m:ctrlPr>
-                          <a:rPr lang="en-US" b="0" i="1" smtClean="0">
-                            <a:latin typeface="Cambria Math" panose="02040503050406030204" pitchFamily="18" charset="0"/>
-                          </a:rPr>
-                        </m:ctrlPr>
-                      </m:sSubPr>
-                      <m:e>
-                        <m:r>
-                          <a:rPr lang="en-US" b="0" i="1" smtClean="0">
-                            <a:latin typeface="Cambria Math" panose="02040503050406030204" pitchFamily="18" charset="0"/>
-                          </a:rPr>
-                          <m:t>𝑅</m:t>
-                        </m:r>
-                      </m:e>
-                      <m:sub>
-                        <m:r>
-                          <a:rPr lang="en-US" b="0" i="1" smtClean="0">
-                            <a:latin typeface="Cambria Math" panose="02040503050406030204" pitchFamily="18" charset="0"/>
-                          </a:rPr>
-                          <m:t>𝑦</m:t>
-                        </m:r>
-                      </m:sub>
-                    </m:sSub>
-                    <m:r>
-                      <a:rPr lang="en-US" b="0" i="1" smtClean="0">
-                        <a:latin typeface="Cambria Math" panose="02040503050406030204" pitchFamily="18" charset="0"/>
-                      </a:rPr>
-                      <m:t>=</m:t>
-                    </m:r>
-                    <m:d>
-                      <m:dPr>
-                        <m:begChr m:val="|"/>
-                        <m:endChr m:val="|"/>
-                        <m:ctrlPr>
-                          <a:rPr lang="en-US" b="0" i="1" smtClean="0">
-                            <a:latin typeface="Cambria Math" panose="02040503050406030204" pitchFamily="18" charset="0"/>
-                          </a:rPr>
-                        </m:ctrlPr>
-                      </m:dPr>
-                      <m:e>
-                        <m:r>
-                          <a:rPr lang="en-US" b="0" i="1" smtClean="0">
-                            <a:latin typeface="Cambria Math" panose="02040503050406030204" pitchFamily="18" charset="0"/>
-                          </a:rPr>
-                          <m:t>𝑎</m:t>
-                        </m:r>
-                      </m:e>
-                    </m:d>
-                    <m:r>
-                      <a:rPr lang="en-US" b="0" i="1" smtClean="0">
-                        <a:latin typeface="Cambria Math" panose="02040503050406030204" pitchFamily="18" charset="0"/>
-                      </a:rPr>
-                      <m:t>⋅</m:t>
-                    </m:r>
-                    <m:r>
-                      <a:rPr lang="en-US" b="0" i="1" smtClean="0">
-                        <a:latin typeface="Cambria Math" panose="02040503050406030204" pitchFamily="18" charset="0"/>
-                      </a:rPr>
-                      <m:t>𝐼𝑄</m:t>
-                    </m:r>
-                    <m:sSub>
-                      <m:sSubPr>
-                        <m:ctrlPr>
-                          <a:rPr lang="en-US" b="0" i="1" smtClean="0">
-                            <a:latin typeface="Cambria Math" panose="02040503050406030204" pitchFamily="18" charset="0"/>
-                          </a:rPr>
-                        </m:ctrlPr>
-                      </m:sSubPr>
-                      <m:e>
-                        <m:r>
-                          <a:rPr lang="en-US" b="0" i="1" smtClean="0">
-                            <a:latin typeface="Cambria Math" panose="02040503050406030204" pitchFamily="18" charset="0"/>
-                          </a:rPr>
-                          <m:t>𝑅</m:t>
-                        </m:r>
-                      </m:e>
-                      <m:sub>
-                        <m:r>
-                          <a:rPr lang="en-US" b="0" i="1" smtClean="0">
-                            <a:latin typeface="Cambria Math" panose="02040503050406030204" pitchFamily="18" charset="0"/>
-                          </a:rPr>
-                          <m:t>𝑥</m:t>
-                        </m:r>
-                      </m:sub>
-                    </m:sSub>
-                  </m:oMath>
-                </a14:m>
-                <a:r>
-                  <a:rPr lang="en-US" dirty="0"/>
-                  <a:t>  (the </a:t>
-                </a:r>
-                <a14:m>
-                  <m:oMath xmlns:m="http://schemas.openxmlformats.org/officeDocument/2006/math">
-                    <m:r>
-                      <a:rPr lang="en-US" b="0" i="1" smtClean="0">
-                        <a:latin typeface="Cambria Math" panose="02040503050406030204" pitchFamily="18" charset="0"/>
-                      </a:rPr>
-                      <m:t>𝐼𝑄𝑅</m:t>
-                    </m:r>
-                  </m:oMath>
-                </a14:m>
-                <a:r>
-                  <a:rPr lang="en-US" dirty="0"/>
-                  <a:t> is not affected by shift </a:t>
-                </a:r>
-                <a14:m>
-                  <m:oMath xmlns:m="http://schemas.openxmlformats.org/officeDocument/2006/math">
-                    <m:r>
-                      <a:rPr lang="en-US" i="1">
-                        <a:latin typeface="Cambria Math" panose="02040503050406030204" pitchFamily="18" charset="0"/>
-                      </a:rPr>
-                      <m:t>𝑏</m:t>
-                    </m:r>
-                  </m:oMath>
-                </a14:m>
-                <a:r>
-                  <a:rPr lang="en-US" dirty="0"/>
-                  <a:t>)</a:t>
-                </a:r>
-              </a:p>
-              <a:p>
-                <a:endParaRPr lang="en-US" dirty="0"/>
-              </a:p>
-              <a:p>
-                <a:endParaRPr lang="en-US" dirty="0"/>
-              </a:p>
-              <a:p>
-                <a:endParaRPr lang="en-US" dirty="0"/>
-              </a:p>
-            </p:txBody>
-          </p:sp>
-        </mc:Choice>
-        <mc:Fallback xmlns="">
-          <p:sp>
-            <p:nvSpPr>
-              <p:cNvPr id="3" name="Content Placeholder 2">
-                <a:extLst>
-                  <a:ext uri="{FF2B5EF4-FFF2-40B4-BE49-F238E27FC236}">
-                    <a16:creationId xmlns:a16="http://schemas.microsoft.com/office/drawing/2014/main" id="{1CCE655D-177B-3706-8F5E-2003CAE9824E}"/>
-                  </a:ext>
-                </a:extLst>
-              </p:cNvPr>
-              <p:cNvSpPr>
-                <a:spLocks noGrp="1" noRot="1" noChangeAspect="1" noMove="1" noResize="1" noEditPoints="1" noAdjustHandles="1" noChangeArrowheads="1" noChangeShapeType="1" noTextEdit="1"/>
-              </p:cNvSpPr>
-              <p:nvPr>
-                <p:ph idx="1"/>
-              </p:nvPr>
-            </p:nvSpPr>
-            <p:spPr>
-              <a:blipFill>
-                <a:blip r:embed="rId2"/>
-                <a:stretch>
-                  <a:fillRect l="-928" t="-2801"/>
-                </a:stretch>
-              </a:blipFill>
-            </p:spPr>
-            <p:txBody>
-              <a:bodyPr/>
-              <a:lstStyle/>
-              <a:p>
-                <a:r>
-                  <a:rPr lang="en-US">
-                    <a:noFill/>
-                  </a:rPr>
-                  <a:t> </a:t>
-                </a:r>
-              </a:p>
-            </p:txBody>
-          </p:sp>
-        </mc:Fallback>
-      </mc:AlternateContent>
-    </p:spTree>
-    <p:extLst>
-      <p:ext uri="{BB962C8B-B14F-4D97-AF65-F5344CB8AC3E}">
-        <p14:creationId xmlns:p14="http://schemas.microsoft.com/office/powerpoint/2010/main" val="2540309755"/>
       </p:ext>
     </p:extLst>
   </p:cSld>
@@ -10207,8 +5190,8 @@
           </a:p>
         </p:txBody>
       </p:sp>
-      <mc:AlternateContent xmlns:mc="http://schemas.openxmlformats.org/markup-compatibility/2006" xmlns:a14="http://schemas.microsoft.com/office/drawing/2010/main">
-        <mc:Choice Requires="a14">
+      <mc:AlternateContent xmlns:mc="http://schemas.openxmlformats.org/markup-compatibility/2006">
+        <mc:Choice xmlns:a14="http://schemas.microsoft.com/office/drawing/2010/main" Requires="a14">
           <p:sp>
             <p:nvSpPr>
               <p:cNvPr id="4" name="Content Placeholder 2">
@@ -11190,7 +6173,34 @@
                         </a:solidFill>
                         <a:latin typeface="Cambria Math" panose="02040503050406030204" pitchFamily="18" charset="0"/>
                       </a:rPr>
-                      <m:t>=14 −4.5=9.5</m:t>
+                      <m:t>=1</m:t>
+                    </m:r>
+                    <m:r>
+                      <a:rPr lang="en-US" sz="2400" b="0" i="1" smtClean="0">
+                        <a:solidFill>
+                          <a:prstClr val="black"/>
+                        </a:solidFill>
+                        <a:latin typeface="Cambria Math" panose="02040503050406030204" pitchFamily="18" charset="0"/>
+                      </a:rPr>
+                      <m:t>3</m:t>
+                    </m:r>
+                    <m:r>
+                      <a:rPr lang="en-US" sz="2400" b="0" i="1" smtClean="0">
+                        <a:solidFill>
+                          <a:prstClr val="black"/>
+                        </a:solidFill>
+                        <a:latin typeface="Cambria Math" panose="02040503050406030204" pitchFamily="18" charset="0"/>
+                      </a:rPr>
+                      <m:t> −4=</m:t>
+                    </m:r>
+                    <m:r>
+                      <a:rPr lang="en-US" sz="2400" b="0" i="1" smtClean="0">
+                        <a:solidFill>
+                          <a:prstClr val="black"/>
+                        </a:solidFill>
+                        <a:latin typeface="Cambria Math" panose="02040503050406030204" pitchFamily="18" charset="0"/>
+                      </a:rPr>
+                      <m:t>8</m:t>
                     </m:r>
                   </m:oMath>
                 </a14:m>
@@ -11245,7 +6255,7 @@
             </p:txBody>
           </p:sp>
         </mc:Choice>
-        <mc:Fallback xmlns="">
+        <mc:Fallback>
           <p:sp>
             <p:nvSpPr>
               <p:cNvPr id="4" name="Content Placeholder 2">
